--- a/Modeling Effect of Coriolis Force on long range ballistics - Luke, Koen Lilly.pptx
+++ b/Modeling Effect of Coriolis Force on long range ballistics - Luke, Koen Lilly.pptx
@@ -1,48 +1,48 @@
 
 <file path=ppt/presentation.xml><?xml version="1.0" encoding="utf-8"?>
-<p:presentation xmlns:a="http://schemas.openxmlformats.org/drawingml/2006/main" xmlns:r="http://schemas.openxmlformats.org/officeDocument/2006/relationships" xmlns:mc="http://schemas.openxmlformats.org/markup-compatibility/2006" xmlns:mv="urn:schemas-microsoft-com:mac:vml" xmlns:p="http://schemas.openxmlformats.org/presentationml/2006/main" xmlns:c="http://schemas.openxmlformats.org/drawingml/2006/chart" xmlns:dgm="http://schemas.openxmlformats.org/drawingml/2006/diagram" xmlns:o="urn:schemas-microsoft-com:office:office" xmlns:v="urn:schemas-microsoft-com:vml" xmlns:pvml="urn:schemas-microsoft-com:office:powerpoint" xmlns:com="http://schemas.openxmlformats.org/drawingml/2006/compatibility" xmlns:p14="http://schemas.microsoft.com/office/powerpoint/2010/main" xmlns:p15="http://schemas.microsoft.com/office/powerpoint/2012/main" xmlns:ahyp="http://schemas.microsoft.com/office/drawing/2018/hyperlinkcolor" autoCompressPictures="0" embedTrueTypeFonts="1" strictFirstAndLastChars="0" saveSubsetFonts="1">
+<p:presentation xmlns:a="http://schemas.openxmlformats.org/drawingml/2006/main" xmlns:r="http://schemas.openxmlformats.org/officeDocument/2006/relationships" xmlns:p="http://schemas.openxmlformats.org/presentationml/2006/main" strictFirstAndLastChars="0" embedTrueTypeFonts="1" saveSubsetFonts="1" autoCompressPictures="0">
   <p:sldMasterIdLst>
-    <p:sldMasterId id="2147483659" r:id="rId4"/>
+    <p:sldMasterId id="2147483659" r:id="rId1"/>
   </p:sldMasterIdLst>
   <p:notesMasterIdLst>
-    <p:notesMasterId r:id="rId5"/>
+    <p:notesMasterId r:id="rId16"/>
   </p:notesMasterIdLst>
   <p:sldIdLst>
-    <p:sldId id="256" r:id="rId6"/>
-    <p:sldId id="257" r:id="rId7"/>
-    <p:sldId id="258" r:id="rId8"/>
-    <p:sldId id="259" r:id="rId9"/>
-    <p:sldId id="260" r:id="rId10"/>
-    <p:sldId id="261" r:id="rId11"/>
-    <p:sldId id="262" r:id="rId12"/>
-    <p:sldId id="263" r:id="rId13"/>
-    <p:sldId id="264" r:id="rId14"/>
-    <p:sldId id="265" r:id="rId15"/>
-    <p:sldId id="266" r:id="rId16"/>
-    <p:sldId id="267" r:id="rId17"/>
-    <p:sldId id="268" r:id="rId18"/>
-    <p:sldId id="269" r:id="rId19"/>
+    <p:sldId id="256" r:id="rId2"/>
+    <p:sldId id="257" r:id="rId3"/>
+    <p:sldId id="258" r:id="rId4"/>
+    <p:sldId id="259" r:id="rId5"/>
+    <p:sldId id="260" r:id="rId6"/>
+    <p:sldId id="261" r:id="rId7"/>
+    <p:sldId id="262" r:id="rId8"/>
+    <p:sldId id="263" r:id="rId9"/>
+    <p:sldId id="264" r:id="rId10"/>
+    <p:sldId id="265" r:id="rId11"/>
+    <p:sldId id="266" r:id="rId12"/>
+    <p:sldId id="267" r:id="rId13"/>
+    <p:sldId id="268" r:id="rId14"/>
+    <p:sldId id="269" r:id="rId15"/>
   </p:sldIdLst>
-  <p:sldSz cy="5143500" cx="9144000"/>
+  <p:sldSz cx="9144000" cy="5143500" type="screen16x9"/>
   <p:notesSz cx="6858000" cy="9144000"/>
   <p:embeddedFontLst>
     <p:embeddedFont>
-      <p:font typeface="Raleway"/>
-      <p:regular r:id="rId20"/>
-      <p:bold r:id="rId21"/>
-      <p:italic r:id="rId22"/>
-      <p:boldItalic r:id="rId23"/>
+      <p:font typeface="Lato" panose="020F0502020204030204" pitchFamily="34" charset="0"/>
+      <p:regular r:id="rId17"/>
+      <p:bold r:id="rId18"/>
+      <p:italic r:id="rId19"/>
+      <p:boldItalic r:id="rId20"/>
     </p:embeddedFont>
     <p:embeddedFont>
-      <p:font typeface="Lato"/>
-      <p:regular r:id="rId24"/>
-      <p:bold r:id="rId25"/>
-      <p:italic r:id="rId26"/>
-      <p:boldItalic r:id="rId27"/>
+      <p:font typeface="Raleway" panose="020F0502020204030204" pitchFamily="2" charset="0"/>
+      <p:regular r:id="rId21"/>
+      <p:bold r:id="rId22"/>
+      <p:italic r:id="rId23"/>
+      <p:boldItalic r:id="rId24"/>
     </p:embeddedFont>
   </p:embeddedFontLst>
   <p:defaultTextStyle>
-    <a:defPPr lvl="0" marR="0" rtl="0" algn="l">
+    <a:defPPr marR="0" lvl="0" algn="l" rtl="0">
       <a:lnSpc>
         <a:spcPct val="100000"/>
       </a:lnSpc>
@@ -53,7 +53,7 @@
         <a:spcPts val="0"/>
       </a:spcAft>
     </a:defPPr>
-    <a:lvl1pPr lvl="0" marR="0" rtl="0" algn="l">
+    <a:lvl1pPr marR="0" lvl="0" algn="l" rtl="0">
       <a:lnSpc>
         <a:spcPct val="100000"/>
       </a:lnSpc>
@@ -67,7 +67,7 @@
         <a:srgbClr val="000000"/>
       </a:buClr>
       <a:buFont typeface="Arial"/>
-      <a:defRPr b="0" i="0" sz="1400" u="none" cap="none" strike="noStrike">
+      <a:defRPr sz="1400" b="0" i="0" u="none" strike="noStrike" cap="none">
         <a:solidFill>
           <a:srgbClr val="000000"/>
         </a:solidFill>
@@ -77,7 +77,7 @@
         <a:sym typeface="Arial"/>
       </a:defRPr>
     </a:lvl1pPr>
-    <a:lvl2pPr lvl="1" marR="0" rtl="0" algn="l">
+    <a:lvl2pPr marR="0" lvl="1" algn="l" rtl="0">
       <a:lnSpc>
         <a:spcPct val="100000"/>
       </a:lnSpc>
@@ -91,7 +91,7 @@
         <a:srgbClr val="000000"/>
       </a:buClr>
       <a:buFont typeface="Arial"/>
-      <a:defRPr b="0" i="0" sz="1400" u="none" cap="none" strike="noStrike">
+      <a:defRPr sz="1400" b="0" i="0" u="none" strike="noStrike" cap="none">
         <a:solidFill>
           <a:srgbClr val="000000"/>
         </a:solidFill>
@@ -101,7 +101,7 @@
         <a:sym typeface="Arial"/>
       </a:defRPr>
     </a:lvl2pPr>
-    <a:lvl3pPr lvl="2" marR="0" rtl="0" algn="l">
+    <a:lvl3pPr marR="0" lvl="2" algn="l" rtl="0">
       <a:lnSpc>
         <a:spcPct val="100000"/>
       </a:lnSpc>
@@ -115,7 +115,7 @@
         <a:srgbClr val="000000"/>
       </a:buClr>
       <a:buFont typeface="Arial"/>
-      <a:defRPr b="0" i="0" sz="1400" u="none" cap="none" strike="noStrike">
+      <a:defRPr sz="1400" b="0" i="0" u="none" strike="noStrike" cap="none">
         <a:solidFill>
           <a:srgbClr val="000000"/>
         </a:solidFill>
@@ -125,7 +125,7 @@
         <a:sym typeface="Arial"/>
       </a:defRPr>
     </a:lvl3pPr>
-    <a:lvl4pPr lvl="3" marR="0" rtl="0" algn="l">
+    <a:lvl4pPr marR="0" lvl="3" algn="l" rtl="0">
       <a:lnSpc>
         <a:spcPct val="100000"/>
       </a:lnSpc>
@@ -139,7 +139,7 @@
         <a:srgbClr val="000000"/>
       </a:buClr>
       <a:buFont typeface="Arial"/>
-      <a:defRPr b="0" i="0" sz="1400" u="none" cap="none" strike="noStrike">
+      <a:defRPr sz="1400" b="0" i="0" u="none" strike="noStrike" cap="none">
         <a:solidFill>
           <a:srgbClr val="000000"/>
         </a:solidFill>
@@ -149,7 +149,7 @@
         <a:sym typeface="Arial"/>
       </a:defRPr>
     </a:lvl4pPr>
-    <a:lvl5pPr lvl="4" marR="0" rtl="0" algn="l">
+    <a:lvl5pPr marR="0" lvl="4" algn="l" rtl="0">
       <a:lnSpc>
         <a:spcPct val="100000"/>
       </a:lnSpc>
@@ -163,7 +163,7 @@
         <a:srgbClr val="000000"/>
       </a:buClr>
       <a:buFont typeface="Arial"/>
-      <a:defRPr b="0" i="0" sz="1400" u="none" cap="none" strike="noStrike">
+      <a:defRPr sz="1400" b="0" i="0" u="none" strike="noStrike" cap="none">
         <a:solidFill>
           <a:srgbClr val="000000"/>
         </a:solidFill>
@@ -173,7 +173,7 @@
         <a:sym typeface="Arial"/>
       </a:defRPr>
     </a:lvl5pPr>
-    <a:lvl6pPr lvl="5" marR="0" rtl="0" algn="l">
+    <a:lvl6pPr marR="0" lvl="5" algn="l" rtl="0">
       <a:lnSpc>
         <a:spcPct val="100000"/>
       </a:lnSpc>
@@ -187,7 +187,7 @@
         <a:srgbClr val="000000"/>
       </a:buClr>
       <a:buFont typeface="Arial"/>
-      <a:defRPr b="0" i="0" sz="1400" u="none" cap="none" strike="noStrike">
+      <a:defRPr sz="1400" b="0" i="0" u="none" strike="noStrike" cap="none">
         <a:solidFill>
           <a:srgbClr val="000000"/>
         </a:solidFill>
@@ -197,7 +197,7 @@
         <a:sym typeface="Arial"/>
       </a:defRPr>
     </a:lvl6pPr>
-    <a:lvl7pPr lvl="6" marR="0" rtl="0" algn="l">
+    <a:lvl7pPr marR="0" lvl="6" algn="l" rtl="0">
       <a:lnSpc>
         <a:spcPct val="100000"/>
       </a:lnSpc>
@@ -211,7 +211,7 @@
         <a:srgbClr val="000000"/>
       </a:buClr>
       <a:buFont typeface="Arial"/>
-      <a:defRPr b="0" i="0" sz="1400" u="none" cap="none" strike="noStrike">
+      <a:defRPr sz="1400" b="0" i="0" u="none" strike="noStrike" cap="none">
         <a:solidFill>
           <a:srgbClr val="000000"/>
         </a:solidFill>
@@ -221,7 +221,7 @@
         <a:sym typeface="Arial"/>
       </a:defRPr>
     </a:lvl7pPr>
-    <a:lvl8pPr lvl="7" marR="0" rtl="0" algn="l">
+    <a:lvl8pPr marR="0" lvl="7" algn="l" rtl="0">
       <a:lnSpc>
         <a:spcPct val="100000"/>
       </a:lnSpc>
@@ -235,7 +235,7 @@
         <a:srgbClr val="000000"/>
       </a:buClr>
       <a:buFont typeface="Arial"/>
-      <a:defRPr b="0" i="0" sz="1400" u="none" cap="none" strike="noStrike">
+      <a:defRPr sz="1400" b="0" i="0" u="none" strike="noStrike" cap="none">
         <a:solidFill>
           <a:srgbClr val="000000"/>
         </a:solidFill>
@@ -245,7 +245,7 @@
         <a:sym typeface="Arial"/>
       </a:defRPr>
     </a:lvl8pPr>
-    <a:lvl9pPr lvl="8" marR="0" rtl="0" algn="l">
+    <a:lvl9pPr marR="0" lvl="8" algn="l" rtl="0">
       <a:lnSpc>
         <a:spcPct val="100000"/>
       </a:lnSpc>
@@ -259,7 +259,7 @@
         <a:srgbClr val="000000"/>
       </a:buClr>
       <a:buFont typeface="Arial"/>
-      <a:defRPr b="0" i="0" sz="1400" u="none" cap="none" strike="noStrike">
+      <a:defRPr sz="1400" b="0" i="0" u="none" strike="noStrike" cap="none">
         <a:solidFill>
           <a:srgbClr val="000000"/>
         </a:solidFill>
@@ -272,7 +272,7 @@
   </p:defaultTextStyle>
   <p:extLst>
     <p:ext uri="{EFAFB233-063F-42B5-8137-9DF3F51BA10A}">
-      <p15:sldGuideLst>
+      <p15:sldGuideLst xmlns:p15="http://schemas.microsoft.com/office/powerpoint/2012/main">
         <p15:guide id="1" orient="horz" pos="1620">
           <p15:clr>
             <a:srgbClr val="747775"/>
@@ -289,12 +289,25 @@
 </p:presentation>
 </file>
 
+<file path=ppt/revisionInfo.xml><?xml version="1.0" encoding="utf-8"?>
+<p1510:revInfo xmlns:a="http://schemas.openxmlformats.org/drawingml/2006/main" xmlns:r="http://schemas.openxmlformats.org/officeDocument/2006/relationships" xmlns:p1510="http://schemas.microsoft.com/office/powerpoint/2015/10/main">
+  <p1510:revLst>
+    <p1510:client id="{DB5E87ED-DD3E-4919-8852-504511A5B36D}" v="1" dt="2026-02-24T20:24:26.153"/>
+  </p1510:revLst>
+</p1510:revInfo>
+</file>
+
 <file path=ppt/notesMasters/notesMaster1.xml><?xml version="1.0" encoding="utf-8"?>
-<p:notesMaster xmlns:a="http://schemas.openxmlformats.org/drawingml/2006/main" xmlns:r="http://schemas.openxmlformats.org/officeDocument/2006/relationships" xmlns:mc="http://schemas.openxmlformats.org/markup-compatibility/2006" xmlns:mv="urn:schemas-microsoft-com:mac:vml" xmlns:p="http://schemas.openxmlformats.org/presentationml/2006/main" xmlns:c="http://schemas.openxmlformats.org/drawingml/2006/chart" xmlns:dgm="http://schemas.openxmlformats.org/drawingml/2006/diagram" xmlns:o="urn:schemas-microsoft-com:office:office" xmlns:v="urn:schemas-microsoft-com:vml" xmlns:pvml="urn:schemas-microsoft-com:office:powerpoint" xmlns:com="http://schemas.openxmlformats.org/drawingml/2006/compatibility" xmlns:p14="http://schemas.microsoft.com/office/powerpoint/2010/main" xmlns:p15="http://schemas.microsoft.com/office/powerpoint/2012/main" xmlns:ahyp="http://schemas.microsoft.com/office/drawing/2018/hyperlinkcolor">
+<p:notesMaster xmlns:a="http://schemas.openxmlformats.org/drawingml/2006/main" xmlns:r="http://schemas.openxmlformats.org/officeDocument/2006/relationships" xmlns:p="http://schemas.openxmlformats.org/presentationml/2006/main">
   <p:cSld>
+    <p:bg>
+      <p:bgRef idx="1001">
+        <a:schemeClr val="bg1"/>
+      </p:bgRef>
+    </p:bg>
     <p:spTree>
       <p:nvGrpSpPr>
-        <p:cNvPr id="2" name="Shape 2"/>
+        <p:cNvPr id="1" name="Shape 2"/>
         <p:cNvGrpSpPr/>
         <p:nvPr/>
       </p:nvGrpSpPr>
@@ -309,9 +322,11 @@
       <p:sp>
         <p:nvSpPr>
           <p:cNvPr id="3" name="Google Shape;3;n"/>
-          <p:cNvSpPr/>
+          <p:cNvSpPr>
+            <a:spLocks noGrp="1" noRot="1" noChangeAspect="1"/>
+          </p:cNvSpPr>
           <p:nvPr>
-            <p:ph idx="2" type="sldImg"/>
+            <p:ph type="sldImg" idx="2"/>
           </p:nvPr>
         </p:nvSpPr>
         <p:spPr>
@@ -320,9 +335,13 @@
             <a:ext cx="6096075" cy="3429000"/>
           </a:xfrm>
           <a:custGeom>
-            <a:rect b="b" l="l" r="r" t="t"/>
+            <a:avLst/>
+            <a:gdLst/>
+            <a:ahLst/>
+            <a:cxnLst/>
+            <a:rect l="l" t="t" r="r" b="b"/>
             <a:pathLst>
-              <a:path extrusionOk="0" h="120000" w="120000">
+              <a:path w="120000" h="120000" extrusionOk="0">
                 <a:moveTo>
                   <a:pt x="0" y="0"/>
                 </a:moveTo>
@@ -340,23 +359,25 @@
             </a:pathLst>
           </a:custGeom>
           <a:noFill/>
-          <a:ln cap="flat" cmpd="sng" w="9525">
+          <a:ln w="9525" cap="flat" cmpd="sng">
             <a:solidFill>
               <a:srgbClr val="000000"/>
             </a:solidFill>
             <a:prstDash val="solid"/>
             <a:round/>
-            <a:headEnd len="sm" w="sm" type="none"/>
-            <a:tailEnd len="sm" w="sm" type="none"/>
+            <a:headEnd type="none" w="sm" len="sm"/>
+            <a:tailEnd type="none" w="sm" len="sm"/>
           </a:ln>
         </p:spPr>
       </p:sp>
       <p:sp>
         <p:nvSpPr>
           <p:cNvPr id="4" name="Google Shape;4;n"/>
-          <p:cNvSpPr txBox="1"/>
+          <p:cNvSpPr txBox="1">
+            <a:spLocks noGrp="1"/>
+          </p:cNvSpPr>
           <p:nvPr>
-            <p:ph idx="1" type="body"/>
+            <p:ph type="body" idx="1"/>
           </p:nvPr>
         </p:nvSpPr>
         <p:spPr>
@@ -373,11 +394,11 @@
           </a:ln>
         </p:spPr>
         <p:txBody>
-          <a:bodyPr anchorCtr="0" anchor="t" bIns="91425" lIns="91425" spcFirstLastPara="1" rIns="91425" wrap="square" tIns="91425">
+          <a:bodyPr spcFirstLastPara="1" wrap="square" lIns="91425" tIns="91425" rIns="91425" bIns="91425" anchor="t" anchorCtr="0">
             <a:noAutofit/>
           </a:bodyPr>
           <a:lstStyle>
-            <a:lvl1pPr indent="-298450" lvl="0" marL="457200">
+            <a:lvl1pPr marL="457200" lvl="0" indent="-298450">
               <a:spcBef>
                 <a:spcPts val="0"/>
               </a:spcBef>
@@ -388,7 +409,7 @@
               <a:buChar char="●"/>
               <a:defRPr sz="1100"/>
             </a:lvl1pPr>
-            <a:lvl2pPr indent="-298450" lvl="1" marL="914400">
+            <a:lvl2pPr marL="914400" lvl="1" indent="-298450">
               <a:spcBef>
                 <a:spcPts val="0"/>
               </a:spcBef>
@@ -399,7 +420,7 @@
               <a:buChar char="○"/>
               <a:defRPr sz="1100"/>
             </a:lvl2pPr>
-            <a:lvl3pPr indent="-298450" lvl="2" marL="1371600">
+            <a:lvl3pPr marL="1371600" lvl="2" indent="-298450">
               <a:spcBef>
                 <a:spcPts val="0"/>
               </a:spcBef>
@@ -410,7 +431,7 @@
               <a:buChar char="■"/>
               <a:defRPr sz="1100"/>
             </a:lvl3pPr>
-            <a:lvl4pPr indent="-298450" lvl="3" marL="1828800">
+            <a:lvl4pPr marL="1828800" lvl="3" indent="-298450">
               <a:spcBef>
                 <a:spcPts val="0"/>
               </a:spcBef>
@@ -421,7 +442,7 @@
               <a:buChar char="●"/>
               <a:defRPr sz="1100"/>
             </a:lvl4pPr>
-            <a:lvl5pPr indent="-298450" lvl="4" marL="2286000">
+            <a:lvl5pPr marL="2286000" lvl="4" indent="-298450">
               <a:spcBef>
                 <a:spcPts val="0"/>
               </a:spcBef>
@@ -432,7 +453,7 @@
               <a:buChar char="○"/>
               <a:defRPr sz="1100"/>
             </a:lvl5pPr>
-            <a:lvl6pPr indent="-298450" lvl="5" marL="2743200">
+            <a:lvl6pPr marL="2743200" lvl="5" indent="-298450">
               <a:spcBef>
                 <a:spcPts val="0"/>
               </a:spcBef>
@@ -443,7 +464,7 @@
               <a:buChar char="■"/>
               <a:defRPr sz="1100"/>
             </a:lvl6pPr>
-            <a:lvl7pPr indent="-298450" lvl="6" marL="3200400">
+            <a:lvl7pPr marL="3200400" lvl="6" indent="-298450">
               <a:spcBef>
                 <a:spcPts val="0"/>
               </a:spcBef>
@@ -454,7 +475,7 @@
               <a:buChar char="●"/>
               <a:defRPr sz="1100"/>
             </a:lvl7pPr>
-            <a:lvl8pPr indent="-298450" lvl="7" marL="3657600">
+            <a:lvl8pPr marL="3657600" lvl="7" indent="-298450">
               <a:spcBef>
                 <a:spcPts val="0"/>
               </a:spcBef>
@@ -465,7 +486,7 @@
               <a:buChar char="○"/>
               <a:defRPr sz="1100"/>
             </a:lvl8pPr>
-            <a:lvl9pPr indent="-298450" lvl="8" marL="4114800">
+            <a:lvl9pPr marL="4114800" lvl="8" indent="-298450">
               <a:spcBef>
                 <a:spcPts val="0"/>
               </a:spcBef>
@@ -477,14 +498,16 @@
               <a:defRPr sz="1100"/>
             </a:lvl9pPr>
           </a:lstStyle>
-          <a:p/>
+          <a:p>
+            <a:endParaRPr/>
+          </a:p>
         </p:txBody>
       </p:sp>
     </p:spTree>
   </p:cSld>
-  <p:clrMap accent1="accent1" accent2="accent2" accent3="accent3" accent4="accent4" accent5="accent5" accent6="accent6" bg1="lt1" bg2="dk2" tx1="dk1" tx2="lt2" folHlink="folHlink" hlink="hlink"/>
+  <p:clrMap bg1="lt1" tx1="dk1" bg2="dk2" tx2="lt2" accent1="accent1" accent2="accent2" accent3="accent3" accent4="accent4" accent5="accent5" accent6="accent6" hlink="hlink" folHlink="folHlink"/>
   <p:notesStyle>
-    <a:defPPr lvl="0" marR="0" rtl="0" algn="l">
+    <a:defPPr marR="0" lvl="0" algn="l" rtl="0">
       <a:lnSpc>
         <a:spcPct val="100000"/>
       </a:lnSpc>
@@ -495,7 +518,7 @@
         <a:spcPts val="0"/>
       </a:spcAft>
     </a:defPPr>
-    <a:lvl1pPr lvl="0" marR="0" rtl="0" algn="l">
+    <a:lvl1pPr marR="0" lvl="0" algn="l" rtl="0">
       <a:lnSpc>
         <a:spcPct val="100000"/>
       </a:lnSpc>
@@ -509,7 +532,7 @@
         <a:srgbClr val="000000"/>
       </a:buClr>
       <a:buFont typeface="Arial"/>
-      <a:defRPr b="0" i="0" sz="1400" u="none" cap="none" strike="noStrike">
+      <a:defRPr sz="1400" b="0" i="0" u="none" strike="noStrike" cap="none">
         <a:solidFill>
           <a:srgbClr val="000000"/>
         </a:solidFill>
@@ -519,7 +542,7 @@
         <a:sym typeface="Arial"/>
       </a:defRPr>
     </a:lvl1pPr>
-    <a:lvl2pPr lvl="1" marR="0" rtl="0" algn="l">
+    <a:lvl2pPr marR="0" lvl="1" algn="l" rtl="0">
       <a:lnSpc>
         <a:spcPct val="100000"/>
       </a:lnSpc>
@@ -533,7 +556,7 @@
         <a:srgbClr val="000000"/>
       </a:buClr>
       <a:buFont typeface="Arial"/>
-      <a:defRPr b="0" i="0" sz="1400" u="none" cap="none" strike="noStrike">
+      <a:defRPr sz="1400" b="0" i="0" u="none" strike="noStrike" cap="none">
         <a:solidFill>
           <a:srgbClr val="000000"/>
         </a:solidFill>
@@ -543,7 +566,7 @@
         <a:sym typeface="Arial"/>
       </a:defRPr>
     </a:lvl2pPr>
-    <a:lvl3pPr lvl="2" marR="0" rtl="0" algn="l">
+    <a:lvl3pPr marR="0" lvl="2" algn="l" rtl="0">
       <a:lnSpc>
         <a:spcPct val="100000"/>
       </a:lnSpc>
@@ -557,7 +580,7 @@
         <a:srgbClr val="000000"/>
       </a:buClr>
       <a:buFont typeface="Arial"/>
-      <a:defRPr b="0" i="0" sz="1400" u="none" cap="none" strike="noStrike">
+      <a:defRPr sz="1400" b="0" i="0" u="none" strike="noStrike" cap="none">
         <a:solidFill>
           <a:srgbClr val="000000"/>
         </a:solidFill>
@@ -567,7 +590,7 @@
         <a:sym typeface="Arial"/>
       </a:defRPr>
     </a:lvl3pPr>
-    <a:lvl4pPr lvl="3" marR="0" rtl="0" algn="l">
+    <a:lvl4pPr marR="0" lvl="3" algn="l" rtl="0">
       <a:lnSpc>
         <a:spcPct val="100000"/>
       </a:lnSpc>
@@ -581,7 +604,7 @@
         <a:srgbClr val="000000"/>
       </a:buClr>
       <a:buFont typeface="Arial"/>
-      <a:defRPr b="0" i="0" sz="1400" u="none" cap="none" strike="noStrike">
+      <a:defRPr sz="1400" b="0" i="0" u="none" strike="noStrike" cap="none">
         <a:solidFill>
           <a:srgbClr val="000000"/>
         </a:solidFill>
@@ -591,7 +614,7 @@
         <a:sym typeface="Arial"/>
       </a:defRPr>
     </a:lvl4pPr>
-    <a:lvl5pPr lvl="4" marR="0" rtl="0" algn="l">
+    <a:lvl5pPr marR="0" lvl="4" algn="l" rtl="0">
       <a:lnSpc>
         <a:spcPct val="100000"/>
       </a:lnSpc>
@@ -605,7 +628,7 @@
         <a:srgbClr val="000000"/>
       </a:buClr>
       <a:buFont typeface="Arial"/>
-      <a:defRPr b="0" i="0" sz="1400" u="none" cap="none" strike="noStrike">
+      <a:defRPr sz="1400" b="0" i="0" u="none" strike="noStrike" cap="none">
         <a:solidFill>
           <a:srgbClr val="000000"/>
         </a:solidFill>
@@ -615,7 +638,7 @@
         <a:sym typeface="Arial"/>
       </a:defRPr>
     </a:lvl5pPr>
-    <a:lvl6pPr lvl="5" marR="0" rtl="0" algn="l">
+    <a:lvl6pPr marR="0" lvl="5" algn="l" rtl="0">
       <a:lnSpc>
         <a:spcPct val="100000"/>
       </a:lnSpc>
@@ -629,7 +652,7 @@
         <a:srgbClr val="000000"/>
       </a:buClr>
       <a:buFont typeface="Arial"/>
-      <a:defRPr b="0" i="0" sz="1400" u="none" cap="none" strike="noStrike">
+      <a:defRPr sz="1400" b="0" i="0" u="none" strike="noStrike" cap="none">
         <a:solidFill>
           <a:srgbClr val="000000"/>
         </a:solidFill>
@@ -639,7 +662,7 @@
         <a:sym typeface="Arial"/>
       </a:defRPr>
     </a:lvl6pPr>
-    <a:lvl7pPr lvl="6" marR="0" rtl="0" algn="l">
+    <a:lvl7pPr marR="0" lvl="6" algn="l" rtl="0">
       <a:lnSpc>
         <a:spcPct val="100000"/>
       </a:lnSpc>
@@ -653,7 +676,7 @@
         <a:srgbClr val="000000"/>
       </a:buClr>
       <a:buFont typeface="Arial"/>
-      <a:defRPr b="0" i="0" sz="1400" u="none" cap="none" strike="noStrike">
+      <a:defRPr sz="1400" b="0" i="0" u="none" strike="noStrike" cap="none">
         <a:solidFill>
           <a:srgbClr val="000000"/>
         </a:solidFill>
@@ -663,7 +686,7 @@
         <a:sym typeface="Arial"/>
       </a:defRPr>
     </a:lvl7pPr>
-    <a:lvl8pPr lvl="7" marR="0" rtl="0" algn="l">
+    <a:lvl8pPr marR="0" lvl="7" algn="l" rtl="0">
       <a:lnSpc>
         <a:spcPct val="100000"/>
       </a:lnSpc>
@@ -677,7 +700,7 @@
         <a:srgbClr val="000000"/>
       </a:buClr>
       <a:buFont typeface="Arial"/>
-      <a:defRPr b="0" i="0" sz="1400" u="none" cap="none" strike="noStrike">
+      <a:defRPr sz="1400" b="0" i="0" u="none" strike="noStrike" cap="none">
         <a:solidFill>
           <a:srgbClr val="000000"/>
         </a:solidFill>
@@ -687,7 +710,7 @@
         <a:sym typeface="Arial"/>
       </a:defRPr>
     </a:lvl8pPr>
-    <a:lvl9pPr lvl="8" marR="0" rtl="0" algn="l">
+    <a:lvl9pPr marR="0" lvl="8" algn="l" rtl="0">
       <a:lnSpc>
         <a:spcPct val="100000"/>
       </a:lnSpc>
@@ -701,7 +724,7 @@
         <a:srgbClr val="000000"/>
       </a:buClr>
       <a:buFont typeface="Arial"/>
-      <a:defRPr b="0" i="0" sz="1400" u="none" cap="none" strike="noStrike">
+      <a:defRPr sz="1400" b="0" i="0" u="none" strike="noStrike" cap="none">
         <a:solidFill>
           <a:srgbClr val="000000"/>
         </a:solidFill>
@@ -716,11 +739,11 @@
 </file>
 
 <file path=ppt/notesSlides/notesSlide1.xml><?xml version="1.0" encoding="utf-8"?>
-<p:notes xmlns:a="http://schemas.openxmlformats.org/drawingml/2006/main" xmlns:r="http://schemas.openxmlformats.org/officeDocument/2006/relationships" xmlns:mc="http://schemas.openxmlformats.org/markup-compatibility/2006" xmlns:mv="urn:schemas-microsoft-com:mac:vml" xmlns:p="http://schemas.openxmlformats.org/presentationml/2006/main" xmlns:c="http://schemas.openxmlformats.org/drawingml/2006/chart" xmlns:dgm="http://schemas.openxmlformats.org/drawingml/2006/diagram" xmlns:o="urn:schemas-microsoft-com:office:office" xmlns:v="urn:schemas-microsoft-com:vml" xmlns:pvml="urn:schemas-microsoft-com:office:powerpoint" xmlns:com="http://schemas.openxmlformats.org/drawingml/2006/compatibility" xmlns:p14="http://schemas.microsoft.com/office/powerpoint/2010/main" xmlns:p15="http://schemas.microsoft.com/office/powerpoint/2012/main" xmlns:ahyp="http://schemas.microsoft.com/office/drawing/2018/hyperlinkcolor" showMasterPhAnim="0" showMasterSp="0">
+<p:notes xmlns:a="http://schemas.openxmlformats.org/drawingml/2006/main" xmlns:r="http://schemas.openxmlformats.org/officeDocument/2006/relationships" xmlns:p="http://schemas.openxmlformats.org/presentationml/2006/main" showMasterSp="0" showMasterPhAnim="0">
   <p:cSld>
     <p:spTree>
       <p:nvGrpSpPr>
-        <p:cNvPr id="82" name="Shape 82"/>
+        <p:cNvPr id="1" name="Shape 82"/>
         <p:cNvGrpSpPr/>
         <p:nvPr/>
       </p:nvGrpSpPr>
@@ -735,9 +758,11 @@
       <p:sp>
         <p:nvSpPr>
           <p:cNvPr id="83" name="Google Shape;83;g3adea9a5fcc_1_830:notes"/>
-          <p:cNvSpPr/>
+          <p:cNvSpPr>
+            <a:spLocks noGrp="1" noRot="1" noChangeAspect="1"/>
+          </p:cNvSpPr>
           <p:nvPr>
-            <p:ph idx="2" type="sldImg"/>
+            <p:ph type="sldImg" idx="2"/>
           </p:nvPr>
         </p:nvSpPr>
         <p:spPr>
@@ -746,9 +771,13 @@
             <a:ext cx="6096000" cy="3429000"/>
           </a:xfrm>
           <a:custGeom>
-            <a:rect b="b" l="l" r="r" t="t"/>
+            <a:avLst/>
+            <a:gdLst/>
+            <a:ahLst/>
+            <a:cxnLst/>
+            <a:rect l="l" t="t" r="r" b="b"/>
             <a:pathLst>
-              <a:path extrusionOk="0" h="120000" w="120000">
+              <a:path w="120000" h="120000" extrusionOk="0">
                 <a:moveTo>
                   <a:pt x="0" y="0"/>
                 </a:moveTo>
@@ -770,9 +799,11 @@
       <p:sp>
         <p:nvSpPr>
           <p:cNvPr id="84" name="Google Shape;84;g3adea9a5fcc_1_830:notes"/>
-          <p:cNvSpPr txBox="1"/>
+          <p:cNvSpPr txBox="1">
+            <a:spLocks noGrp="1"/>
+          </p:cNvSpPr>
           <p:nvPr>
-            <p:ph idx="1" type="body"/>
+            <p:ph type="body" idx="1"/>
           </p:nvPr>
         </p:nvSpPr>
         <p:spPr>
@@ -785,12 +816,12 @@
           </a:prstGeom>
         </p:spPr>
         <p:txBody>
-          <a:bodyPr anchorCtr="0" anchor="t" bIns="91425" lIns="91425" spcFirstLastPara="1" rIns="91425" wrap="square" tIns="91425">
+          <a:bodyPr spcFirstLastPara="1" wrap="square" lIns="91425" tIns="91425" rIns="91425" bIns="91425" anchor="t" anchorCtr="0">
             <a:noAutofit/>
           </a:bodyPr>
           <a:lstStyle/>
           <a:p>
-            <a:pPr indent="0" lvl="0" marL="0" rtl="0" algn="l">
+            <a:pPr marL="0" lvl="0" indent="0" algn="l" rtl="0">
               <a:spcBef>
                 <a:spcPts val="0"/>
               </a:spcBef>
@@ -799,9 +830,6 @@
               </a:spcAft>
               <a:buNone/>
             </a:pPr>
-            <a:r>
-              <a:t/>
-            </a:r>
             <a:endParaRPr/>
           </a:p>
         </p:txBody>
@@ -815,11 +843,11 @@
 </file>
 
 <file path=ppt/notesSlides/notesSlide10.xml><?xml version="1.0" encoding="utf-8"?>
-<p:notes xmlns:a="http://schemas.openxmlformats.org/drawingml/2006/main" xmlns:r="http://schemas.openxmlformats.org/officeDocument/2006/relationships" xmlns:mc="http://schemas.openxmlformats.org/markup-compatibility/2006" xmlns:mv="urn:schemas-microsoft-com:mac:vml" xmlns:p="http://schemas.openxmlformats.org/presentationml/2006/main" xmlns:c="http://schemas.openxmlformats.org/drawingml/2006/chart" xmlns:dgm="http://schemas.openxmlformats.org/drawingml/2006/diagram" xmlns:o="urn:schemas-microsoft-com:office:office" xmlns:v="urn:schemas-microsoft-com:vml" xmlns:pvml="urn:schemas-microsoft-com:office:powerpoint" xmlns:com="http://schemas.openxmlformats.org/drawingml/2006/compatibility" xmlns:p14="http://schemas.microsoft.com/office/powerpoint/2010/main" xmlns:p15="http://schemas.microsoft.com/office/powerpoint/2012/main" xmlns:ahyp="http://schemas.microsoft.com/office/drawing/2018/hyperlinkcolor" showMasterPhAnim="0" showMasterSp="0">
+<p:notes xmlns:a="http://schemas.openxmlformats.org/drawingml/2006/main" xmlns:r="http://schemas.openxmlformats.org/officeDocument/2006/relationships" xmlns:p="http://schemas.openxmlformats.org/presentationml/2006/main" showMasterSp="0" showMasterPhAnim="0">
   <p:cSld>
     <p:spTree>
       <p:nvGrpSpPr>
-        <p:cNvPr id="150" name="Shape 150"/>
+        <p:cNvPr id="1" name="Shape 150"/>
         <p:cNvGrpSpPr/>
         <p:nvPr/>
       </p:nvGrpSpPr>
@@ -834,9 +862,11 @@
       <p:sp>
         <p:nvSpPr>
           <p:cNvPr id="151" name="Google Shape;151;g3adea9a5fcc_2_20:notes"/>
-          <p:cNvSpPr/>
+          <p:cNvSpPr>
+            <a:spLocks noGrp="1" noRot="1" noChangeAspect="1"/>
+          </p:cNvSpPr>
           <p:nvPr>
-            <p:ph idx="2" type="sldImg"/>
+            <p:ph type="sldImg" idx="2"/>
           </p:nvPr>
         </p:nvSpPr>
         <p:spPr>
@@ -845,9 +875,13 @@
             <a:ext cx="6096000" cy="3429000"/>
           </a:xfrm>
           <a:custGeom>
-            <a:rect b="b" l="l" r="r" t="t"/>
+            <a:avLst/>
+            <a:gdLst/>
+            <a:ahLst/>
+            <a:cxnLst/>
+            <a:rect l="l" t="t" r="r" b="b"/>
             <a:pathLst>
-              <a:path extrusionOk="0" h="120000" w="120000">
+              <a:path w="120000" h="120000" extrusionOk="0">
                 <a:moveTo>
                   <a:pt x="0" y="0"/>
                 </a:moveTo>
@@ -869,9 +903,11 @@
       <p:sp>
         <p:nvSpPr>
           <p:cNvPr id="152" name="Google Shape;152;g3adea9a5fcc_2_20:notes"/>
-          <p:cNvSpPr txBox="1"/>
+          <p:cNvSpPr txBox="1">
+            <a:spLocks noGrp="1"/>
+          </p:cNvSpPr>
           <p:nvPr>
-            <p:ph idx="1" type="body"/>
+            <p:ph type="body" idx="1"/>
           </p:nvPr>
         </p:nvSpPr>
         <p:spPr>
@@ -884,12 +920,12 @@
           </a:prstGeom>
         </p:spPr>
         <p:txBody>
-          <a:bodyPr anchorCtr="0" anchor="t" bIns="91425" lIns="91425" spcFirstLastPara="1" rIns="91425" wrap="square" tIns="91425">
+          <a:bodyPr spcFirstLastPara="1" wrap="square" lIns="91425" tIns="91425" rIns="91425" bIns="91425" anchor="t" anchorCtr="0">
             <a:noAutofit/>
           </a:bodyPr>
           <a:lstStyle/>
           <a:p>
-            <a:pPr indent="-298450" lvl="0" marL="457200" rtl="0" algn="l">
+            <a:pPr marL="457200" lvl="0" indent="-298450" algn="l" rtl="0">
               <a:spcBef>
                 <a:spcPts val="0"/>
               </a:spcBef>
@@ -916,11 +952,11 @@
 </file>
 
 <file path=ppt/notesSlides/notesSlide11.xml><?xml version="1.0" encoding="utf-8"?>
-<p:notes xmlns:a="http://schemas.openxmlformats.org/drawingml/2006/main" xmlns:r="http://schemas.openxmlformats.org/officeDocument/2006/relationships" xmlns:mc="http://schemas.openxmlformats.org/markup-compatibility/2006" xmlns:mv="urn:schemas-microsoft-com:mac:vml" xmlns:p="http://schemas.openxmlformats.org/presentationml/2006/main" xmlns:c="http://schemas.openxmlformats.org/drawingml/2006/chart" xmlns:dgm="http://schemas.openxmlformats.org/drawingml/2006/diagram" xmlns:o="urn:schemas-microsoft-com:office:office" xmlns:v="urn:schemas-microsoft-com:vml" xmlns:pvml="urn:schemas-microsoft-com:office:powerpoint" xmlns:com="http://schemas.openxmlformats.org/drawingml/2006/compatibility" xmlns:p14="http://schemas.microsoft.com/office/powerpoint/2010/main" xmlns:p15="http://schemas.microsoft.com/office/powerpoint/2012/main" xmlns:ahyp="http://schemas.microsoft.com/office/drawing/2018/hyperlinkcolor" showMasterPhAnim="0" showMasterSp="0">
+<p:notes xmlns:a="http://schemas.openxmlformats.org/drawingml/2006/main" xmlns:r="http://schemas.openxmlformats.org/officeDocument/2006/relationships" xmlns:p="http://schemas.openxmlformats.org/presentationml/2006/main" showMasterSp="0" showMasterPhAnim="0">
   <p:cSld>
     <p:spTree>
       <p:nvGrpSpPr>
-        <p:cNvPr id="163" name="Shape 163"/>
+        <p:cNvPr id="1" name="Shape 163"/>
         <p:cNvGrpSpPr/>
         <p:nvPr/>
       </p:nvGrpSpPr>
@@ -935,9 +971,11 @@
       <p:sp>
         <p:nvSpPr>
           <p:cNvPr id="164" name="Google Shape;164;g3ae5b9451f5_0_14:notes"/>
-          <p:cNvSpPr/>
+          <p:cNvSpPr>
+            <a:spLocks noGrp="1" noRot="1" noChangeAspect="1"/>
+          </p:cNvSpPr>
           <p:nvPr>
-            <p:ph idx="2" type="sldImg"/>
+            <p:ph type="sldImg" idx="2"/>
           </p:nvPr>
         </p:nvSpPr>
         <p:spPr>
@@ -946,9 +984,13 @@
             <a:ext cx="6096000" cy="3429000"/>
           </a:xfrm>
           <a:custGeom>
-            <a:rect b="b" l="l" r="r" t="t"/>
+            <a:avLst/>
+            <a:gdLst/>
+            <a:ahLst/>
+            <a:cxnLst/>
+            <a:rect l="l" t="t" r="r" b="b"/>
             <a:pathLst>
-              <a:path extrusionOk="0" h="120000" w="120000">
+              <a:path w="120000" h="120000" extrusionOk="0">
                 <a:moveTo>
                   <a:pt x="0" y="0"/>
                 </a:moveTo>
@@ -970,9 +1012,11 @@
       <p:sp>
         <p:nvSpPr>
           <p:cNvPr id="165" name="Google Shape;165;g3ae5b9451f5_0_14:notes"/>
-          <p:cNvSpPr txBox="1"/>
+          <p:cNvSpPr txBox="1">
+            <a:spLocks noGrp="1"/>
+          </p:cNvSpPr>
           <p:nvPr>
-            <p:ph idx="1" type="body"/>
+            <p:ph type="body" idx="1"/>
           </p:nvPr>
         </p:nvSpPr>
         <p:spPr>
@@ -985,12 +1029,12 @@
           </a:prstGeom>
         </p:spPr>
         <p:txBody>
-          <a:bodyPr anchorCtr="0" anchor="t" bIns="91425" lIns="91425" spcFirstLastPara="1" rIns="91425" wrap="square" tIns="91425">
+          <a:bodyPr spcFirstLastPara="1" wrap="square" lIns="91425" tIns="91425" rIns="91425" bIns="91425" anchor="t" anchorCtr="0">
             <a:noAutofit/>
           </a:bodyPr>
           <a:lstStyle/>
           <a:p>
-            <a:pPr indent="-298450" lvl="0" marL="457200" rtl="0" algn="l">
+            <a:pPr marL="457200" lvl="0" indent="-298450" algn="l" rtl="0">
               <a:spcBef>
                 <a:spcPts val="0"/>
               </a:spcBef>
@@ -1002,16 +1046,12 @@
             </a:pPr>
             <a:r>
               <a:rPr lang="en"/>
-              <a:t>Solving</a:t>
-            </a:r>
-            <a:r>
-              <a:rPr lang="en"/>
-              <a:t> for beta</a:t>
+              <a:t>Solving for beta</a:t>
             </a:r>
             <a:endParaRPr/>
           </a:p>
           <a:p>
-            <a:pPr indent="-298450" lvl="0" marL="457200" rtl="0" algn="l">
+            <a:pPr marL="457200" lvl="0" indent="-298450" algn="l" rtl="0">
               <a:spcBef>
                 <a:spcPts val="0"/>
               </a:spcBef>
@@ -1023,20 +1063,12 @@
             </a:pPr>
             <a:r>
               <a:rPr lang="en"/>
-              <a:t>Had to </a:t>
-            </a:r>
-            <a:r>
-              <a:rPr lang="en"/>
-              <a:t>iterate</a:t>
-            </a:r>
-            <a:r>
-              <a:rPr lang="en"/>
-              <a:t> through all possible launch angles</a:t>
+              <a:t>Had to iterate through all possible launch angles</a:t>
             </a:r>
             <a:endParaRPr/>
           </a:p>
           <a:p>
-            <a:pPr indent="-298450" lvl="0" marL="457200" rtl="0" algn="l">
+            <a:pPr marL="457200" lvl="0" indent="-298450" algn="l" rtl="0">
               <a:spcBef>
                 <a:spcPts val="0"/>
               </a:spcBef>
@@ -1048,15 +1080,7 @@
             </a:pPr>
             <a:r>
               <a:rPr lang="en"/>
-              <a:t>spits out the right launch angle so </a:t>
-            </a:r>
-            <a:r>
-              <a:rPr lang="en"/>
-              <a:t>nothing</a:t>
-            </a:r>
-            <a:r>
-              <a:rPr lang="en"/>
-              <a:t> crashes</a:t>
+              <a:t>spits out the right launch angle so nothing crashes</a:t>
             </a:r>
             <a:endParaRPr/>
           </a:p>
@@ -1071,11 +1095,11 @@
 </file>
 
 <file path=ppt/notesSlides/notesSlide12.xml><?xml version="1.0" encoding="utf-8"?>
-<p:notes xmlns:a="http://schemas.openxmlformats.org/drawingml/2006/main" xmlns:r="http://schemas.openxmlformats.org/officeDocument/2006/relationships" xmlns:mc="http://schemas.openxmlformats.org/markup-compatibility/2006" xmlns:mv="urn:schemas-microsoft-com:mac:vml" xmlns:p="http://schemas.openxmlformats.org/presentationml/2006/main" xmlns:c="http://schemas.openxmlformats.org/drawingml/2006/chart" xmlns:dgm="http://schemas.openxmlformats.org/drawingml/2006/diagram" xmlns:o="urn:schemas-microsoft-com:office:office" xmlns:v="urn:schemas-microsoft-com:vml" xmlns:pvml="urn:schemas-microsoft-com:office:powerpoint" xmlns:com="http://schemas.openxmlformats.org/drawingml/2006/compatibility" xmlns:p14="http://schemas.microsoft.com/office/powerpoint/2010/main" xmlns:p15="http://schemas.microsoft.com/office/powerpoint/2012/main" xmlns:ahyp="http://schemas.microsoft.com/office/drawing/2018/hyperlinkcolor" showMasterPhAnim="0" showMasterSp="0">
+<p:notes xmlns:a="http://schemas.openxmlformats.org/drawingml/2006/main" xmlns:r="http://schemas.openxmlformats.org/officeDocument/2006/relationships" xmlns:p="http://schemas.openxmlformats.org/presentationml/2006/main" showMasterSp="0" showMasterPhAnim="0">
   <p:cSld>
     <p:spTree>
       <p:nvGrpSpPr>
-        <p:cNvPr id="170" name="Shape 170"/>
+        <p:cNvPr id="1" name="Shape 170"/>
         <p:cNvGrpSpPr/>
         <p:nvPr/>
       </p:nvGrpSpPr>
@@ -1090,9 +1114,11 @@
       <p:sp>
         <p:nvSpPr>
           <p:cNvPr id="171" name="Google Shape;171;g3ae08a2a6de_2_17:notes"/>
-          <p:cNvSpPr/>
+          <p:cNvSpPr>
+            <a:spLocks noGrp="1" noRot="1" noChangeAspect="1"/>
+          </p:cNvSpPr>
           <p:nvPr>
-            <p:ph idx="2" type="sldImg"/>
+            <p:ph type="sldImg" idx="2"/>
           </p:nvPr>
         </p:nvSpPr>
         <p:spPr>
@@ -1101,9 +1127,13 @@
             <a:ext cx="6096000" cy="3429000"/>
           </a:xfrm>
           <a:custGeom>
-            <a:rect b="b" l="l" r="r" t="t"/>
+            <a:avLst/>
+            <a:gdLst/>
+            <a:ahLst/>
+            <a:cxnLst/>
+            <a:rect l="l" t="t" r="r" b="b"/>
             <a:pathLst>
-              <a:path extrusionOk="0" h="120000" w="120000">
+              <a:path w="120000" h="120000" extrusionOk="0">
                 <a:moveTo>
                   <a:pt x="0" y="0"/>
                 </a:moveTo>
@@ -1125,9 +1155,11 @@
       <p:sp>
         <p:nvSpPr>
           <p:cNvPr id="172" name="Google Shape;172;g3ae08a2a6de_2_17:notes"/>
-          <p:cNvSpPr txBox="1"/>
+          <p:cNvSpPr txBox="1">
+            <a:spLocks noGrp="1"/>
+          </p:cNvSpPr>
           <p:nvPr>
-            <p:ph idx="1" type="body"/>
+            <p:ph type="body" idx="1"/>
           </p:nvPr>
         </p:nvSpPr>
         <p:spPr>
@@ -1140,12 +1172,12 @@
           </a:prstGeom>
         </p:spPr>
         <p:txBody>
-          <a:bodyPr anchorCtr="0" anchor="t" bIns="91425" lIns="91425" spcFirstLastPara="1" rIns="91425" wrap="square" tIns="91425">
+          <a:bodyPr spcFirstLastPara="1" wrap="square" lIns="91425" tIns="91425" rIns="91425" bIns="91425" anchor="t" anchorCtr="0">
             <a:noAutofit/>
           </a:bodyPr>
           <a:lstStyle/>
           <a:p>
-            <a:pPr indent="-298450" lvl="0" marL="457200" rtl="0" algn="l">
+            <a:pPr marL="457200" lvl="0" indent="-298450" algn="l" rtl="0">
               <a:spcBef>
                 <a:spcPts val="0"/>
               </a:spcBef>
@@ -1157,16 +1189,12 @@
             </a:pPr>
             <a:r>
               <a:rPr lang="en"/>
-              <a:t>This is like the other target function where it finds the new </a:t>
-            </a:r>
-            <a:r>
-              <a:rPr lang="en"/>
-              <a:t>coordinates, but it accounts for the: </a:t>
+              <a:t>This is like the other target function where it finds the new coordinates, but it accounts for the: </a:t>
             </a:r>
             <a:endParaRPr/>
           </a:p>
           <a:p>
-            <a:pPr indent="-298450" lvl="1" marL="914400" rtl="0" algn="l">
+            <a:pPr marL="914400" lvl="1" indent="-298450" algn="l" rtl="0">
               <a:spcBef>
                 <a:spcPts val="0"/>
               </a:spcBef>
@@ -1183,7 +1211,7 @@
             <a:endParaRPr/>
           </a:p>
           <a:p>
-            <a:pPr indent="-298450" lvl="1" marL="914400" rtl="0" algn="l">
+            <a:pPr marL="914400" lvl="1" indent="-298450" algn="l" rtl="0">
               <a:spcBef>
                 <a:spcPts val="0"/>
               </a:spcBef>
@@ -1200,7 +1228,7 @@
             <a:endParaRPr/>
           </a:p>
           <a:p>
-            <a:pPr indent="-298450" lvl="0" marL="457200" rtl="0" algn="l">
+            <a:pPr marL="457200" lvl="0" indent="-298450" algn="l" rtl="0">
               <a:spcBef>
                 <a:spcPts val="0"/>
               </a:spcBef>
@@ -1234,11 +1262,11 @@
 </file>
 
 <file path=ppt/notesSlides/notesSlide13.xml><?xml version="1.0" encoding="utf-8"?>
-<p:notes xmlns:a="http://schemas.openxmlformats.org/drawingml/2006/main" xmlns:r="http://schemas.openxmlformats.org/officeDocument/2006/relationships" xmlns:mc="http://schemas.openxmlformats.org/markup-compatibility/2006" xmlns:mv="urn:schemas-microsoft-com:mac:vml" xmlns:p="http://schemas.openxmlformats.org/presentationml/2006/main" xmlns:c="http://schemas.openxmlformats.org/drawingml/2006/chart" xmlns:dgm="http://schemas.openxmlformats.org/drawingml/2006/diagram" xmlns:o="urn:schemas-microsoft-com:office:office" xmlns:v="urn:schemas-microsoft-com:vml" xmlns:pvml="urn:schemas-microsoft-com:office:powerpoint" xmlns:com="http://schemas.openxmlformats.org/drawingml/2006/compatibility" xmlns:p14="http://schemas.microsoft.com/office/powerpoint/2010/main" xmlns:p15="http://schemas.microsoft.com/office/powerpoint/2012/main" xmlns:ahyp="http://schemas.microsoft.com/office/drawing/2018/hyperlinkcolor" showMasterPhAnim="0" showMasterSp="0">
+<p:notes xmlns:a="http://schemas.openxmlformats.org/drawingml/2006/main" xmlns:r="http://schemas.openxmlformats.org/officeDocument/2006/relationships" xmlns:p="http://schemas.openxmlformats.org/presentationml/2006/main" showMasterSp="0" showMasterPhAnim="0">
   <p:cSld>
     <p:spTree>
       <p:nvGrpSpPr>
-        <p:cNvPr id="177" name="Shape 177"/>
+        <p:cNvPr id="1" name="Shape 177"/>
         <p:cNvGrpSpPr/>
         <p:nvPr/>
       </p:nvGrpSpPr>
@@ -1253,9 +1281,11 @@
       <p:sp>
         <p:nvSpPr>
           <p:cNvPr id="178" name="Google Shape;178;g3adea9a5fcc_2_10:notes"/>
-          <p:cNvSpPr/>
+          <p:cNvSpPr>
+            <a:spLocks noGrp="1" noRot="1" noChangeAspect="1"/>
+          </p:cNvSpPr>
           <p:nvPr>
-            <p:ph idx="2" type="sldImg"/>
+            <p:ph type="sldImg" idx="2"/>
           </p:nvPr>
         </p:nvSpPr>
         <p:spPr>
@@ -1264,9 +1294,13 @@
             <a:ext cx="6096000" cy="3429000"/>
           </a:xfrm>
           <a:custGeom>
-            <a:rect b="b" l="l" r="r" t="t"/>
+            <a:avLst/>
+            <a:gdLst/>
+            <a:ahLst/>
+            <a:cxnLst/>
+            <a:rect l="l" t="t" r="r" b="b"/>
             <a:pathLst>
-              <a:path extrusionOk="0" h="120000" w="120000">
+              <a:path w="120000" h="120000" extrusionOk="0">
                 <a:moveTo>
                   <a:pt x="0" y="0"/>
                 </a:moveTo>
@@ -1288,9 +1322,11 @@
       <p:sp>
         <p:nvSpPr>
           <p:cNvPr id="179" name="Google Shape;179;g3adea9a5fcc_2_10:notes"/>
-          <p:cNvSpPr txBox="1"/>
+          <p:cNvSpPr txBox="1">
+            <a:spLocks noGrp="1"/>
+          </p:cNvSpPr>
           <p:nvPr>
-            <p:ph idx="1" type="body"/>
+            <p:ph type="body" idx="1"/>
           </p:nvPr>
         </p:nvSpPr>
         <p:spPr>
@@ -1303,12 +1339,12 @@
           </a:prstGeom>
         </p:spPr>
         <p:txBody>
-          <a:bodyPr anchorCtr="0" anchor="t" bIns="91425" lIns="91425" spcFirstLastPara="1" rIns="91425" wrap="square" tIns="91425">
+          <a:bodyPr spcFirstLastPara="1" wrap="square" lIns="91425" tIns="91425" rIns="91425" bIns="91425" anchor="t" anchorCtr="0">
             <a:noAutofit/>
           </a:bodyPr>
           <a:lstStyle/>
           <a:p>
-            <a:pPr indent="0" lvl="0" marL="0" rtl="0" algn="l">
+            <a:pPr marL="0" lvl="0" indent="0" algn="l" rtl="0">
               <a:spcBef>
                 <a:spcPts val="0"/>
               </a:spcBef>
@@ -1317,9 +1353,6 @@
               </a:spcAft>
               <a:buNone/>
             </a:pPr>
-            <a:r>
-              <a:t/>
-            </a:r>
             <a:endParaRPr/>
           </a:p>
         </p:txBody>
@@ -1333,11 +1366,11 @@
 </file>
 
 <file path=ppt/notesSlides/notesSlide14.xml><?xml version="1.0" encoding="utf-8"?>
-<p:notes xmlns:a="http://schemas.openxmlformats.org/drawingml/2006/main" xmlns:r="http://schemas.openxmlformats.org/officeDocument/2006/relationships" xmlns:mc="http://schemas.openxmlformats.org/markup-compatibility/2006" xmlns:mv="urn:schemas-microsoft-com:mac:vml" xmlns:p="http://schemas.openxmlformats.org/presentationml/2006/main" xmlns:c="http://schemas.openxmlformats.org/drawingml/2006/chart" xmlns:dgm="http://schemas.openxmlformats.org/drawingml/2006/diagram" xmlns:o="urn:schemas-microsoft-com:office:office" xmlns:v="urn:schemas-microsoft-com:vml" xmlns:pvml="urn:schemas-microsoft-com:office:powerpoint" xmlns:com="http://schemas.openxmlformats.org/drawingml/2006/compatibility" xmlns:p14="http://schemas.microsoft.com/office/powerpoint/2010/main" xmlns:p15="http://schemas.microsoft.com/office/powerpoint/2012/main" xmlns:ahyp="http://schemas.microsoft.com/office/drawing/2018/hyperlinkcolor" showMasterPhAnim="0" showMasterSp="0">
+<p:notes xmlns:a="http://schemas.openxmlformats.org/drawingml/2006/main" xmlns:r="http://schemas.openxmlformats.org/officeDocument/2006/relationships" xmlns:p="http://schemas.openxmlformats.org/presentationml/2006/main" showMasterSp="0" showMasterPhAnim="0">
   <p:cSld>
     <p:spTree>
       <p:nvGrpSpPr>
-        <p:cNvPr id="183" name="Shape 183"/>
+        <p:cNvPr id="1" name="Shape 183"/>
         <p:cNvGrpSpPr/>
         <p:nvPr/>
       </p:nvGrpSpPr>
@@ -1352,9 +1385,11 @@
       <p:sp>
         <p:nvSpPr>
           <p:cNvPr id="184" name="Google Shape;184;g3adea9a5fcc_2_27:notes"/>
-          <p:cNvSpPr/>
+          <p:cNvSpPr>
+            <a:spLocks noGrp="1" noRot="1" noChangeAspect="1"/>
+          </p:cNvSpPr>
           <p:nvPr>
-            <p:ph idx="2" type="sldImg"/>
+            <p:ph type="sldImg" idx="2"/>
           </p:nvPr>
         </p:nvSpPr>
         <p:spPr>
@@ -1363,9 +1398,13 @@
             <a:ext cx="6096000" cy="3429000"/>
           </a:xfrm>
           <a:custGeom>
-            <a:rect b="b" l="l" r="r" t="t"/>
+            <a:avLst/>
+            <a:gdLst/>
+            <a:ahLst/>
+            <a:cxnLst/>
+            <a:rect l="l" t="t" r="r" b="b"/>
             <a:pathLst>
-              <a:path extrusionOk="0" h="120000" w="120000">
+              <a:path w="120000" h="120000" extrusionOk="0">
                 <a:moveTo>
                   <a:pt x="0" y="0"/>
                 </a:moveTo>
@@ -1387,9 +1426,11 @@
       <p:sp>
         <p:nvSpPr>
           <p:cNvPr id="185" name="Google Shape;185;g3adea9a5fcc_2_27:notes"/>
-          <p:cNvSpPr txBox="1"/>
+          <p:cNvSpPr txBox="1">
+            <a:spLocks noGrp="1"/>
+          </p:cNvSpPr>
           <p:nvPr>
-            <p:ph idx="1" type="body"/>
+            <p:ph type="body" idx="1"/>
           </p:nvPr>
         </p:nvSpPr>
         <p:spPr>
@@ -1402,12 +1443,12 @@
           </a:prstGeom>
         </p:spPr>
         <p:txBody>
-          <a:bodyPr anchorCtr="0" anchor="t" bIns="91425" lIns="91425" spcFirstLastPara="1" rIns="91425" wrap="square" tIns="91425">
+          <a:bodyPr spcFirstLastPara="1" wrap="square" lIns="91425" tIns="91425" rIns="91425" bIns="91425" anchor="t" anchorCtr="0">
             <a:noAutofit/>
           </a:bodyPr>
           <a:lstStyle/>
           <a:p>
-            <a:pPr indent="0" lvl="0" marL="0" rtl="0" algn="l">
+            <a:pPr marL="0" lvl="0" indent="0" algn="l" rtl="0">
               <a:spcBef>
                 <a:spcPts val="0"/>
               </a:spcBef>
@@ -1416,9 +1457,6 @@
               </a:spcAft>
               <a:buNone/>
             </a:pPr>
-            <a:r>
-              <a:t/>
-            </a:r>
             <a:endParaRPr/>
           </a:p>
         </p:txBody>
@@ -1432,11 +1470,11 @@
 </file>
 
 <file path=ppt/notesSlides/notesSlide2.xml><?xml version="1.0" encoding="utf-8"?>
-<p:notes xmlns:a="http://schemas.openxmlformats.org/drawingml/2006/main" xmlns:r="http://schemas.openxmlformats.org/officeDocument/2006/relationships" xmlns:mc="http://schemas.openxmlformats.org/markup-compatibility/2006" xmlns:mv="urn:schemas-microsoft-com:mac:vml" xmlns:p="http://schemas.openxmlformats.org/presentationml/2006/main" xmlns:c="http://schemas.openxmlformats.org/drawingml/2006/chart" xmlns:dgm="http://schemas.openxmlformats.org/drawingml/2006/diagram" xmlns:o="urn:schemas-microsoft-com:office:office" xmlns:v="urn:schemas-microsoft-com:vml" xmlns:pvml="urn:schemas-microsoft-com:office:powerpoint" xmlns:com="http://schemas.openxmlformats.org/drawingml/2006/compatibility" xmlns:p14="http://schemas.microsoft.com/office/powerpoint/2010/main" xmlns:p15="http://schemas.microsoft.com/office/powerpoint/2012/main" xmlns:ahyp="http://schemas.microsoft.com/office/drawing/2018/hyperlinkcolor" showMasterPhAnim="0" showMasterSp="0">
+<p:notes xmlns:a="http://schemas.openxmlformats.org/drawingml/2006/main" xmlns:r="http://schemas.openxmlformats.org/officeDocument/2006/relationships" xmlns:p="http://schemas.openxmlformats.org/presentationml/2006/main" showMasterSp="0" showMasterPhAnim="0">
   <p:cSld>
     <p:spTree>
       <p:nvGrpSpPr>
-        <p:cNvPr id="88" name="Shape 88"/>
+        <p:cNvPr id="1" name="Shape 88"/>
         <p:cNvGrpSpPr/>
         <p:nvPr/>
       </p:nvGrpSpPr>
@@ -1451,9 +1489,11 @@
       <p:sp>
         <p:nvSpPr>
           <p:cNvPr id="89" name="Google Shape;89;g3adea9a5fcc_1_880:notes"/>
-          <p:cNvSpPr/>
+          <p:cNvSpPr>
+            <a:spLocks noGrp="1" noRot="1" noChangeAspect="1"/>
+          </p:cNvSpPr>
           <p:nvPr>
-            <p:ph idx="2" type="sldImg"/>
+            <p:ph type="sldImg" idx="2"/>
           </p:nvPr>
         </p:nvSpPr>
         <p:spPr>
@@ -1462,9 +1502,13 @@
             <a:ext cx="6096000" cy="3429000"/>
           </a:xfrm>
           <a:custGeom>
-            <a:rect b="b" l="l" r="r" t="t"/>
+            <a:avLst/>
+            <a:gdLst/>
+            <a:ahLst/>
+            <a:cxnLst/>
+            <a:rect l="l" t="t" r="r" b="b"/>
             <a:pathLst>
-              <a:path extrusionOk="0" h="120000" w="120000">
+              <a:path w="120000" h="120000" extrusionOk="0">
                 <a:moveTo>
                   <a:pt x="0" y="0"/>
                 </a:moveTo>
@@ -1486,9 +1530,11 @@
       <p:sp>
         <p:nvSpPr>
           <p:cNvPr id="90" name="Google Shape;90;g3adea9a5fcc_1_880:notes"/>
-          <p:cNvSpPr txBox="1"/>
+          <p:cNvSpPr txBox="1">
+            <a:spLocks noGrp="1"/>
+          </p:cNvSpPr>
           <p:nvPr>
-            <p:ph idx="1" type="body"/>
+            <p:ph type="body" idx="1"/>
           </p:nvPr>
         </p:nvSpPr>
         <p:spPr>
@@ -1501,12 +1547,12 @@
           </a:prstGeom>
         </p:spPr>
         <p:txBody>
-          <a:bodyPr anchorCtr="0" anchor="t" bIns="91425" lIns="91425" spcFirstLastPara="1" rIns="91425" wrap="square" tIns="91425">
+          <a:bodyPr spcFirstLastPara="1" wrap="square" lIns="91425" tIns="91425" rIns="91425" bIns="91425" anchor="t" anchorCtr="0">
             <a:noAutofit/>
           </a:bodyPr>
           <a:lstStyle/>
           <a:p>
-            <a:pPr indent="0" lvl="0" marL="0" rtl="0" algn="l">
+            <a:pPr marL="0" lvl="0" indent="0" algn="l" rtl="0">
               <a:spcBef>
                 <a:spcPts val="0"/>
               </a:spcBef>
@@ -1515,9 +1561,6 @@
               </a:spcAft>
               <a:buNone/>
             </a:pPr>
-            <a:r>
-              <a:t/>
-            </a:r>
             <a:endParaRPr/>
           </a:p>
         </p:txBody>
@@ -1531,11 +1574,11 @@
 </file>
 
 <file path=ppt/notesSlides/notesSlide3.xml><?xml version="1.0" encoding="utf-8"?>
-<p:notes xmlns:a="http://schemas.openxmlformats.org/drawingml/2006/main" xmlns:r="http://schemas.openxmlformats.org/officeDocument/2006/relationships" xmlns:mc="http://schemas.openxmlformats.org/markup-compatibility/2006" xmlns:mv="urn:schemas-microsoft-com:mac:vml" xmlns:p="http://schemas.openxmlformats.org/presentationml/2006/main" xmlns:c="http://schemas.openxmlformats.org/drawingml/2006/chart" xmlns:dgm="http://schemas.openxmlformats.org/drawingml/2006/diagram" xmlns:o="urn:schemas-microsoft-com:office:office" xmlns:v="urn:schemas-microsoft-com:vml" xmlns:pvml="urn:schemas-microsoft-com:office:powerpoint" xmlns:com="http://schemas.openxmlformats.org/drawingml/2006/compatibility" xmlns:p14="http://schemas.microsoft.com/office/powerpoint/2010/main" xmlns:p15="http://schemas.microsoft.com/office/powerpoint/2012/main" xmlns:ahyp="http://schemas.microsoft.com/office/drawing/2018/hyperlinkcolor" showMasterPhAnim="0" showMasterSp="0">
+<p:notes xmlns:a="http://schemas.openxmlformats.org/drawingml/2006/main" xmlns:r="http://schemas.openxmlformats.org/officeDocument/2006/relationships" xmlns:p="http://schemas.openxmlformats.org/presentationml/2006/main" showMasterSp="0" showMasterPhAnim="0">
   <p:cSld>
     <p:spTree>
       <p:nvGrpSpPr>
-        <p:cNvPr id="94" name="Shape 94"/>
+        <p:cNvPr id="1" name="Shape 94"/>
         <p:cNvGrpSpPr/>
         <p:nvPr/>
       </p:nvGrpSpPr>
@@ -1550,9 +1593,11 @@
       <p:sp>
         <p:nvSpPr>
           <p:cNvPr id="95" name="Google Shape;95;g3adea9a5fcc_2_0:notes"/>
-          <p:cNvSpPr/>
+          <p:cNvSpPr>
+            <a:spLocks noGrp="1" noRot="1" noChangeAspect="1"/>
+          </p:cNvSpPr>
           <p:nvPr>
-            <p:ph idx="2" type="sldImg"/>
+            <p:ph type="sldImg" idx="2"/>
           </p:nvPr>
         </p:nvSpPr>
         <p:spPr>
@@ -1561,9 +1606,13 @@
             <a:ext cx="6096000" cy="3429000"/>
           </a:xfrm>
           <a:custGeom>
-            <a:rect b="b" l="l" r="r" t="t"/>
+            <a:avLst/>
+            <a:gdLst/>
+            <a:ahLst/>
+            <a:cxnLst/>
+            <a:rect l="l" t="t" r="r" b="b"/>
             <a:pathLst>
-              <a:path extrusionOk="0" h="120000" w="120000">
+              <a:path w="120000" h="120000" extrusionOk="0">
                 <a:moveTo>
                   <a:pt x="0" y="0"/>
                 </a:moveTo>
@@ -1585,9 +1634,11 @@
       <p:sp>
         <p:nvSpPr>
           <p:cNvPr id="96" name="Google Shape;96;g3adea9a5fcc_2_0:notes"/>
-          <p:cNvSpPr txBox="1"/>
+          <p:cNvSpPr txBox="1">
+            <a:spLocks noGrp="1"/>
+          </p:cNvSpPr>
           <p:nvPr>
-            <p:ph idx="1" type="body"/>
+            <p:ph type="body" idx="1"/>
           </p:nvPr>
         </p:nvSpPr>
         <p:spPr>
@@ -1600,12 +1651,12 @@
           </a:prstGeom>
         </p:spPr>
         <p:txBody>
-          <a:bodyPr anchorCtr="0" anchor="t" bIns="91425" lIns="91425" spcFirstLastPara="1" rIns="91425" wrap="square" tIns="91425">
+          <a:bodyPr spcFirstLastPara="1" wrap="square" lIns="91425" tIns="91425" rIns="91425" bIns="91425" anchor="t" anchorCtr="0">
             <a:noAutofit/>
           </a:bodyPr>
           <a:lstStyle/>
           <a:p>
-            <a:pPr indent="0" lvl="0" marL="0" rtl="0" algn="l">
+            <a:pPr marL="0" lvl="0" indent="0" algn="l" rtl="0">
               <a:spcBef>
                 <a:spcPts val="0"/>
               </a:spcBef>
@@ -1614,9 +1665,6 @@
               </a:spcAft>
               <a:buNone/>
             </a:pPr>
-            <a:r>
-              <a:t/>
-            </a:r>
             <a:endParaRPr/>
           </a:p>
         </p:txBody>
@@ -1630,11 +1678,11 @@
 </file>
 
 <file path=ppt/notesSlides/notesSlide4.xml><?xml version="1.0" encoding="utf-8"?>
-<p:notes xmlns:a="http://schemas.openxmlformats.org/drawingml/2006/main" xmlns:r="http://schemas.openxmlformats.org/officeDocument/2006/relationships" xmlns:mc="http://schemas.openxmlformats.org/markup-compatibility/2006" xmlns:mv="urn:schemas-microsoft-com:mac:vml" xmlns:p="http://schemas.openxmlformats.org/presentationml/2006/main" xmlns:c="http://schemas.openxmlformats.org/drawingml/2006/chart" xmlns:dgm="http://schemas.openxmlformats.org/drawingml/2006/diagram" xmlns:o="urn:schemas-microsoft-com:office:office" xmlns:v="urn:schemas-microsoft-com:vml" xmlns:pvml="urn:schemas-microsoft-com:office:powerpoint" xmlns:com="http://schemas.openxmlformats.org/drawingml/2006/compatibility" xmlns:p14="http://schemas.microsoft.com/office/powerpoint/2010/main" xmlns:p15="http://schemas.microsoft.com/office/powerpoint/2012/main" xmlns:ahyp="http://schemas.microsoft.com/office/drawing/2018/hyperlinkcolor" showMasterPhAnim="0" showMasterSp="0">
+<p:notes xmlns:a="http://schemas.openxmlformats.org/drawingml/2006/main" xmlns:r="http://schemas.openxmlformats.org/officeDocument/2006/relationships" xmlns:p="http://schemas.openxmlformats.org/presentationml/2006/main" showMasterSp="0" showMasterPhAnim="0">
   <p:cSld>
     <p:spTree>
       <p:nvGrpSpPr>
-        <p:cNvPr id="102" name="Shape 102"/>
+        <p:cNvPr id="1" name="Shape 102"/>
         <p:cNvGrpSpPr/>
         <p:nvPr/>
       </p:nvGrpSpPr>
@@ -1649,9 +1697,11 @@
       <p:sp>
         <p:nvSpPr>
           <p:cNvPr id="103" name="Google Shape;103;g3adea9a5fcc_2_5:notes"/>
-          <p:cNvSpPr/>
+          <p:cNvSpPr>
+            <a:spLocks noGrp="1" noRot="1" noChangeAspect="1"/>
+          </p:cNvSpPr>
           <p:nvPr>
-            <p:ph idx="2" type="sldImg"/>
+            <p:ph type="sldImg" idx="2"/>
           </p:nvPr>
         </p:nvSpPr>
         <p:spPr>
@@ -1660,9 +1710,13 @@
             <a:ext cx="6096000" cy="3429000"/>
           </a:xfrm>
           <a:custGeom>
-            <a:rect b="b" l="l" r="r" t="t"/>
+            <a:avLst/>
+            <a:gdLst/>
+            <a:ahLst/>
+            <a:cxnLst/>
+            <a:rect l="l" t="t" r="r" b="b"/>
             <a:pathLst>
-              <a:path extrusionOk="0" h="120000" w="120000">
+              <a:path w="120000" h="120000" extrusionOk="0">
                 <a:moveTo>
                   <a:pt x="0" y="0"/>
                 </a:moveTo>
@@ -1684,9 +1738,11 @@
       <p:sp>
         <p:nvSpPr>
           <p:cNvPr id="104" name="Google Shape;104;g3adea9a5fcc_2_5:notes"/>
-          <p:cNvSpPr txBox="1"/>
+          <p:cNvSpPr txBox="1">
+            <a:spLocks noGrp="1"/>
+          </p:cNvSpPr>
           <p:nvPr>
-            <p:ph idx="1" type="body"/>
+            <p:ph type="body" idx="1"/>
           </p:nvPr>
         </p:nvSpPr>
         <p:spPr>
@@ -1699,12 +1755,12 @@
           </a:prstGeom>
         </p:spPr>
         <p:txBody>
-          <a:bodyPr anchorCtr="0" anchor="t" bIns="91425" lIns="91425" spcFirstLastPara="1" rIns="91425" wrap="square" tIns="91425">
+          <a:bodyPr spcFirstLastPara="1" wrap="square" lIns="91425" tIns="91425" rIns="91425" bIns="91425" anchor="t" anchorCtr="0">
             <a:noAutofit/>
           </a:bodyPr>
           <a:lstStyle/>
           <a:p>
-            <a:pPr indent="0" lvl="0" marL="0" rtl="0" algn="l">
+            <a:pPr marL="0" lvl="0" indent="0" algn="l" rtl="0">
               <a:spcBef>
                 <a:spcPts val="0"/>
               </a:spcBef>
@@ -1713,9 +1769,6 @@
               </a:spcAft>
               <a:buNone/>
             </a:pPr>
-            <a:r>
-              <a:t/>
-            </a:r>
             <a:endParaRPr/>
           </a:p>
         </p:txBody>
@@ -1729,11 +1782,11 @@
 </file>
 
 <file path=ppt/notesSlides/notesSlide5.xml><?xml version="1.0" encoding="utf-8"?>
-<p:notes xmlns:a="http://schemas.openxmlformats.org/drawingml/2006/main" xmlns:r="http://schemas.openxmlformats.org/officeDocument/2006/relationships" xmlns:mc="http://schemas.openxmlformats.org/markup-compatibility/2006" xmlns:mv="urn:schemas-microsoft-com:mac:vml" xmlns:p="http://schemas.openxmlformats.org/presentationml/2006/main" xmlns:c="http://schemas.openxmlformats.org/drawingml/2006/chart" xmlns:dgm="http://schemas.openxmlformats.org/drawingml/2006/diagram" xmlns:o="urn:schemas-microsoft-com:office:office" xmlns:v="urn:schemas-microsoft-com:vml" xmlns:pvml="urn:schemas-microsoft-com:office:powerpoint" xmlns:com="http://schemas.openxmlformats.org/drawingml/2006/compatibility" xmlns:p14="http://schemas.microsoft.com/office/powerpoint/2010/main" xmlns:p15="http://schemas.microsoft.com/office/powerpoint/2012/main" xmlns:ahyp="http://schemas.microsoft.com/office/drawing/2018/hyperlinkcolor" showMasterPhAnim="0" showMasterSp="0">
+<p:notes xmlns:a="http://schemas.openxmlformats.org/drawingml/2006/main" xmlns:r="http://schemas.openxmlformats.org/officeDocument/2006/relationships" xmlns:p="http://schemas.openxmlformats.org/presentationml/2006/main" showMasterSp="0" showMasterPhAnim="0">
   <p:cSld>
     <p:spTree>
       <p:nvGrpSpPr>
-        <p:cNvPr id="108" name="Shape 108"/>
+        <p:cNvPr id="1" name="Shape 108"/>
         <p:cNvGrpSpPr/>
         <p:nvPr/>
       </p:nvGrpSpPr>
@@ -1748,9 +1801,11 @@
       <p:sp>
         <p:nvSpPr>
           <p:cNvPr id="109" name="Google Shape;109;g3adea9a5fcc_1_1229:notes"/>
-          <p:cNvSpPr/>
+          <p:cNvSpPr>
+            <a:spLocks noGrp="1" noRot="1" noChangeAspect="1"/>
+          </p:cNvSpPr>
           <p:nvPr>
-            <p:ph idx="2" type="sldImg"/>
+            <p:ph type="sldImg" idx="2"/>
           </p:nvPr>
         </p:nvSpPr>
         <p:spPr>
@@ -1759,9 +1814,13 @@
             <a:ext cx="6096000" cy="3429000"/>
           </a:xfrm>
           <a:custGeom>
-            <a:rect b="b" l="l" r="r" t="t"/>
+            <a:avLst/>
+            <a:gdLst/>
+            <a:ahLst/>
+            <a:cxnLst/>
+            <a:rect l="l" t="t" r="r" b="b"/>
             <a:pathLst>
-              <a:path extrusionOk="0" h="120000" w="120000">
+              <a:path w="120000" h="120000" extrusionOk="0">
                 <a:moveTo>
                   <a:pt x="0" y="0"/>
                 </a:moveTo>
@@ -1783,9 +1842,11 @@
       <p:sp>
         <p:nvSpPr>
           <p:cNvPr id="110" name="Google Shape;110;g3adea9a5fcc_1_1229:notes"/>
-          <p:cNvSpPr txBox="1"/>
+          <p:cNvSpPr txBox="1">
+            <a:spLocks noGrp="1"/>
+          </p:cNvSpPr>
           <p:nvPr>
-            <p:ph idx="1" type="body"/>
+            <p:ph type="body" idx="1"/>
           </p:nvPr>
         </p:nvSpPr>
         <p:spPr>
@@ -1798,12 +1859,12 @@
           </a:prstGeom>
         </p:spPr>
         <p:txBody>
-          <a:bodyPr anchorCtr="0" anchor="t" bIns="91425" lIns="91425" spcFirstLastPara="1" rIns="91425" wrap="square" tIns="91425">
+          <a:bodyPr spcFirstLastPara="1" wrap="square" lIns="91425" tIns="91425" rIns="91425" bIns="91425" anchor="t" anchorCtr="0">
             <a:noAutofit/>
           </a:bodyPr>
           <a:lstStyle/>
           <a:p>
-            <a:pPr indent="0" lvl="0" marL="0" rtl="0" algn="l">
+            <a:pPr marL="0" lvl="0" indent="0" algn="l" rtl="0">
               <a:spcBef>
                 <a:spcPts val="0"/>
               </a:spcBef>
@@ -1812,9 +1873,6 @@
               </a:spcAft>
               <a:buNone/>
             </a:pPr>
-            <a:r>
-              <a:t/>
-            </a:r>
             <a:endParaRPr/>
           </a:p>
         </p:txBody>
@@ -1828,11 +1886,11 @@
 </file>
 
 <file path=ppt/notesSlides/notesSlide6.xml><?xml version="1.0" encoding="utf-8"?>
-<p:notes xmlns:a="http://schemas.openxmlformats.org/drawingml/2006/main" xmlns:r="http://schemas.openxmlformats.org/officeDocument/2006/relationships" xmlns:mc="http://schemas.openxmlformats.org/markup-compatibility/2006" xmlns:mv="urn:schemas-microsoft-com:mac:vml" xmlns:p="http://schemas.openxmlformats.org/presentationml/2006/main" xmlns:c="http://schemas.openxmlformats.org/drawingml/2006/chart" xmlns:dgm="http://schemas.openxmlformats.org/drawingml/2006/diagram" xmlns:o="urn:schemas-microsoft-com:office:office" xmlns:v="urn:schemas-microsoft-com:vml" xmlns:pvml="urn:schemas-microsoft-com:office:powerpoint" xmlns:com="http://schemas.openxmlformats.org/drawingml/2006/compatibility" xmlns:p14="http://schemas.microsoft.com/office/powerpoint/2010/main" xmlns:p15="http://schemas.microsoft.com/office/powerpoint/2012/main" xmlns:ahyp="http://schemas.microsoft.com/office/drawing/2018/hyperlinkcolor" showMasterPhAnim="0" showMasterSp="0">
+<p:notes xmlns:a="http://schemas.openxmlformats.org/drawingml/2006/main" xmlns:r="http://schemas.openxmlformats.org/officeDocument/2006/relationships" xmlns:p="http://schemas.openxmlformats.org/presentationml/2006/main" showMasterSp="0" showMasterPhAnim="0">
   <p:cSld>
     <p:spTree>
       <p:nvGrpSpPr>
-        <p:cNvPr id="119" name="Shape 119"/>
+        <p:cNvPr id="1" name="Shape 119"/>
         <p:cNvGrpSpPr/>
         <p:nvPr/>
       </p:nvGrpSpPr>
@@ -1847,9 +1905,11 @@
       <p:sp>
         <p:nvSpPr>
           <p:cNvPr id="120" name="Google Shape;120;g3ae08a2a6de_2_7:notes"/>
-          <p:cNvSpPr/>
+          <p:cNvSpPr>
+            <a:spLocks noGrp="1" noRot="1" noChangeAspect="1"/>
+          </p:cNvSpPr>
           <p:nvPr>
-            <p:ph idx="2" type="sldImg"/>
+            <p:ph type="sldImg" idx="2"/>
           </p:nvPr>
         </p:nvSpPr>
         <p:spPr>
@@ -1858,9 +1918,13 @@
             <a:ext cx="6096000" cy="3429000"/>
           </a:xfrm>
           <a:custGeom>
-            <a:rect b="b" l="l" r="r" t="t"/>
+            <a:avLst/>
+            <a:gdLst/>
+            <a:ahLst/>
+            <a:cxnLst/>
+            <a:rect l="l" t="t" r="r" b="b"/>
             <a:pathLst>
-              <a:path extrusionOk="0" h="120000" w="120000">
+              <a:path w="120000" h="120000" extrusionOk="0">
                 <a:moveTo>
                   <a:pt x="0" y="0"/>
                 </a:moveTo>
@@ -1882,9 +1946,11 @@
       <p:sp>
         <p:nvSpPr>
           <p:cNvPr id="121" name="Google Shape;121;g3ae08a2a6de_2_7:notes"/>
-          <p:cNvSpPr txBox="1"/>
+          <p:cNvSpPr txBox="1">
+            <a:spLocks noGrp="1"/>
+          </p:cNvSpPr>
           <p:nvPr>
-            <p:ph idx="1" type="body"/>
+            <p:ph type="body" idx="1"/>
           </p:nvPr>
         </p:nvSpPr>
         <p:spPr>
@@ -1897,12 +1963,12 @@
           </a:prstGeom>
         </p:spPr>
         <p:txBody>
-          <a:bodyPr anchorCtr="0" anchor="t" bIns="91425" lIns="91425" spcFirstLastPara="1" rIns="91425" wrap="square" tIns="91425">
+          <a:bodyPr spcFirstLastPara="1" wrap="square" lIns="91425" tIns="91425" rIns="91425" bIns="91425" anchor="t" anchorCtr="0">
             <a:noAutofit/>
           </a:bodyPr>
           <a:lstStyle/>
           <a:p>
-            <a:pPr indent="-298450" lvl="0" marL="457200" rtl="0" algn="l">
+            <a:pPr marL="457200" lvl="0" indent="-298450" algn="l" rtl="0">
               <a:lnSpc>
                 <a:spcPct val="150000"/>
               </a:lnSpc>
@@ -1917,20 +1983,12 @@
             </a:pPr>
             <a:r>
               <a:rPr lang="en"/>
-              <a:t>To model the motion of the </a:t>
-            </a:r>
-            <a:r>
-              <a:rPr lang="en"/>
-              <a:t>projectile</a:t>
-            </a:r>
-            <a:r>
-              <a:rPr lang="en"/>
-              <a:t> we used the Euler’s method.</a:t>
+              <a:t>To model the motion of the projectile we used the Euler’s method.</a:t>
             </a:r>
             <a:endParaRPr/>
           </a:p>
           <a:p>
-            <a:pPr indent="-298450" lvl="0" marL="457200" rtl="0" algn="l">
+            <a:pPr marL="457200" lvl="0" indent="-298450" algn="l" rtl="0">
               <a:lnSpc>
                 <a:spcPct val="150000"/>
               </a:lnSpc>
@@ -1945,16 +2003,12 @@
             </a:pPr>
             <a:r>
               <a:rPr lang="en"/>
-              <a:t>We started by setting up the </a:t>
-            </a:r>
-            <a:r>
-              <a:rPr lang="en"/>
-              <a:t>libraries, constants, and inputs for positions of both ships. </a:t>
+              <a:t>We started by setting up the libraries, constants, and inputs for positions of both ships. </a:t>
             </a:r>
             <a:endParaRPr/>
           </a:p>
           <a:p>
-            <a:pPr indent="-298450" lvl="0" marL="457200" rtl="0" algn="l">
+            <a:pPr marL="457200" lvl="0" indent="-298450" algn="l" rtl="0">
               <a:lnSpc>
                 <a:spcPct val="150000"/>
               </a:lnSpc>
@@ -1974,7 +2028,7 @@
             <a:endParaRPr/>
           </a:p>
           <a:p>
-            <a:pPr indent="-298450" lvl="0" marL="457200" rtl="0" algn="l">
+            <a:pPr marL="457200" lvl="0" indent="-298450" algn="l" rtl="0">
               <a:lnSpc>
                 <a:spcPct val="150000"/>
               </a:lnSpc>
@@ -1994,7 +2048,7 @@
             <a:endParaRPr/>
           </a:p>
           <a:p>
-            <a:pPr indent="-298450" lvl="0" marL="457200" rtl="0" algn="l">
+            <a:pPr marL="457200" lvl="0" indent="-298450" algn="l" rtl="0">
               <a:lnSpc>
                 <a:spcPct val="150000"/>
               </a:lnSpc>
@@ -2014,7 +2068,7 @@
             <a:endParaRPr/>
           </a:p>
           <a:p>
-            <a:pPr indent="-298450" lvl="0" marL="457200" rtl="0" algn="l">
+            <a:pPr marL="457200" lvl="0" indent="-298450" algn="l" rtl="0">
               <a:lnSpc>
                 <a:spcPct val="150000"/>
               </a:lnSpc>
@@ -2034,7 +2088,7 @@
             <a:endParaRPr/>
           </a:p>
           <a:p>
-            <a:pPr indent="-298450" lvl="0" marL="457200" rtl="0" algn="l">
+            <a:pPr marL="457200" lvl="0" indent="-298450" algn="l" rtl="0">
               <a:lnSpc>
                 <a:spcPct val="150000"/>
               </a:lnSpc>
@@ -2054,7 +2108,7 @@
             <a:endParaRPr/>
           </a:p>
           <a:p>
-            <a:pPr indent="0" lvl="0" marL="0" rtl="0" algn="l">
+            <a:pPr marL="0" lvl="0" indent="0" algn="l" rtl="0">
               <a:lnSpc>
                 <a:spcPct val="150000"/>
               </a:lnSpc>
@@ -2066,9 +2120,6 @@
               </a:spcAft>
               <a:buNone/>
             </a:pPr>
-            <a:r>
-              <a:t/>
-            </a:r>
             <a:endParaRPr/>
           </a:p>
         </p:txBody>
@@ -2082,11 +2133,11 @@
 </file>
 
 <file path=ppt/notesSlides/notesSlide7.xml><?xml version="1.0" encoding="utf-8"?>
-<p:notes xmlns:a="http://schemas.openxmlformats.org/drawingml/2006/main" xmlns:r="http://schemas.openxmlformats.org/officeDocument/2006/relationships" xmlns:mc="http://schemas.openxmlformats.org/markup-compatibility/2006" xmlns:mv="urn:schemas-microsoft-com:mac:vml" xmlns:p="http://schemas.openxmlformats.org/presentationml/2006/main" xmlns:c="http://schemas.openxmlformats.org/drawingml/2006/chart" xmlns:dgm="http://schemas.openxmlformats.org/drawingml/2006/diagram" xmlns:o="urn:schemas-microsoft-com:office:office" xmlns:v="urn:schemas-microsoft-com:vml" xmlns:pvml="urn:schemas-microsoft-com:office:powerpoint" xmlns:com="http://schemas.openxmlformats.org/drawingml/2006/compatibility" xmlns:p14="http://schemas.microsoft.com/office/powerpoint/2010/main" xmlns:p15="http://schemas.microsoft.com/office/powerpoint/2012/main" xmlns:ahyp="http://schemas.microsoft.com/office/drawing/2018/hyperlinkcolor" showMasterPhAnim="0" showMasterSp="0">
+<p:notes xmlns:a="http://schemas.openxmlformats.org/drawingml/2006/main" xmlns:r="http://schemas.openxmlformats.org/officeDocument/2006/relationships" xmlns:p="http://schemas.openxmlformats.org/presentationml/2006/main" showMasterSp="0" showMasterPhAnim="0">
   <p:cSld>
     <p:spTree>
       <p:nvGrpSpPr>
-        <p:cNvPr id="125" name="Shape 125"/>
+        <p:cNvPr id="1" name="Shape 125"/>
         <p:cNvGrpSpPr/>
         <p:nvPr/>
       </p:nvGrpSpPr>
@@ -2101,9 +2152,11 @@
       <p:sp>
         <p:nvSpPr>
           <p:cNvPr id="126" name="Google Shape;126;g3adea9a5fcc_1_1243:notes"/>
-          <p:cNvSpPr/>
+          <p:cNvSpPr>
+            <a:spLocks noGrp="1" noRot="1" noChangeAspect="1"/>
+          </p:cNvSpPr>
           <p:nvPr>
-            <p:ph idx="2" type="sldImg"/>
+            <p:ph type="sldImg" idx="2"/>
           </p:nvPr>
         </p:nvSpPr>
         <p:spPr>
@@ -2112,9 +2165,13 @@
             <a:ext cx="6096000" cy="3429000"/>
           </a:xfrm>
           <a:custGeom>
-            <a:rect b="b" l="l" r="r" t="t"/>
+            <a:avLst/>
+            <a:gdLst/>
+            <a:ahLst/>
+            <a:cxnLst/>
+            <a:rect l="l" t="t" r="r" b="b"/>
             <a:pathLst>
-              <a:path extrusionOk="0" h="120000" w="120000">
+              <a:path w="120000" h="120000" extrusionOk="0">
                 <a:moveTo>
                   <a:pt x="0" y="0"/>
                 </a:moveTo>
@@ -2136,9 +2193,11 @@
       <p:sp>
         <p:nvSpPr>
           <p:cNvPr id="127" name="Google Shape;127;g3adea9a5fcc_1_1243:notes"/>
-          <p:cNvSpPr txBox="1"/>
+          <p:cNvSpPr txBox="1">
+            <a:spLocks noGrp="1"/>
+          </p:cNvSpPr>
           <p:nvPr>
-            <p:ph idx="1" type="body"/>
+            <p:ph type="body" idx="1"/>
           </p:nvPr>
         </p:nvSpPr>
         <p:spPr>
@@ -2151,12 +2210,12 @@
           </a:prstGeom>
         </p:spPr>
         <p:txBody>
-          <a:bodyPr anchorCtr="0" anchor="t" bIns="91425" lIns="91425" spcFirstLastPara="1" rIns="91425" wrap="square" tIns="91425">
+          <a:bodyPr spcFirstLastPara="1" wrap="square" lIns="91425" tIns="91425" rIns="91425" bIns="91425" anchor="t" anchorCtr="0">
             <a:noAutofit/>
           </a:bodyPr>
           <a:lstStyle/>
           <a:p>
-            <a:pPr indent="0" lvl="0" marL="0" rtl="0" algn="l">
+            <a:pPr marL="0" lvl="0" indent="0" algn="l" rtl="0">
               <a:spcBef>
                 <a:spcPts val="0"/>
               </a:spcBef>
@@ -2165,9 +2224,6 @@
               </a:spcAft>
               <a:buNone/>
             </a:pPr>
-            <a:r>
-              <a:t/>
-            </a:r>
             <a:endParaRPr/>
           </a:p>
         </p:txBody>
@@ -2181,11 +2237,11 @@
 </file>
 
 <file path=ppt/notesSlides/notesSlide8.xml><?xml version="1.0" encoding="utf-8"?>
-<p:notes xmlns:a="http://schemas.openxmlformats.org/drawingml/2006/main" xmlns:r="http://schemas.openxmlformats.org/officeDocument/2006/relationships" xmlns:mc="http://schemas.openxmlformats.org/markup-compatibility/2006" xmlns:mv="urn:schemas-microsoft-com:mac:vml" xmlns:p="http://schemas.openxmlformats.org/presentationml/2006/main" xmlns:c="http://schemas.openxmlformats.org/drawingml/2006/chart" xmlns:dgm="http://schemas.openxmlformats.org/drawingml/2006/diagram" xmlns:o="urn:schemas-microsoft-com:office:office" xmlns:v="urn:schemas-microsoft-com:vml" xmlns:pvml="urn:schemas-microsoft-com:office:powerpoint" xmlns:com="http://schemas.openxmlformats.org/drawingml/2006/compatibility" xmlns:p14="http://schemas.microsoft.com/office/powerpoint/2010/main" xmlns:p15="http://schemas.microsoft.com/office/powerpoint/2012/main" xmlns:ahyp="http://schemas.microsoft.com/office/drawing/2018/hyperlinkcolor" showMasterPhAnim="0" showMasterSp="0">
+<p:notes xmlns:a="http://schemas.openxmlformats.org/drawingml/2006/main" xmlns:r="http://schemas.openxmlformats.org/officeDocument/2006/relationships" xmlns:p="http://schemas.openxmlformats.org/presentationml/2006/main" showMasterSp="0" showMasterPhAnim="0">
   <p:cSld>
     <p:spTree>
       <p:nvGrpSpPr>
-        <p:cNvPr id="136" name="Shape 136"/>
+        <p:cNvPr id="1" name="Shape 136"/>
         <p:cNvGrpSpPr/>
         <p:nvPr/>
       </p:nvGrpSpPr>
@@ -2200,9 +2256,11 @@
       <p:sp>
         <p:nvSpPr>
           <p:cNvPr id="137" name="Google Shape;137;g3ae5b9451f5_0_6:notes"/>
-          <p:cNvSpPr/>
+          <p:cNvSpPr>
+            <a:spLocks noGrp="1" noRot="1" noChangeAspect="1"/>
+          </p:cNvSpPr>
           <p:nvPr>
-            <p:ph idx="2" type="sldImg"/>
+            <p:ph type="sldImg" idx="2"/>
           </p:nvPr>
         </p:nvSpPr>
         <p:spPr>
@@ -2211,9 +2269,13 @@
             <a:ext cx="6096000" cy="3429000"/>
           </a:xfrm>
           <a:custGeom>
-            <a:rect b="b" l="l" r="r" t="t"/>
+            <a:avLst/>
+            <a:gdLst/>
+            <a:ahLst/>
+            <a:cxnLst/>
+            <a:rect l="l" t="t" r="r" b="b"/>
             <a:pathLst>
-              <a:path extrusionOk="0" h="120000" w="120000">
+              <a:path w="120000" h="120000" extrusionOk="0">
                 <a:moveTo>
                   <a:pt x="0" y="0"/>
                 </a:moveTo>
@@ -2235,9 +2297,11 @@
       <p:sp>
         <p:nvSpPr>
           <p:cNvPr id="138" name="Google Shape;138;g3ae5b9451f5_0_6:notes"/>
-          <p:cNvSpPr txBox="1"/>
+          <p:cNvSpPr txBox="1">
+            <a:spLocks noGrp="1"/>
+          </p:cNvSpPr>
           <p:nvPr>
-            <p:ph idx="1" type="body"/>
+            <p:ph type="body" idx="1"/>
           </p:nvPr>
         </p:nvSpPr>
         <p:spPr>
@@ -2250,12 +2314,12 @@
           </a:prstGeom>
         </p:spPr>
         <p:txBody>
-          <a:bodyPr anchorCtr="0" anchor="t" bIns="91425" lIns="91425" spcFirstLastPara="1" rIns="91425" wrap="square" tIns="91425">
+          <a:bodyPr spcFirstLastPara="1" wrap="square" lIns="91425" tIns="91425" rIns="91425" bIns="91425" anchor="t" anchorCtr="0">
             <a:noAutofit/>
           </a:bodyPr>
           <a:lstStyle/>
           <a:p>
-            <a:pPr indent="-298450" lvl="0" marL="457200" rtl="0" algn="l">
+            <a:pPr marL="457200" lvl="0" indent="-298450" algn="l" rtl="0">
               <a:lnSpc>
                 <a:spcPct val="150000"/>
               </a:lnSpc>
@@ -2286,7 +2350,7 @@
             </a:endParaRPr>
           </a:p>
           <a:p>
-            <a:pPr indent="-298450" lvl="0" marL="457200" rtl="0" algn="l">
+            <a:pPr marL="457200" lvl="0" indent="-298450" algn="l" rtl="0">
               <a:lnSpc>
                 <a:spcPct val="150000"/>
               </a:lnSpc>
@@ -2319,11 +2383,11 @@
 </file>
 
 <file path=ppt/notesSlides/notesSlide9.xml><?xml version="1.0" encoding="utf-8"?>
-<p:notes xmlns:a="http://schemas.openxmlformats.org/drawingml/2006/main" xmlns:r="http://schemas.openxmlformats.org/officeDocument/2006/relationships" xmlns:mc="http://schemas.openxmlformats.org/markup-compatibility/2006" xmlns:mv="urn:schemas-microsoft-com:mac:vml" xmlns:p="http://schemas.openxmlformats.org/presentationml/2006/main" xmlns:c="http://schemas.openxmlformats.org/drawingml/2006/chart" xmlns:dgm="http://schemas.openxmlformats.org/drawingml/2006/diagram" xmlns:o="urn:schemas-microsoft-com:office:office" xmlns:v="urn:schemas-microsoft-com:vml" xmlns:pvml="urn:schemas-microsoft-com:office:powerpoint" xmlns:com="http://schemas.openxmlformats.org/drawingml/2006/compatibility" xmlns:p14="http://schemas.microsoft.com/office/powerpoint/2010/main" xmlns:p15="http://schemas.microsoft.com/office/powerpoint/2012/main" xmlns:ahyp="http://schemas.microsoft.com/office/drawing/2018/hyperlinkcolor" showMasterPhAnim="0" showMasterSp="0">
+<p:notes xmlns:a="http://schemas.openxmlformats.org/drawingml/2006/main" xmlns:r="http://schemas.openxmlformats.org/officeDocument/2006/relationships" xmlns:p="http://schemas.openxmlformats.org/presentationml/2006/main" showMasterSp="0" showMasterPhAnim="0">
   <p:cSld>
     <p:spTree>
       <p:nvGrpSpPr>
-        <p:cNvPr id="142" name="Shape 142"/>
+        <p:cNvPr id="1" name="Shape 142"/>
         <p:cNvGrpSpPr/>
         <p:nvPr/>
       </p:nvGrpSpPr>
@@ -2338,9 +2402,11 @@
       <p:sp>
         <p:nvSpPr>
           <p:cNvPr id="143" name="Google Shape;143;g3ae08a2a6de_2_12:notes"/>
-          <p:cNvSpPr/>
+          <p:cNvSpPr>
+            <a:spLocks noGrp="1" noRot="1" noChangeAspect="1"/>
+          </p:cNvSpPr>
           <p:nvPr>
-            <p:ph idx="2" type="sldImg"/>
+            <p:ph type="sldImg" idx="2"/>
           </p:nvPr>
         </p:nvSpPr>
         <p:spPr>
@@ -2349,9 +2415,13 @@
             <a:ext cx="6096000" cy="3429000"/>
           </a:xfrm>
           <a:custGeom>
-            <a:rect b="b" l="l" r="r" t="t"/>
+            <a:avLst/>
+            <a:gdLst/>
+            <a:ahLst/>
+            <a:cxnLst/>
+            <a:rect l="l" t="t" r="r" b="b"/>
             <a:pathLst>
-              <a:path extrusionOk="0" h="120000" w="120000">
+              <a:path w="120000" h="120000" extrusionOk="0">
                 <a:moveTo>
                   <a:pt x="0" y="0"/>
                 </a:moveTo>
@@ -2373,9 +2443,11 @@
       <p:sp>
         <p:nvSpPr>
           <p:cNvPr id="144" name="Google Shape;144;g3ae08a2a6de_2_12:notes"/>
-          <p:cNvSpPr txBox="1"/>
+          <p:cNvSpPr txBox="1">
+            <a:spLocks noGrp="1"/>
+          </p:cNvSpPr>
           <p:nvPr>
-            <p:ph idx="1" type="body"/>
+            <p:ph type="body" idx="1"/>
           </p:nvPr>
         </p:nvSpPr>
         <p:spPr>
@@ -2388,12 +2460,12 @@
           </a:prstGeom>
         </p:spPr>
         <p:txBody>
-          <a:bodyPr anchorCtr="0" anchor="t" bIns="91425" lIns="91425" spcFirstLastPara="1" rIns="91425" wrap="square" tIns="91425">
+          <a:bodyPr spcFirstLastPara="1" wrap="square" lIns="91425" tIns="91425" rIns="91425" bIns="91425" anchor="t" anchorCtr="0">
             <a:noAutofit/>
           </a:bodyPr>
           <a:lstStyle/>
           <a:p>
-            <a:pPr indent="-298450" lvl="0" marL="457200" rtl="0" algn="l">
+            <a:pPr marL="457200" lvl="0" indent="-298450" algn="l" rtl="0">
               <a:lnSpc>
                 <a:spcPct val="150000"/>
               </a:lnSpc>
@@ -2415,23 +2487,7 @@
                   <a:schemeClr val="dk1"/>
                 </a:solidFill>
               </a:rPr>
-              <a:t>This is a new function we wrote for part 2 to </a:t>
-            </a:r>
-            <a:r>
-              <a:rPr lang="en">
-                <a:solidFill>
-                  <a:schemeClr val="dk1"/>
-                </a:solidFill>
-              </a:rPr>
-              <a:t>account</a:t>
-            </a:r>
-            <a:r>
-              <a:rPr lang="en">
-                <a:solidFill>
-                  <a:schemeClr val="dk1"/>
-                </a:solidFill>
-              </a:rPr>
-              <a:t> for the shift</a:t>
+              <a:t>This is a new function we wrote for part 2 to account for the shift</a:t>
             </a:r>
             <a:endParaRPr>
               <a:solidFill>
@@ -2440,7 +2496,7 @@
             </a:endParaRPr>
           </a:p>
           <a:p>
-            <a:pPr indent="-298450" lvl="0" marL="457200" rtl="0" algn="l">
+            <a:pPr marL="457200" lvl="0" indent="-298450" algn="l" rtl="0">
               <a:lnSpc>
                 <a:spcPct val="150000"/>
               </a:lnSpc>
@@ -2471,7 +2527,7 @@
             </a:endParaRPr>
           </a:p>
           <a:p>
-            <a:pPr indent="-298450" lvl="0" marL="457200" rtl="0" algn="l">
+            <a:pPr marL="457200" lvl="0" indent="-298450" algn="l" rtl="0">
               <a:lnSpc>
                 <a:spcPct val="150000"/>
               </a:lnSpc>
@@ -2493,31 +2549,7 @@
                   <a:schemeClr val="dk1"/>
                 </a:solidFill>
               </a:rPr>
-              <a:t>Uses the new aiming </a:t>
-            </a:r>
-            <a:r>
-              <a:rPr lang="en">
-                <a:solidFill>
-                  <a:schemeClr val="dk1"/>
-                </a:solidFill>
-              </a:rPr>
-              <a:t>coordinates</a:t>
-            </a:r>
-            <a:r>
-              <a:rPr lang="en">
-                <a:solidFill>
-                  <a:schemeClr val="dk1"/>
-                </a:solidFill>
-              </a:rPr>
-              <a:t> to re</a:t>
-            </a:r>
-            <a:r>
-              <a:rPr lang="en">
-                <a:solidFill>
-                  <a:schemeClr val="dk1"/>
-                </a:solidFill>
-              </a:rPr>
-              <a:t>iterate through using the acceleration equations from the book for coriolis force</a:t>
+              <a:t>Uses the new aiming coordinates to reiterate through using the acceleration equations from the book for coriolis force</a:t>
             </a:r>
             <a:endParaRPr>
               <a:solidFill>
@@ -2526,7 +2558,7 @@
             </a:endParaRPr>
           </a:p>
           <a:p>
-            <a:pPr indent="-298450" lvl="0" marL="457200" rtl="0" algn="l">
+            <a:pPr marL="457200" lvl="0" indent="-298450" algn="l" rtl="0">
               <a:lnSpc>
                 <a:spcPct val="150000"/>
               </a:lnSpc>
@@ -2557,7 +2589,7 @@
             </a:endParaRPr>
           </a:p>
           <a:p>
-            <a:pPr indent="-298450" lvl="0" marL="457200" rtl="0" algn="l">
+            <a:pPr marL="457200" lvl="0" indent="-298450" algn="l" rtl="0">
               <a:lnSpc>
                 <a:spcPct val="150000"/>
               </a:lnSpc>
@@ -2588,7 +2620,7 @@
             </a:endParaRPr>
           </a:p>
           <a:p>
-            <a:pPr indent="-298450" lvl="0" marL="457200" rtl="0" algn="l">
+            <a:pPr marL="457200" lvl="0" indent="-298450" algn="l" rtl="0">
               <a:lnSpc>
                 <a:spcPct val="150000"/>
               </a:lnSpc>
@@ -2619,7 +2651,7 @@
             </a:endParaRPr>
           </a:p>
           <a:p>
-            <a:pPr indent="0" lvl="0" marL="0" rtl="0" algn="l">
+            <a:pPr marL="0" lvl="0" indent="0" algn="l" rtl="0">
               <a:spcBef>
                 <a:spcPts val="0"/>
               </a:spcBef>
@@ -2628,9 +2660,6 @@
               </a:spcAft>
               <a:buNone/>
             </a:pPr>
-            <a:r>
-              <a:t/>
-            </a:r>
             <a:endParaRPr/>
           </a:p>
         </p:txBody>
@@ -2644,11 +2673,11 @@
 </file>
 
 <file path=ppt/slideLayouts/slideLayout1.xml><?xml version="1.0" encoding="utf-8"?>
-<p:sldLayout xmlns:a="http://schemas.openxmlformats.org/drawingml/2006/main" xmlns:r="http://schemas.openxmlformats.org/officeDocument/2006/relationships" xmlns:mc="http://schemas.openxmlformats.org/markup-compatibility/2006" xmlns:mv="urn:schemas-microsoft-com:mac:vml" xmlns:p="http://schemas.openxmlformats.org/presentationml/2006/main" xmlns:c="http://schemas.openxmlformats.org/drawingml/2006/chart" xmlns:dgm="http://schemas.openxmlformats.org/drawingml/2006/diagram" xmlns:o="urn:schemas-microsoft-com:office:office" xmlns:v="urn:schemas-microsoft-com:vml" xmlns:pvml="urn:schemas-microsoft-com:office:powerpoint" xmlns:com="http://schemas.openxmlformats.org/drawingml/2006/compatibility" xmlns:p14="http://schemas.microsoft.com/office/powerpoint/2010/main" xmlns:p15="http://schemas.microsoft.com/office/powerpoint/2012/main" xmlns:ahyp="http://schemas.microsoft.com/office/drawing/2018/hyperlinkcolor" matchingName="Title slide" type="title">
+<p:sldLayout xmlns:a="http://schemas.openxmlformats.org/drawingml/2006/main" xmlns:r="http://schemas.openxmlformats.org/officeDocument/2006/relationships" xmlns:p="http://schemas.openxmlformats.org/presentationml/2006/main" matchingName="Title slide" type="title">
   <p:cSld name="TITLE">
     <p:spTree>
       <p:nvGrpSpPr>
-        <p:cNvPr id="9" name="Shape 9"/>
+        <p:cNvPr id="1" name="Shape 9"/>
         <p:cNvGrpSpPr/>
         <p:nvPr/>
       </p:nvGrpSpPr>
@@ -2682,12 +2711,12 @@
           </a:ln>
         </p:spPr>
         <p:txBody>
-          <a:bodyPr anchorCtr="0" anchor="ctr" bIns="91425" lIns="91425" spcFirstLastPara="1" rIns="91425" wrap="square" tIns="91425">
+          <a:bodyPr spcFirstLastPara="1" wrap="square" lIns="91425" tIns="91425" rIns="91425" bIns="91425" anchor="ctr" anchorCtr="0">
             <a:noAutofit/>
           </a:bodyPr>
           <a:lstStyle/>
           <a:p>
-            <a:pPr indent="0" lvl="0" marL="0" rtl="0" algn="l">
+            <a:pPr marL="0" lvl="0" indent="0" algn="l" rtl="0">
               <a:spcBef>
                 <a:spcPts val="0"/>
               </a:spcBef>
@@ -2696,9 +2725,6 @@
               </a:spcAft>
               <a:buNone/>
             </a:pPr>
-            <a:r>
-              <a:t/>
-            </a:r>
             <a:endParaRPr/>
           </a:p>
         </p:txBody>
@@ -2739,12 +2765,12 @@
             </a:ln>
           </p:spPr>
           <p:txBody>
-            <a:bodyPr anchorCtr="0" anchor="ctr" bIns="91425" lIns="91425" spcFirstLastPara="1" rIns="91425" wrap="square" tIns="91425">
+            <a:bodyPr spcFirstLastPara="1" wrap="square" lIns="91425" tIns="91425" rIns="91425" bIns="91425" anchor="ctr" anchorCtr="0">
               <a:noAutofit/>
             </a:bodyPr>
             <a:lstStyle/>
             <a:p>
-              <a:pPr indent="0" lvl="0" marL="0" rtl="0" algn="l">
+              <a:pPr marL="0" lvl="0" indent="0" algn="l" rtl="0">
                 <a:spcBef>
                   <a:spcPts val="0"/>
                 </a:spcBef>
@@ -2753,9 +2779,6 @@
                 </a:spcAft>
                 <a:buNone/>
               </a:pPr>
-              <a:r>
-                <a:t/>
-              </a:r>
               <a:endParaRPr/>
             </a:p>
           </p:txBody>
@@ -2782,12 +2805,12 @@
             </a:ln>
           </p:spPr>
           <p:txBody>
-            <a:bodyPr anchorCtr="0" anchor="ctr" bIns="91425" lIns="91425" spcFirstLastPara="1" rIns="91425" wrap="square" tIns="91425">
+            <a:bodyPr spcFirstLastPara="1" wrap="square" lIns="91425" tIns="91425" rIns="91425" bIns="91425" anchor="ctr" anchorCtr="0">
               <a:noAutofit/>
             </a:bodyPr>
             <a:lstStyle/>
             <a:p>
-              <a:pPr indent="0" lvl="0" marL="0" rtl="0" algn="l">
+              <a:pPr marL="0" lvl="0" indent="0" algn="l" rtl="0">
                 <a:spcBef>
                   <a:spcPts val="0"/>
                 </a:spcBef>
@@ -2796,9 +2819,6 @@
                 </a:spcAft>
                 <a:buNone/>
               </a:pPr>
-              <a:r>
-                <a:t/>
-              </a:r>
               <a:endParaRPr/>
             </a:p>
           </p:txBody>
@@ -2807,7 +2827,9 @@
       <p:sp>
         <p:nvSpPr>
           <p:cNvPr id="14" name="Google Shape;14;p2"/>
-          <p:cNvSpPr txBox="1"/>
+          <p:cNvSpPr txBox="1">
+            <a:spLocks noGrp="1"/>
+          </p:cNvSpPr>
           <p:nvPr>
             <p:ph type="ctrTitle"/>
           </p:nvPr>
@@ -2822,7 +2844,7 @@
           </a:prstGeom>
         </p:spPr>
         <p:txBody>
-          <a:bodyPr anchorCtr="0" anchor="t" bIns="91425" lIns="91425" spcFirstLastPara="1" rIns="91425" wrap="square" tIns="91425">
+          <a:bodyPr spcFirstLastPara="1" wrap="square" lIns="91425" tIns="91425" rIns="91425" bIns="91425" anchor="t" anchorCtr="0">
             <a:normAutofit/>
           </a:bodyPr>
           <a:lstStyle>
@@ -2926,15 +2948,19 @@
               <a:defRPr sz="4200"/>
             </a:lvl9pPr>
           </a:lstStyle>
-          <a:p/>
+          <a:p>
+            <a:endParaRPr/>
+          </a:p>
         </p:txBody>
       </p:sp>
       <p:sp>
         <p:nvSpPr>
           <p:cNvPr id="15" name="Google Shape;15;p2"/>
-          <p:cNvSpPr txBox="1"/>
+          <p:cNvSpPr txBox="1">
+            <a:spLocks noGrp="1"/>
+          </p:cNvSpPr>
           <p:nvPr>
-            <p:ph idx="1" type="subTitle"/>
+            <p:ph type="subTitle" idx="1"/>
           </p:nvPr>
         </p:nvSpPr>
         <p:spPr>
@@ -2947,7 +2973,7 @@
           </a:prstGeom>
         </p:spPr>
         <p:txBody>
-          <a:bodyPr anchorCtr="0" anchor="t" bIns="91425" lIns="91425" spcFirstLastPara="1" rIns="91425" wrap="square" tIns="91425">
+          <a:bodyPr spcFirstLastPara="1" wrap="square" lIns="91425" tIns="91425" rIns="91425" bIns="91425" anchor="t" anchorCtr="0">
             <a:normAutofit/>
           </a:bodyPr>
           <a:lstStyle>
@@ -3078,15 +3104,19 @@
               <a:defRPr sz="1600"/>
             </a:lvl9pPr>
           </a:lstStyle>
-          <a:p/>
+          <a:p>
+            <a:endParaRPr/>
+          </a:p>
         </p:txBody>
       </p:sp>
       <p:sp>
         <p:nvSpPr>
           <p:cNvPr id="16" name="Google Shape;16;p2"/>
-          <p:cNvSpPr txBox="1"/>
+          <p:cNvSpPr txBox="1">
+            <a:spLocks noGrp="1"/>
+          </p:cNvSpPr>
           <p:nvPr>
-            <p:ph idx="12" type="sldNum"/>
+            <p:ph type="sldNum" idx="12"/>
           </p:nvPr>
         </p:nvSpPr>
         <p:spPr>
@@ -3099,7 +3129,7 @@
           </a:prstGeom>
         </p:spPr>
         <p:txBody>
-          <a:bodyPr anchorCtr="0" anchor="ctr" bIns="91425" lIns="91425" spcFirstLastPara="1" rIns="91425" wrap="square" tIns="91425">
+          <a:bodyPr spcFirstLastPara="1" wrap="square" lIns="91425" tIns="91425" rIns="91425" bIns="91425" anchor="ctr" anchorCtr="0">
             <a:normAutofit/>
           </a:bodyPr>
           <a:lstStyle>
@@ -3141,7 +3171,7 @@
             </a:lvl9pPr>
           </a:lstStyle>
           <a:p>
-            <a:pPr indent="0" lvl="0" marL="0" rtl="0" algn="r">
+            <a:pPr marL="0" lvl="0" indent="0" algn="r" rtl="0">
               <a:spcBef>
                 <a:spcPts val="0"/>
               </a:spcBef>
@@ -3167,11 +3197,11 @@
 </file>
 
 <file path=ppt/slideLayouts/slideLayout10.xml><?xml version="1.0" encoding="utf-8"?>
-<p:sldLayout xmlns:a="http://schemas.openxmlformats.org/drawingml/2006/main" xmlns:r="http://schemas.openxmlformats.org/officeDocument/2006/relationships" xmlns:mc="http://schemas.openxmlformats.org/markup-compatibility/2006" xmlns:mv="urn:schemas-microsoft-com:mac:vml" xmlns:p="http://schemas.openxmlformats.org/presentationml/2006/main" xmlns:c="http://schemas.openxmlformats.org/drawingml/2006/chart" xmlns:dgm="http://schemas.openxmlformats.org/drawingml/2006/diagram" xmlns:o="urn:schemas-microsoft-com:office:office" xmlns:v="urn:schemas-microsoft-com:vml" xmlns:pvml="urn:schemas-microsoft-com:office:powerpoint" xmlns:com="http://schemas.openxmlformats.org/drawingml/2006/compatibility" xmlns:p14="http://schemas.microsoft.com/office/powerpoint/2010/main" xmlns:p15="http://schemas.microsoft.com/office/powerpoint/2012/main" xmlns:ahyp="http://schemas.microsoft.com/office/drawing/2018/hyperlinkcolor" matchingName="Big number">
+<p:sldLayout xmlns:a="http://schemas.openxmlformats.org/drawingml/2006/main" xmlns:r="http://schemas.openxmlformats.org/officeDocument/2006/relationships" xmlns:p="http://schemas.openxmlformats.org/presentationml/2006/main" matchingName="Big number">
   <p:cSld name="BIG_NUMBER">
     <p:spTree>
       <p:nvGrpSpPr>
-        <p:cNvPr id="73" name="Shape 73"/>
+        <p:cNvPr id="1" name="Shape 73"/>
         <p:cNvGrpSpPr/>
         <p:nvPr/>
       </p:nvGrpSpPr>
@@ -3219,12 +3249,12 @@
             </a:ln>
           </p:spPr>
           <p:txBody>
-            <a:bodyPr anchorCtr="0" anchor="ctr" bIns="91425" lIns="91425" spcFirstLastPara="1" rIns="91425" wrap="square" tIns="91425">
+            <a:bodyPr spcFirstLastPara="1" wrap="square" lIns="91425" tIns="91425" rIns="91425" bIns="91425" anchor="ctr" anchorCtr="0">
               <a:noAutofit/>
             </a:bodyPr>
             <a:lstStyle/>
             <a:p>
-              <a:pPr indent="0" lvl="0" marL="0" rtl="0" algn="l">
+              <a:pPr marL="0" lvl="0" indent="0" algn="l" rtl="0">
                 <a:spcBef>
                   <a:spcPts val="0"/>
                 </a:spcBef>
@@ -3233,9 +3263,6 @@
                 </a:spcAft>
                 <a:buNone/>
               </a:pPr>
-              <a:r>
-                <a:t/>
-              </a:r>
               <a:endParaRPr/>
             </a:p>
           </p:txBody>
@@ -3262,12 +3289,12 @@
             </a:ln>
           </p:spPr>
           <p:txBody>
-            <a:bodyPr anchorCtr="0" anchor="ctr" bIns="91425" lIns="91425" spcFirstLastPara="1" rIns="91425" wrap="square" tIns="91425">
+            <a:bodyPr spcFirstLastPara="1" wrap="square" lIns="91425" tIns="91425" rIns="91425" bIns="91425" anchor="ctr" anchorCtr="0">
               <a:noAutofit/>
             </a:bodyPr>
             <a:lstStyle/>
             <a:p>
-              <a:pPr indent="0" lvl="0" marL="0" rtl="0" algn="l">
+              <a:pPr marL="0" lvl="0" indent="0" algn="l" rtl="0">
                 <a:spcBef>
                   <a:spcPts val="0"/>
                 </a:spcBef>
@@ -3276,9 +3303,6 @@
                 </a:spcAft>
                 <a:buNone/>
               </a:pPr>
-              <a:r>
-                <a:t/>
-              </a:r>
               <a:endParaRPr/>
             </a:p>
           </p:txBody>
@@ -3287,9 +3311,11 @@
       <p:sp>
         <p:nvSpPr>
           <p:cNvPr id="77" name="Google Shape;77;p11"/>
-          <p:cNvSpPr txBox="1"/>
+          <p:cNvSpPr txBox="1">
+            <a:spLocks noGrp="1"/>
+          </p:cNvSpPr>
           <p:nvPr>
-            <p:ph hasCustomPrompt="1" type="title"/>
+            <p:ph type="title" hasCustomPrompt="1"/>
           </p:nvPr>
         </p:nvSpPr>
         <p:spPr>
@@ -3302,7 +3328,7 @@
           </a:prstGeom>
         </p:spPr>
         <p:txBody>
-          <a:bodyPr anchorCtr="0" anchor="t" bIns="91425" lIns="91425" spcFirstLastPara="1" rIns="91425" wrap="square" tIns="91425">
+          <a:bodyPr spcFirstLastPara="1" wrap="square" lIns="91425" tIns="91425" rIns="91425" bIns="91425" anchor="t" anchorCtr="0">
             <a:normAutofit/>
           </a:bodyPr>
           <a:lstStyle>
@@ -3479,9 +3505,11 @@
       <p:sp>
         <p:nvSpPr>
           <p:cNvPr id="78" name="Google Shape;78;p11"/>
-          <p:cNvSpPr txBox="1"/>
+          <p:cNvSpPr txBox="1">
+            <a:spLocks noGrp="1"/>
+          </p:cNvSpPr>
           <p:nvPr>
-            <p:ph idx="1" type="body"/>
+            <p:ph type="body" idx="1"/>
           </p:nvPr>
         </p:nvSpPr>
         <p:spPr>
@@ -3494,11 +3522,11 @@
           </a:prstGeom>
         </p:spPr>
         <p:txBody>
-          <a:bodyPr anchorCtr="0" anchor="t" bIns="91425" lIns="91425" spcFirstLastPara="1" rIns="91425" wrap="square" tIns="91425">
+          <a:bodyPr spcFirstLastPara="1" wrap="square" lIns="91425" tIns="91425" rIns="91425" bIns="91425" anchor="t" anchorCtr="0">
             <a:normAutofit/>
           </a:bodyPr>
           <a:lstStyle>
-            <a:lvl1pPr indent="-311150" lvl="0" marL="457200">
+            <a:lvl1pPr marL="457200" lvl="0" indent="-311150">
               <a:spcBef>
                 <a:spcPts val="0"/>
               </a:spcBef>
@@ -3516,7 +3544,7 @@
                 </a:solidFill>
               </a:defRPr>
             </a:lvl1pPr>
-            <a:lvl2pPr indent="-298450" lvl="1" marL="914400">
+            <a:lvl2pPr marL="914400" lvl="1" indent="-298450">
               <a:spcBef>
                 <a:spcPts val="0"/>
               </a:spcBef>
@@ -3534,7 +3562,7 @@
                 </a:solidFill>
               </a:defRPr>
             </a:lvl2pPr>
-            <a:lvl3pPr indent="-298450" lvl="2" marL="1371600">
+            <a:lvl3pPr marL="1371600" lvl="2" indent="-298450">
               <a:spcBef>
                 <a:spcPts val="0"/>
               </a:spcBef>
@@ -3552,7 +3580,7 @@
                 </a:solidFill>
               </a:defRPr>
             </a:lvl3pPr>
-            <a:lvl4pPr indent="-298450" lvl="3" marL="1828800">
+            <a:lvl4pPr marL="1828800" lvl="3" indent="-298450">
               <a:spcBef>
                 <a:spcPts val="0"/>
               </a:spcBef>
@@ -3570,7 +3598,7 @@
                 </a:solidFill>
               </a:defRPr>
             </a:lvl4pPr>
-            <a:lvl5pPr indent="-298450" lvl="4" marL="2286000">
+            <a:lvl5pPr marL="2286000" lvl="4" indent="-298450">
               <a:spcBef>
                 <a:spcPts val="0"/>
               </a:spcBef>
@@ -3588,7 +3616,7 @@
                 </a:solidFill>
               </a:defRPr>
             </a:lvl5pPr>
-            <a:lvl6pPr indent="-298450" lvl="5" marL="2743200">
+            <a:lvl6pPr marL="2743200" lvl="5" indent="-298450">
               <a:spcBef>
                 <a:spcPts val="0"/>
               </a:spcBef>
@@ -3606,7 +3634,7 @@
                 </a:solidFill>
               </a:defRPr>
             </a:lvl6pPr>
-            <a:lvl7pPr indent="-298450" lvl="6" marL="3200400">
+            <a:lvl7pPr marL="3200400" lvl="6" indent="-298450">
               <a:spcBef>
                 <a:spcPts val="0"/>
               </a:spcBef>
@@ -3624,7 +3652,7 @@
                 </a:solidFill>
               </a:defRPr>
             </a:lvl7pPr>
-            <a:lvl8pPr indent="-298450" lvl="7" marL="3657600">
+            <a:lvl8pPr marL="3657600" lvl="7" indent="-298450">
               <a:spcBef>
                 <a:spcPts val="0"/>
               </a:spcBef>
@@ -3642,7 +3670,7 @@
                 </a:solidFill>
               </a:defRPr>
             </a:lvl8pPr>
-            <a:lvl9pPr indent="-298450" lvl="8" marL="4114800">
+            <a:lvl9pPr marL="4114800" lvl="8" indent="-298450">
               <a:spcBef>
                 <a:spcPts val="0"/>
               </a:spcBef>
@@ -3661,15 +3689,19 @@
               </a:defRPr>
             </a:lvl9pPr>
           </a:lstStyle>
-          <a:p/>
+          <a:p>
+            <a:endParaRPr/>
+          </a:p>
         </p:txBody>
       </p:sp>
       <p:sp>
         <p:nvSpPr>
           <p:cNvPr id="79" name="Google Shape;79;p11"/>
-          <p:cNvSpPr txBox="1"/>
+          <p:cNvSpPr txBox="1">
+            <a:spLocks noGrp="1"/>
+          </p:cNvSpPr>
           <p:nvPr>
-            <p:ph idx="12" type="sldNum"/>
+            <p:ph type="sldNum" idx="12"/>
           </p:nvPr>
         </p:nvSpPr>
         <p:spPr>
@@ -3682,7 +3714,7 @@
           </a:prstGeom>
         </p:spPr>
         <p:txBody>
-          <a:bodyPr anchorCtr="0" anchor="ctr" bIns="91425" lIns="91425" spcFirstLastPara="1" rIns="91425" wrap="square" tIns="91425">
+          <a:bodyPr spcFirstLastPara="1" wrap="square" lIns="91425" tIns="91425" rIns="91425" bIns="91425" anchor="ctr" anchorCtr="0">
             <a:normAutofit/>
           </a:bodyPr>
           <a:lstStyle>
@@ -3760,7 +3792,7 @@
             </a:lvl9pPr>
           </a:lstStyle>
           <a:p>
-            <a:pPr indent="0" lvl="0" marL="0" rtl="0" algn="r">
+            <a:pPr marL="0" lvl="0" indent="0" algn="r" rtl="0">
               <a:spcBef>
                 <a:spcPts val="0"/>
               </a:spcBef>
@@ -3786,11 +3818,11 @@
 </file>
 
 <file path=ppt/slideLayouts/slideLayout11.xml><?xml version="1.0" encoding="utf-8"?>
-<p:sldLayout xmlns:a="http://schemas.openxmlformats.org/drawingml/2006/main" xmlns:r="http://schemas.openxmlformats.org/officeDocument/2006/relationships" xmlns:mc="http://schemas.openxmlformats.org/markup-compatibility/2006" xmlns:mv="urn:schemas-microsoft-com:mac:vml" xmlns:p="http://schemas.openxmlformats.org/presentationml/2006/main" xmlns:c="http://schemas.openxmlformats.org/drawingml/2006/chart" xmlns:dgm="http://schemas.openxmlformats.org/drawingml/2006/diagram" xmlns:o="urn:schemas-microsoft-com:office:office" xmlns:v="urn:schemas-microsoft-com:vml" xmlns:pvml="urn:schemas-microsoft-com:office:powerpoint" xmlns:com="http://schemas.openxmlformats.org/drawingml/2006/compatibility" xmlns:p14="http://schemas.microsoft.com/office/powerpoint/2010/main" xmlns:p15="http://schemas.microsoft.com/office/powerpoint/2012/main" xmlns:ahyp="http://schemas.microsoft.com/office/drawing/2018/hyperlinkcolor" matchingName="Blank" type="blank">
+<p:sldLayout xmlns:a="http://schemas.openxmlformats.org/drawingml/2006/main" xmlns:r="http://schemas.openxmlformats.org/officeDocument/2006/relationships" xmlns:p="http://schemas.openxmlformats.org/presentationml/2006/main" matchingName="Blank" type="blank">
   <p:cSld name="BLANK">
     <p:spTree>
       <p:nvGrpSpPr>
-        <p:cNvPr id="80" name="Shape 80"/>
+        <p:cNvPr id="1" name="Shape 80"/>
         <p:cNvGrpSpPr/>
         <p:nvPr/>
       </p:nvGrpSpPr>
@@ -3805,9 +3837,11 @@
       <p:sp>
         <p:nvSpPr>
           <p:cNvPr id="81" name="Google Shape;81;p12"/>
-          <p:cNvSpPr txBox="1"/>
+          <p:cNvSpPr txBox="1">
+            <a:spLocks noGrp="1"/>
+          </p:cNvSpPr>
           <p:nvPr>
-            <p:ph idx="12" type="sldNum"/>
+            <p:ph type="sldNum" idx="12"/>
           </p:nvPr>
         </p:nvSpPr>
         <p:spPr>
@@ -3820,7 +3854,7 @@
           </a:prstGeom>
         </p:spPr>
         <p:txBody>
-          <a:bodyPr anchorCtr="0" anchor="ctr" bIns="91425" lIns="91425" spcFirstLastPara="1" rIns="91425" wrap="square" tIns="91425">
+          <a:bodyPr spcFirstLastPara="1" wrap="square" lIns="91425" tIns="91425" rIns="91425" bIns="91425" anchor="ctr" anchorCtr="0">
             <a:normAutofit/>
           </a:bodyPr>
           <a:lstStyle>
@@ -3862,7 +3896,7 @@
             </a:lvl9pPr>
           </a:lstStyle>
           <a:p>
-            <a:pPr indent="0" lvl="0" marL="0" rtl="0" algn="r">
+            <a:pPr marL="0" lvl="0" indent="0" algn="r" rtl="0">
               <a:spcBef>
                 <a:spcPts val="0"/>
               </a:spcBef>
@@ -3888,11 +3922,11 @@
 </file>
 
 <file path=ppt/slideLayouts/slideLayout2.xml><?xml version="1.0" encoding="utf-8"?>
-<p:sldLayout xmlns:a="http://schemas.openxmlformats.org/drawingml/2006/main" xmlns:r="http://schemas.openxmlformats.org/officeDocument/2006/relationships" xmlns:mc="http://schemas.openxmlformats.org/markup-compatibility/2006" xmlns:mv="urn:schemas-microsoft-com:mac:vml" xmlns:p="http://schemas.openxmlformats.org/presentationml/2006/main" xmlns:c="http://schemas.openxmlformats.org/drawingml/2006/chart" xmlns:dgm="http://schemas.openxmlformats.org/drawingml/2006/diagram" xmlns:o="urn:schemas-microsoft-com:office:office" xmlns:v="urn:schemas-microsoft-com:vml" xmlns:pvml="urn:schemas-microsoft-com:office:powerpoint" xmlns:com="http://schemas.openxmlformats.org/drawingml/2006/compatibility" xmlns:p14="http://schemas.microsoft.com/office/powerpoint/2010/main" xmlns:p15="http://schemas.microsoft.com/office/powerpoint/2012/main" xmlns:ahyp="http://schemas.microsoft.com/office/drawing/2018/hyperlinkcolor" matchingName="Section header" type="secHead">
+<p:sldLayout xmlns:a="http://schemas.openxmlformats.org/drawingml/2006/main" xmlns:r="http://schemas.openxmlformats.org/officeDocument/2006/relationships" xmlns:p="http://schemas.openxmlformats.org/presentationml/2006/main" matchingName="Section header" type="secHead">
   <p:cSld name="SECTION_HEADER">
     <p:spTree>
       <p:nvGrpSpPr>
-        <p:cNvPr id="17" name="Shape 17"/>
+        <p:cNvPr id="1" name="Shape 17"/>
         <p:cNvGrpSpPr/>
         <p:nvPr/>
       </p:nvGrpSpPr>
@@ -3940,12 +3974,12 @@
             </a:ln>
           </p:spPr>
           <p:txBody>
-            <a:bodyPr anchorCtr="0" anchor="ctr" bIns="91425" lIns="91425" spcFirstLastPara="1" rIns="91425" wrap="square" tIns="91425">
+            <a:bodyPr spcFirstLastPara="1" wrap="square" lIns="91425" tIns="91425" rIns="91425" bIns="91425" anchor="ctr" anchorCtr="0">
               <a:noAutofit/>
             </a:bodyPr>
             <a:lstStyle/>
             <a:p>
-              <a:pPr indent="0" lvl="0" marL="0" rtl="0" algn="l">
+              <a:pPr marL="0" lvl="0" indent="0" algn="l" rtl="0">
                 <a:spcBef>
                   <a:spcPts val="0"/>
                 </a:spcBef>
@@ -3954,9 +3988,6 @@
                 </a:spcAft>
                 <a:buNone/>
               </a:pPr>
-              <a:r>
-                <a:t/>
-              </a:r>
               <a:endParaRPr/>
             </a:p>
           </p:txBody>
@@ -3983,12 +4014,12 @@
             </a:ln>
           </p:spPr>
           <p:txBody>
-            <a:bodyPr anchorCtr="0" anchor="ctr" bIns="91425" lIns="91425" spcFirstLastPara="1" rIns="91425" wrap="square" tIns="91425">
+            <a:bodyPr spcFirstLastPara="1" wrap="square" lIns="91425" tIns="91425" rIns="91425" bIns="91425" anchor="ctr" anchorCtr="0">
               <a:noAutofit/>
             </a:bodyPr>
             <a:lstStyle/>
             <a:p>
-              <a:pPr indent="0" lvl="0" marL="0" rtl="0" algn="l">
+              <a:pPr marL="0" lvl="0" indent="0" algn="l" rtl="0">
                 <a:spcBef>
                   <a:spcPts val="0"/>
                 </a:spcBef>
@@ -3997,9 +4028,6 @@
                 </a:spcAft>
                 <a:buNone/>
               </a:pPr>
-              <a:r>
-                <a:t/>
-              </a:r>
               <a:endParaRPr/>
             </a:p>
           </p:txBody>
@@ -4008,7 +4036,9 @@
       <p:sp>
         <p:nvSpPr>
           <p:cNvPr id="21" name="Google Shape;21;p3"/>
-          <p:cNvSpPr txBox="1"/>
+          <p:cNvSpPr txBox="1">
+            <a:spLocks noGrp="1"/>
+          </p:cNvSpPr>
           <p:nvPr>
             <p:ph type="title"/>
           </p:nvPr>
@@ -4023,7 +4053,7 @@
           </a:prstGeom>
         </p:spPr>
         <p:txBody>
-          <a:bodyPr anchorCtr="0" anchor="t" bIns="91425" lIns="91425" spcFirstLastPara="1" rIns="91425" wrap="square" tIns="91425">
+          <a:bodyPr spcFirstLastPara="1" wrap="square" lIns="91425" tIns="91425" rIns="91425" bIns="91425" anchor="t" anchorCtr="0">
             <a:normAutofit/>
           </a:bodyPr>
           <a:lstStyle>
@@ -4190,15 +4220,19 @@
               </a:defRPr>
             </a:lvl9pPr>
           </a:lstStyle>
-          <a:p/>
+          <a:p>
+            <a:endParaRPr/>
+          </a:p>
         </p:txBody>
       </p:sp>
       <p:sp>
         <p:nvSpPr>
           <p:cNvPr id="22" name="Google Shape;22;p3"/>
-          <p:cNvSpPr txBox="1"/>
+          <p:cNvSpPr txBox="1">
+            <a:spLocks noGrp="1"/>
+          </p:cNvSpPr>
           <p:nvPr>
-            <p:ph idx="12" type="sldNum"/>
+            <p:ph type="sldNum" idx="12"/>
           </p:nvPr>
         </p:nvSpPr>
         <p:spPr>
@@ -4211,7 +4245,7 @@
           </a:prstGeom>
         </p:spPr>
         <p:txBody>
-          <a:bodyPr anchorCtr="0" anchor="ctr" bIns="91425" lIns="91425" spcFirstLastPara="1" rIns="91425" wrap="square" tIns="91425">
+          <a:bodyPr spcFirstLastPara="1" wrap="square" lIns="91425" tIns="91425" rIns="91425" bIns="91425" anchor="ctr" anchorCtr="0">
             <a:normAutofit/>
           </a:bodyPr>
           <a:lstStyle>
@@ -4289,7 +4323,7 @@
             </a:lvl9pPr>
           </a:lstStyle>
           <a:p>
-            <a:pPr indent="0" lvl="0" marL="0" rtl="0" algn="r">
+            <a:pPr marL="0" lvl="0" indent="0" algn="r" rtl="0">
               <a:spcBef>
                 <a:spcPts val="0"/>
               </a:spcBef>
@@ -4315,11 +4349,11 @@
 </file>
 
 <file path=ppt/slideLayouts/slideLayout3.xml><?xml version="1.0" encoding="utf-8"?>
-<p:sldLayout xmlns:a="http://schemas.openxmlformats.org/drawingml/2006/main" xmlns:r="http://schemas.openxmlformats.org/officeDocument/2006/relationships" xmlns:mc="http://schemas.openxmlformats.org/markup-compatibility/2006" xmlns:mv="urn:schemas-microsoft-com:mac:vml" xmlns:p="http://schemas.openxmlformats.org/presentationml/2006/main" xmlns:c="http://schemas.openxmlformats.org/drawingml/2006/chart" xmlns:dgm="http://schemas.openxmlformats.org/drawingml/2006/diagram" xmlns:o="urn:schemas-microsoft-com:office:office" xmlns:v="urn:schemas-microsoft-com:vml" xmlns:pvml="urn:schemas-microsoft-com:office:powerpoint" xmlns:com="http://schemas.openxmlformats.org/drawingml/2006/compatibility" xmlns:p14="http://schemas.microsoft.com/office/powerpoint/2010/main" xmlns:p15="http://schemas.microsoft.com/office/powerpoint/2012/main" xmlns:ahyp="http://schemas.microsoft.com/office/drawing/2018/hyperlinkcolor" matchingName="Title and body" type="tx">
+<p:sldLayout xmlns:a="http://schemas.openxmlformats.org/drawingml/2006/main" xmlns:r="http://schemas.openxmlformats.org/officeDocument/2006/relationships" xmlns:p="http://schemas.openxmlformats.org/presentationml/2006/main" matchingName="Title and body" type="tx">
   <p:cSld name="TITLE_AND_BODY">
     <p:spTree>
       <p:nvGrpSpPr>
-        <p:cNvPr id="23" name="Shape 23"/>
+        <p:cNvPr id="1" name="Shape 23"/>
         <p:cNvGrpSpPr/>
         <p:nvPr/>
       </p:nvGrpSpPr>
@@ -4353,12 +4387,12 @@
           </a:ln>
         </p:spPr>
         <p:txBody>
-          <a:bodyPr anchorCtr="0" anchor="ctr" bIns="91425" lIns="91425" spcFirstLastPara="1" rIns="91425" wrap="square" tIns="91425">
+          <a:bodyPr spcFirstLastPara="1" wrap="square" lIns="91425" tIns="91425" rIns="91425" bIns="91425" anchor="ctr" anchorCtr="0">
             <a:noAutofit/>
           </a:bodyPr>
           <a:lstStyle/>
           <a:p>
-            <a:pPr indent="0" lvl="0" marL="0" rtl="0" algn="l">
+            <a:pPr marL="0" lvl="0" indent="0" algn="l" rtl="0">
               <a:spcBef>
                 <a:spcPts val="0"/>
               </a:spcBef>
@@ -4367,9 +4401,6 @@
               </a:spcAft>
               <a:buNone/>
             </a:pPr>
-            <a:r>
-              <a:t/>
-            </a:r>
             <a:endParaRPr/>
           </a:p>
         </p:txBody>
@@ -4410,12 +4441,12 @@
             </a:ln>
           </p:spPr>
           <p:txBody>
-            <a:bodyPr anchorCtr="0" anchor="ctr" bIns="91425" lIns="91425" spcFirstLastPara="1" rIns="91425" wrap="square" tIns="91425">
+            <a:bodyPr spcFirstLastPara="1" wrap="square" lIns="91425" tIns="91425" rIns="91425" bIns="91425" anchor="ctr" anchorCtr="0">
               <a:noAutofit/>
             </a:bodyPr>
             <a:lstStyle/>
             <a:p>
-              <a:pPr indent="0" lvl="0" marL="0" rtl="0" algn="l">
+              <a:pPr marL="0" lvl="0" indent="0" algn="l" rtl="0">
                 <a:spcBef>
                   <a:spcPts val="0"/>
                 </a:spcBef>
@@ -4424,9 +4455,6 @@
                 </a:spcAft>
                 <a:buNone/>
               </a:pPr>
-              <a:r>
-                <a:t/>
-              </a:r>
               <a:endParaRPr/>
             </a:p>
           </p:txBody>
@@ -4453,12 +4481,12 @@
             </a:ln>
           </p:spPr>
           <p:txBody>
-            <a:bodyPr anchorCtr="0" anchor="ctr" bIns="91425" lIns="91425" spcFirstLastPara="1" rIns="91425" wrap="square" tIns="91425">
+            <a:bodyPr spcFirstLastPara="1" wrap="square" lIns="91425" tIns="91425" rIns="91425" bIns="91425" anchor="ctr" anchorCtr="0">
               <a:noAutofit/>
             </a:bodyPr>
             <a:lstStyle/>
             <a:p>
-              <a:pPr indent="0" lvl="0" marL="0" rtl="0" algn="l">
+              <a:pPr marL="0" lvl="0" indent="0" algn="l" rtl="0">
                 <a:spcBef>
                   <a:spcPts val="0"/>
                 </a:spcBef>
@@ -4467,9 +4495,6 @@
                 </a:spcAft>
                 <a:buNone/>
               </a:pPr>
-              <a:r>
-                <a:t/>
-              </a:r>
               <a:endParaRPr/>
             </a:p>
           </p:txBody>
@@ -4478,7 +4503,9 @@
       <p:sp>
         <p:nvSpPr>
           <p:cNvPr id="28" name="Google Shape;28;p4"/>
-          <p:cNvSpPr txBox="1"/>
+          <p:cNvSpPr txBox="1">
+            <a:spLocks noGrp="1"/>
+          </p:cNvSpPr>
           <p:nvPr>
             <p:ph type="title"/>
           </p:nvPr>
@@ -4493,7 +4520,7 @@
           </a:prstGeom>
         </p:spPr>
         <p:txBody>
-          <a:bodyPr anchorCtr="0" anchor="t" bIns="91425" lIns="91425" spcFirstLastPara="1" rIns="91425" wrap="square" tIns="91425">
+          <a:bodyPr spcFirstLastPara="1" wrap="square" lIns="91425" tIns="91425" rIns="91425" bIns="91425" anchor="t" anchorCtr="0">
             <a:normAutofit/>
           </a:bodyPr>
           <a:lstStyle>
@@ -4597,15 +4624,19 @@
               <a:defRPr sz="2600"/>
             </a:lvl9pPr>
           </a:lstStyle>
-          <a:p/>
+          <a:p>
+            <a:endParaRPr/>
+          </a:p>
         </p:txBody>
       </p:sp>
       <p:sp>
         <p:nvSpPr>
           <p:cNvPr id="29" name="Google Shape;29;p4"/>
-          <p:cNvSpPr txBox="1"/>
+          <p:cNvSpPr txBox="1">
+            <a:spLocks noGrp="1"/>
+          </p:cNvSpPr>
           <p:nvPr>
-            <p:ph idx="1" type="body"/>
+            <p:ph type="body" idx="1"/>
           </p:nvPr>
         </p:nvSpPr>
         <p:spPr>
@@ -4618,11 +4649,11 @@
           </a:prstGeom>
         </p:spPr>
         <p:txBody>
-          <a:bodyPr anchorCtr="0" anchor="t" bIns="91425" lIns="91425" spcFirstLastPara="1" rIns="91425" wrap="square" tIns="91425">
+          <a:bodyPr spcFirstLastPara="1" wrap="square" lIns="91425" tIns="91425" rIns="91425" bIns="91425" anchor="t" anchorCtr="0">
             <a:normAutofit/>
           </a:bodyPr>
           <a:lstStyle>
-            <a:lvl1pPr indent="-311150" lvl="0" marL="457200">
+            <a:lvl1pPr marL="457200" lvl="0" indent="-311150">
               <a:spcBef>
                 <a:spcPts val="0"/>
               </a:spcBef>
@@ -4633,7 +4664,7 @@
               <a:buChar char="●"/>
               <a:defRPr/>
             </a:lvl1pPr>
-            <a:lvl2pPr indent="-298450" lvl="1" marL="914400">
+            <a:lvl2pPr marL="914400" lvl="1" indent="-298450">
               <a:spcBef>
                 <a:spcPts val="0"/>
               </a:spcBef>
@@ -4644,7 +4675,7 @@
               <a:buChar char="○"/>
               <a:defRPr/>
             </a:lvl2pPr>
-            <a:lvl3pPr indent="-298450" lvl="2" marL="1371600">
+            <a:lvl3pPr marL="1371600" lvl="2" indent="-298450">
               <a:spcBef>
                 <a:spcPts val="0"/>
               </a:spcBef>
@@ -4655,7 +4686,7 @@
               <a:buChar char="■"/>
               <a:defRPr/>
             </a:lvl3pPr>
-            <a:lvl4pPr indent="-298450" lvl="3" marL="1828800">
+            <a:lvl4pPr marL="1828800" lvl="3" indent="-298450">
               <a:spcBef>
                 <a:spcPts val="0"/>
               </a:spcBef>
@@ -4666,7 +4697,7 @@
               <a:buChar char="●"/>
               <a:defRPr/>
             </a:lvl4pPr>
-            <a:lvl5pPr indent="-298450" lvl="4" marL="2286000">
+            <a:lvl5pPr marL="2286000" lvl="4" indent="-298450">
               <a:spcBef>
                 <a:spcPts val="0"/>
               </a:spcBef>
@@ -4677,7 +4708,7 @@
               <a:buChar char="○"/>
               <a:defRPr/>
             </a:lvl5pPr>
-            <a:lvl6pPr indent="-298450" lvl="5" marL="2743200">
+            <a:lvl6pPr marL="2743200" lvl="5" indent="-298450">
               <a:spcBef>
                 <a:spcPts val="0"/>
               </a:spcBef>
@@ -4688,7 +4719,7 @@
               <a:buChar char="■"/>
               <a:defRPr/>
             </a:lvl6pPr>
-            <a:lvl7pPr indent="-298450" lvl="6" marL="3200400">
+            <a:lvl7pPr marL="3200400" lvl="6" indent="-298450">
               <a:spcBef>
                 <a:spcPts val="0"/>
               </a:spcBef>
@@ -4699,7 +4730,7 @@
               <a:buChar char="●"/>
               <a:defRPr/>
             </a:lvl7pPr>
-            <a:lvl8pPr indent="-298450" lvl="7" marL="3657600">
+            <a:lvl8pPr marL="3657600" lvl="7" indent="-298450">
               <a:spcBef>
                 <a:spcPts val="0"/>
               </a:spcBef>
@@ -4710,7 +4741,7 @@
               <a:buChar char="○"/>
               <a:defRPr/>
             </a:lvl8pPr>
-            <a:lvl9pPr indent="-298450" lvl="8" marL="4114800">
+            <a:lvl9pPr marL="4114800" lvl="8" indent="-298450">
               <a:spcBef>
                 <a:spcPts val="0"/>
               </a:spcBef>
@@ -4722,15 +4753,19 @@
               <a:defRPr/>
             </a:lvl9pPr>
           </a:lstStyle>
-          <a:p/>
+          <a:p>
+            <a:endParaRPr/>
+          </a:p>
         </p:txBody>
       </p:sp>
       <p:sp>
         <p:nvSpPr>
           <p:cNvPr id="30" name="Google Shape;30;p4"/>
-          <p:cNvSpPr txBox="1"/>
+          <p:cNvSpPr txBox="1">
+            <a:spLocks noGrp="1"/>
+          </p:cNvSpPr>
           <p:nvPr>
-            <p:ph idx="12" type="sldNum"/>
+            <p:ph type="sldNum" idx="12"/>
           </p:nvPr>
         </p:nvSpPr>
         <p:spPr>
@@ -4743,7 +4778,7 @@
           </a:prstGeom>
         </p:spPr>
         <p:txBody>
-          <a:bodyPr anchorCtr="0" anchor="ctr" bIns="91425" lIns="91425" spcFirstLastPara="1" rIns="91425" wrap="square" tIns="91425">
+          <a:bodyPr spcFirstLastPara="1" wrap="square" lIns="91425" tIns="91425" rIns="91425" bIns="91425" anchor="ctr" anchorCtr="0">
             <a:normAutofit/>
           </a:bodyPr>
           <a:lstStyle>
@@ -4785,7 +4820,7 @@
             </a:lvl9pPr>
           </a:lstStyle>
           <a:p>
-            <a:pPr indent="0" lvl="0" marL="0" rtl="0" algn="r">
+            <a:pPr marL="0" lvl="0" indent="0" algn="r" rtl="0">
               <a:spcBef>
                 <a:spcPts val="0"/>
               </a:spcBef>
@@ -4811,11 +4846,11 @@
 </file>
 
 <file path=ppt/slideLayouts/slideLayout4.xml><?xml version="1.0" encoding="utf-8"?>
-<p:sldLayout xmlns:a="http://schemas.openxmlformats.org/drawingml/2006/main" xmlns:r="http://schemas.openxmlformats.org/officeDocument/2006/relationships" xmlns:mc="http://schemas.openxmlformats.org/markup-compatibility/2006" xmlns:mv="urn:schemas-microsoft-com:mac:vml" xmlns:p="http://schemas.openxmlformats.org/presentationml/2006/main" xmlns:c="http://schemas.openxmlformats.org/drawingml/2006/chart" xmlns:dgm="http://schemas.openxmlformats.org/drawingml/2006/diagram" xmlns:o="urn:schemas-microsoft-com:office:office" xmlns:v="urn:schemas-microsoft-com:vml" xmlns:pvml="urn:schemas-microsoft-com:office:powerpoint" xmlns:com="http://schemas.openxmlformats.org/drawingml/2006/compatibility" xmlns:p14="http://schemas.microsoft.com/office/powerpoint/2010/main" xmlns:p15="http://schemas.microsoft.com/office/powerpoint/2012/main" xmlns:ahyp="http://schemas.microsoft.com/office/drawing/2018/hyperlinkcolor" matchingName="Title and two columns" type="twoColTx">
+<p:sldLayout xmlns:a="http://schemas.openxmlformats.org/drawingml/2006/main" xmlns:r="http://schemas.openxmlformats.org/officeDocument/2006/relationships" xmlns:p="http://schemas.openxmlformats.org/presentationml/2006/main" matchingName="Title and two columns" type="twoColTx">
   <p:cSld name="TITLE_AND_TWO_COLUMNS">
     <p:spTree>
       <p:nvGrpSpPr>
-        <p:cNvPr id="31" name="Shape 31"/>
+        <p:cNvPr id="1" name="Shape 31"/>
         <p:cNvGrpSpPr/>
         <p:nvPr/>
       </p:nvGrpSpPr>
@@ -4849,12 +4884,12 @@
           </a:ln>
         </p:spPr>
         <p:txBody>
-          <a:bodyPr anchorCtr="0" anchor="ctr" bIns="91425" lIns="91425" spcFirstLastPara="1" rIns="91425" wrap="square" tIns="91425">
+          <a:bodyPr spcFirstLastPara="1" wrap="square" lIns="91425" tIns="91425" rIns="91425" bIns="91425" anchor="ctr" anchorCtr="0">
             <a:noAutofit/>
           </a:bodyPr>
           <a:lstStyle/>
           <a:p>
-            <a:pPr indent="0" lvl="0" marL="0" rtl="0" algn="l">
+            <a:pPr marL="0" lvl="0" indent="0" algn="l" rtl="0">
               <a:spcBef>
                 <a:spcPts val="0"/>
               </a:spcBef>
@@ -4863,9 +4898,6 @@
               </a:spcAft>
               <a:buNone/>
             </a:pPr>
-            <a:r>
-              <a:t/>
-            </a:r>
             <a:endParaRPr/>
           </a:p>
         </p:txBody>
@@ -4906,12 +4938,12 @@
             </a:ln>
           </p:spPr>
           <p:txBody>
-            <a:bodyPr anchorCtr="0" anchor="ctr" bIns="91425" lIns="91425" spcFirstLastPara="1" rIns="91425" wrap="square" tIns="91425">
+            <a:bodyPr spcFirstLastPara="1" wrap="square" lIns="91425" tIns="91425" rIns="91425" bIns="91425" anchor="ctr" anchorCtr="0">
               <a:noAutofit/>
             </a:bodyPr>
             <a:lstStyle/>
             <a:p>
-              <a:pPr indent="0" lvl="0" marL="0" rtl="0" algn="l">
+              <a:pPr marL="0" lvl="0" indent="0" algn="l" rtl="0">
                 <a:spcBef>
                   <a:spcPts val="0"/>
                 </a:spcBef>
@@ -4920,9 +4952,6 @@
                 </a:spcAft>
                 <a:buNone/>
               </a:pPr>
-              <a:r>
-                <a:t/>
-              </a:r>
               <a:endParaRPr/>
             </a:p>
           </p:txBody>
@@ -4949,12 +4978,12 @@
             </a:ln>
           </p:spPr>
           <p:txBody>
-            <a:bodyPr anchorCtr="0" anchor="ctr" bIns="91425" lIns="91425" spcFirstLastPara="1" rIns="91425" wrap="square" tIns="91425">
+            <a:bodyPr spcFirstLastPara="1" wrap="square" lIns="91425" tIns="91425" rIns="91425" bIns="91425" anchor="ctr" anchorCtr="0">
               <a:noAutofit/>
             </a:bodyPr>
             <a:lstStyle/>
             <a:p>
-              <a:pPr indent="0" lvl="0" marL="0" rtl="0" algn="l">
+              <a:pPr marL="0" lvl="0" indent="0" algn="l" rtl="0">
                 <a:spcBef>
                   <a:spcPts val="0"/>
                 </a:spcBef>
@@ -4963,9 +4992,6 @@
                 </a:spcAft>
                 <a:buNone/>
               </a:pPr>
-              <a:r>
-                <a:t/>
-              </a:r>
               <a:endParaRPr/>
             </a:p>
           </p:txBody>
@@ -4974,7 +5000,9 @@
       <p:sp>
         <p:nvSpPr>
           <p:cNvPr id="36" name="Google Shape;36;p5"/>
-          <p:cNvSpPr txBox="1"/>
+          <p:cNvSpPr txBox="1">
+            <a:spLocks noGrp="1"/>
+          </p:cNvSpPr>
           <p:nvPr>
             <p:ph type="title"/>
           </p:nvPr>
@@ -4989,7 +5017,7 @@
           </a:prstGeom>
         </p:spPr>
         <p:txBody>
-          <a:bodyPr anchorCtr="0" anchor="t" bIns="91425" lIns="91425" spcFirstLastPara="1" rIns="91425" wrap="square" tIns="91425">
+          <a:bodyPr spcFirstLastPara="1" wrap="square" lIns="91425" tIns="91425" rIns="91425" bIns="91425" anchor="t" anchorCtr="0">
             <a:normAutofit/>
           </a:bodyPr>
           <a:lstStyle>
@@ -5093,15 +5121,19 @@
               <a:defRPr sz="2600"/>
             </a:lvl9pPr>
           </a:lstStyle>
-          <a:p/>
+          <a:p>
+            <a:endParaRPr/>
+          </a:p>
         </p:txBody>
       </p:sp>
       <p:sp>
         <p:nvSpPr>
           <p:cNvPr id="37" name="Google Shape;37;p5"/>
-          <p:cNvSpPr txBox="1"/>
+          <p:cNvSpPr txBox="1">
+            <a:spLocks noGrp="1"/>
+          </p:cNvSpPr>
           <p:nvPr>
-            <p:ph idx="1" type="body"/>
+            <p:ph type="body" idx="1"/>
           </p:nvPr>
         </p:nvSpPr>
         <p:spPr>
@@ -5114,11 +5146,11 @@
           </a:prstGeom>
         </p:spPr>
         <p:txBody>
-          <a:bodyPr anchorCtr="0" anchor="t" bIns="91425" lIns="91425" spcFirstLastPara="1" rIns="91425" wrap="square" tIns="91425">
+          <a:bodyPr spcFirstLastPara="1" wrap="square" lIns="91425" tIns="91425" rIns="91425" bIns="91425" anchor="t" anchorCtr="0">
             <a:normAutofit/>
           </a:bodyPr>
           <a:lstStyle>
-            <a:lvl1pPr indent="-311150" lvl="0" marL="457200">
+            <a:lvl1pPr marL="457200" lvl="0" indent="-311150">
               <a:spcBef>
                 <a:spcPts val="0"/>
               </a:spcBef>
@@ -5129,7 +5161,7 @@
               <a:buChar char="●"/>
               <a:defRPr/>
             </a:lvl1pPr>
-            <a:lvl2pPr indent="-298450" lvl="1" marL="914400">
+            <a:lvl2pPr marL="914400" lvl="1" indent="-298450">
               <a:spcBef>
                 <a:spcPts val="0"/>
               </a:spcBef>
@@ -5140,7 +5172,7 @@
               <a:buChar char="○"/>
               <a:defRPr/>
             </a:lvl2pPr>
-            <a:lvl3pPr indent="-298450" lvl="2" marL="1371600">
+            <a:lvl3pPr marL="1371600" lvl="2" indent="-298450">
               <a:spcBef>
                 <a:spcPts val="0"/>
               </a:spcBef>
@@ -5151,7 +5183,7 @@
               <a:buChar char="■"/>
               <a:defRPr/>
             </a:lvl3pPr>
-            <a:lvl4pPr indent="-298450" lvl="3" marL="1828800">
+            <a:lvl4pPr marL="1828800" lvl="3" indent="-298450">
               <a:spcBef>
                 <a:spcPts val="0"/>
               </a:spcBef>
@@ -5162,7 +5194,7 @@
               <a:buChar char="●"/>
               <a:defRPr/>
             </a:lvl4pPr>
-            <a:lvl5pPr indent="-298450" lvl="4" marL="2286000">
+            <a:lvl5pPr marL="2286000" lvl="4" indent="-298450">
               <a:spcBef>
                 <a:spcPts val="0"/>
               </a:spcBef>
@@ -5173,7 +5205,7 @@
               <a:buChar char="○"/>
               <a:defRPr/>
             </a:lvl5pPr>
-            <a:lvl6pPr indent="-298450" lvl="5" marL="2743200">
+            <a:lvl6pPr marL="2743200" lvl="5" indent="-298450">
               <a:spcBef>
                 <a:spcPts val="0"/>
               </a:spcBef>
@@ -5184,7 +5216,7 @@
               <a:buChar char="■"/>
               <a:defRPr/>
             </a:lvl6pPr>
-            <a:lvl7pPr indent="-298450" lvl="6" marL="3200400">
+            <a:lvl7pPr marL="3200400" lvl="6" indent="-298450">
               <a:spcBef>
                 <a:spcPts val="0"/>
               </a:spcBef>
@@ -5195,7 +5227,7 @@
               <a:buChar char="●"/>
               <a:defRPr/>
             </a:lvl7pPr>
-            <a:lvl8pPr indent="-298450" lvl="7" marL="3657600">
+            <a:lvl8pPr marL="3657600" lvl="7" indent="-298450">
               <a:spcBef>
                 <a:spcPts val="0"/>
               </a:spcBef>
@@ -5206,7 +5238,7 @@
               <a:buChar char="○"/>
               <a:defRPr/>
             </a:lvl8pPr>
-            <a:lvl9pPr indent="-298450" lvl="8" marL="4114800">
+            <a:lvl9pPr marL="4114800" lvl="8" indent="-298450">
               <a:spcBef>
                 <a:spcPts val="0"/>
               </a:spcBef>
@@ -5218,15 +5250,19 @@
               <a:defRPr/>
             </a:lvl9pPr>
           </a:lstStyle>
-          <a:p/>
+          <a:p>
+            <a:endParaRPr/>
+          </a:p>
         </p:txBody>
       </p:sp>
       <p:sp>
         <p:nvSpPr>
           <p:cNvPr id="38" name="Google Shape;38;p5"/>
-          <p:cNvSpPr txBox="1"/>
+          <p:cNvSpPr txBox="1">
+            <a:spLocks noGrp="1"/>
+          </p:cNvSpPr>
           <p:nvPr>
-            <p:ph idx="2" type="body"/>
+            <p:ph type="body" idx="2"/>
           </p:nvPr>
         </p:nvSpPr>
         <p:spPr>
@@ -5239,11 +5275,11 @@
           </a:prstGeom>
         </p:spPr>
         <p:txBody>
-          <a:bodyPr anchorCtr="0" anchor="t" bIns="91425" lIns="91425" spcFirstLastPara="1" rIns="91425" wrap="square" tIns="91425">
+          <a:bodyPr spcFirstLastPara="1" wrap="square" lIns="91425" tIns="91425" rIns="91425" bIns="91425" anchor="t" anchorCtr="0">
             <a:normAutofit/>
           </a:bodyPr>
           <a:lstStyle>
-            <a:lvl1pPr indent="-311150" lvl="0" marL="457200">
+            <a:lvl1pPr marL="457200" lvl="0" indent="-311150">
               <a:spcBef>
                 <a:spcPts val="0"/>
               </a:spcBef>
@@ -5254,7 +5290,7 @@
               <a:buChar char="●"/>
               <a:defRPr/>
             </a:lvl1pPr>
-            <a:lvl2pPr indent="-298450" lvl="1" marL="914400">
+            <a:lvl2pPr marL="914400" lvl="1" indent="-298450">
               <a:spcBef>
                 <a:spcPts val="0"/>
               </a:spcBef>
@@ -5265,7 +5301,7 @@
               <a:buChar char="○"/>
               <a:defRPr/>
             </a:lvl2pPr>
-            <a:lvl3pPr indent="-298450" lvl="2" marL="1371600">
+            <a:lvl3pPr marL="1371600" lvl="2" indent="-298450">
               <a:spcBef>
                 <a:spcPts val="0"/>
               </a:spcBef>
@@ -5276,7 +5312,7 @@
               <a:buChar char="■"/>
               <a:defRPr/>
             </a:lvl3pPr>
-            <a:lvl4pPr indent="-298450" lvl="3" marL="1828800">
+            <a:lvl4pPr marL="1828800" lvl="3" indent="-298450">
               <a:spcBef>
                 <a:spcPts val="0"/>
               </a:spcBef>
@@ -5287,7 +5323,7 @@
               <a:buChar char="●"/>
               <a:defRPr/>
             </a:lvl4pPr>
-            <a:lvl5pPr indent="-298450" lvl="4" marL="2286000">
+            <a:lvl5pPr marL="2286000" lvl="4" indent="-298450">
               <a:spcBef>
                 <a:spcPts val="0"/>
               </a:spcBef>
@@ -5298,7 +5334,7 @@
               <a:buChar char="○"/>
               <a:defRPr/>
             </a:lvl5pPr>
-            <a:lvl6pPr indent="-298450" lvl="5" marL="2743200">
+            <a:lvl6pPr marL="2743200" lvl="5" indent="-298450">
               <a:spcBef>
                 <a:spcPts val="0"/>
               </a:spcBef>
@@ -5309,7 +5345,7 @@
               <a:buChar char="■"/>
               <a:defRPr/>
             </a:lvl6pPr>
-            <a:lvl7pPr indent="-298450" lvl="6" marL="3200400">
+            <a:lvl7pPr marL="3200400" lvl="6" indent="-298450">
               <a:spcBef>
                 <a:spcPts val="0"/>
               </a:spcBef>
@@ -5320,7 +5356,7 @@
               <a:buChar char="●"/>
               <a:defRPr/>
             </a:lvl7pPr>
-            <a:lvl8pPr indent="-298450" lvl="7" marL="3657600">
+            <a:lvl8pPr marL="3657600" lvl="7" indent="-298450">
               <a:spcBef>
                 <a:spcPts val="0"/>
               </a:spcBef>
@@ -5331,7 +5367,7 @@
               <a:buChar char="○"/>
               <a:defRPr/>
             </a:lvl8pPr>
-            <a:lvl9pPr indent="-298450" lvl="8" marL="4114800">
+            <a:lvl9pPr marL="4114800" lvl="8" indent="-298450">
               <a:spcBef>
                 <a:spcPts val="0"/>
               </a:spcBef>
@@ -5343,15 +5379,19 @@
               <a:defRPr/>
             </a:lvl9pPr>
           </a:lstStyle>
-          <a:p/>
+          <a:p>
+            <a:endParaRPr/>
+          </a:p>
         </p:txBody>
       </p:sp>
       <p:sp>
         <p:nvSpPr>
           <p:cNvPr id="39" name="Google Shape;39;p5"/>
-          <p:cNvSpPr txBox="1"/>
+          <p:cNvSpPr txBox="1">
+            <a:spLocks noGrp="1"/>
+          </p:cNvSpPr>
           <p:nvPr>
-            <p:ph idx="12" type="sldNum"/>
+            <p:ph type="sldNum" idx="12"/>
           </p:nvPr>
         </p:nvSpPr>
         <p:spPr>
@@ -5364,7 +5404,7 @@
           </a:prstGeom>
         </p:spPr>
         <p:txBody>
-          <a:bodyPr anchorCtr="0" anchor="ctr" bIns="91425" lIns="91425" spcFirstLastPara="1" rIns="91425" wrap="square" tIns="91425">
+          <a:bodyPr spcFirstLastPara="1" wrap="square" lIns="91425" tIns="91425" rIns="91425" bIns="91425" anchor="ctr" anchorCtr="0">
             <a:normAutofit/>
           </a:bodyPr>
           <a:lstStyle>
@@ -5406,7 +5446,7 @@
             </a:lvl9pPr>
           </a:lstStyle>
           <a:p>
-            <a:pPr indent="0" lvl="0" marL="0" rtl="0" algn="r">
+            <a:pPr marL="0" lvl="0" indent="0" algn="r" rtl="0">
               <a:spcBef>
                 <a:spcPts val="0"/>
               </a:spcBef>
@@ -5432,11 +5472,11 @@
 </file>
 
 <file path=ppt/slideLayouts/slideLayout5.xml><?xml version="1.0" encoding="utf-8"?>
-<p:sldLayout xmlns:a="http://schemas.openxmlformats.org/drawingml/2006/main" xmlns:r="http://schemas.openxmlformats.org/officeDocument/2006/relationships" xmlns:mc="http://schemas.openxmlformats.org/markup-compatibility/2006" xmlns:mv="urn:schemas-microsoft-com:mac:vml" xmlns:p="http://schemas.openxmlformats.org/presentationml/2006/main" xmlns:c="http://schemas.openxmlformats.org/drawingml/2006/chart" xmlns:dgm="http://schemas.openxmlformats.org/drawingml/2006/diagram" xmlns:o="urn:schemas-microsoft-com:office:office" xmlns:v="urn:schemas-microsoft-com:vml" xmlns:pvml="urn:schemas-microsoft-com:office:powerpoint" xmlns:com="http://schemas.openxmlformats.org/drawingml/2006/compatibility" xmlns:p14="http://schemas.microsoft.com/office/powerpoint/2010/main" xmlns:p15="http://schemas.microsoft.com/office/powerpoint/2012/main" xmlns:ahyp="http://schemas.microsoft.com/office/drawing/2018/hyperlinkcolor" matchingName="Title only" type="titleOnly">
+<p:sldLayout xmlns:a="http://schemas.openxmlformats.org/drawingml/2006/main" xmlns:r="http://schemas.openxmlformats.org/officeDocument/2006/relationships" xmlns:p="http://schemas.openxmlformats.org/presentationml/2006/main" matchingName="Title only" type="titleOnly">
   <p:cSld name="TITLE_ONLY">
     <p:spTree>
       <p:nvGrpSpPr>
-        <p:cNvPr id="40" name="Shape 40"/>
+        <p:cNvPr id="1" name="Shape 40"/>
         <p:cNvGrpSpPr/>
         <p:nvPr/>
       </p:nvGrpSpPr>
@@ -5470,12 +5510,12 @@
           </a:ln>
         </p:spPr>
         <p:txBody>
-          <a:bodyPr anchorCtr="0" anchor="ctr" bIns="91425" lIns="91425" spcFirstLastPara="1" rIns="91425" wrap="square" tIns="91425">
+          <a:bodyPr spcFirstLastPara="1" wrap="square" lIns="91425" tIns="91425" rIns="91425" bIns="91425" anchor="ctr" anchorCtr="0">
             <a:noAutofit/>
           </a:bodyPr>
           <a:lstStyle/>
           <a:p>
-            <a:pPr indent="0" lvl="0" marL="0" rtl="0" algn="l">
+            <a:pPr marL="0" lvl="0" indent="0" algn="l" rtl="0">
               <a:spcBef>
                 <a:spcPts val="0"/>
               </a:spcBef>
@@ -5484,9 +5524,6 @@
               </a:spcAft>
               <a:buNone/>
             </a:pPr>
-            <a:r>
-              <a:t/>
-            </a:r>
             <a:endParaRPr/>
           </a:p>
         </p:txBody>
@@ -5527,12 +5564,12 @@
             </a:ln>
           </p:spPr>
           <p:txBody>
-            <a:bodyPr anchorCtr="0" anchor="ctr" bIns="91425" lIns="91425" spcFirstLastPara="1" rIns="91425" wrap="square" tIns="91425">
+            <a:bodyPr spcFirstLastPara="1" wrap="square" lIns="91425" tIns="91425" rIns="91425" bIns="91425" anchor="ctr" anchorCtr="0">
               <a:noAutofit/>
             </a:bodyPr>
             <a:lstStyle/>
             <a:p>
-              <a:pPr indent="0" lvl="0" marL="0" rtl="0" algn="l">
+              <a:pPr marL="0" lvl="0" indent="0" algn="l" rtl="0">
                 <a:spcBef>
                   <a:spcPts val="0"/>
                 </a:spcBef>
@@ -5541,9 +5578,6 @@
                 </a:spcAft>
                 <a:buNone/>
               </a:pPr>
-              <a:r>
-                <a:t/>
-              </a:r>
               <a:endParaRPr/>
             </a:p>
           </p:txBody>
@@ -5570,12 +5604,12 @@
             </a:ln>
           </p:spPr>
           <p:txBody>
-            <a:bodyPr anchorCtr="0" anchor="ctr" bIns="91425" lIns="91425" spcFirstLastPara="1" rIns="91425" wrap="square" tIns="91425">
+            <a:bodyPr spcFirstLastPara="1" wrap="square" lIns="91425" tIns="91425" rIns="91425" bIns="91425" anchor="ctr" anchorCtr="0">
               <a:noAutofit/>
             </a:bodyPr>
             <a:lstStyle/>
             <a:p>
-              <a:pPr indent="0" lvl="0" marL="0" rtl="0" algn="l">
+              <a:pPr marL="0" lvl="0" indent="0" algn="l" rtl="0">
                 <a:spcBef>
                   <a:spcPts val="0"/>
                 </a:spcBef>
@@ -5584,9 +5618,6 @@
                 </a:spcAft>
                 <a:buNone/>
               </a:pPr>
-              <a:r>
-                <a:t/>
-              </a:r>
               <a:endParaRPr/>
             </a:p>
           </p:txBody>
@@ -5595,7 +5626,9 @@
       <p:sp>
         <p:nvSpPr>
           <p:cNvPr id="45" name="Google Shape;45;p6"/>
-          <p:cNvSpPr txBox="1"/>
+          <p:cNvSpPr txBox="1">
+            <a:spLocks noGrp="1"/>
+          </p:cNvSpPr>
           <p:nvPr>
             <p:ph type="title"/>
           </p:nvPr>
@@ -5610,7 +5643,7 @@
           </a:prstGeom>
         </p:spPr>
         <p:txBody>
-          <a:bodyPr anchorCtr="0" anchor="t" bIns="91425" lIns="91425" spcFirstLastPara="1" rIns="91425" wrap="square" tIns="91425">
+          <a:bodyPr spcFirstLastPara="1" wrap="square" lIns="91425" tIns="91425" rIns="91425" bIns="91425" anchor="t" anchorCtr="0">
             <a:normAutofit/>
           </a:bodyPr>
           <a:lstStyle>
@@ -5714,15 +5747,19 @@
               <a:defRPr sz="2600"/>
             </a:lvl9pPr>
           </a:lstStyle>
-          <a:p/>
+          <a:p>
+            <a:endParaRPr/>
+          </a:p>
         </p:txBody>
       </p:sp>
       <p:sp>
         <p:nvSpPr>
           <p:cNvPr id="46" name="Google Shape;46;p6"/>
-          <p:cNvSpPr txBox="1"/>
+          <p:cNvSpPr txBox="1">
+            <a:spLocks noGrp="1"/>
+          </p:cNvSpPr>
           <p:nvPr>
-            <p:ph idx="12" type="sldNum"/>
+            <p:ph type="sldNum" idx="12"/>
           </p:nvPr>
         </p:nvSpPr>
         <p:spPr>
@@ -5735,7 +5772,7 @@
           </a:prstGeom>
         </p:spPr>
         <p:txBody>
-          <a:bodyPr anchorCtr="0" anchor="ctr" bIns="91425" lIns="91425" spcFirstLastPara="1" rIns="91425" wrap="square" tIns="91425">
+          <a:bodyPr spcFirstLastPara="1" wrap="square" lIns="91425" tIns="91425" rIns="91425" bIns="91425" anchor="ctr" anchorCtr="0">
             <a:normAutofit/>
           </a:bodyPr>
           <a:lstStyle>
@@ -5777,7 +5814,7 @@
             </a:lvl9pPr>
           </a:lstStyle>
           <a:p>
-            <a:pPr indent="0" lvl="0" marL="0" rtl="0" algn="r">
+            <a:pPr marL="0" lvl="0" indent="0" algn="r" rtl="0">
               <a:spcBef>
                 <a:spcPts val="0"/>
               </a:spcBef>
@@ -5803,11 +5840,11 @@
 </file>
 
 <file path=ppt/slideLayouts/slideLayout6.xml><?xml version="1.0" encoding="utf-8"?>
-<p:sldLayout xmlns:a="http://schemas.openxmlformats.org/drawingml/2006/main" xmlns:r="http://schemas.openxmlformats.org/officeDocument/2006/relationships" xmlns:mc="http://schemas.openxmlformats.org/markup-compatibility/2006" xmlns:mv="urn:schemas-microsoft-com:mac:vml" xmlns:p="http://schemas.openxmlformats.org/presentationml/2006/main" xmlns:c="http://schemas.openxmlformats.org/drawingml/2006/chart" xmlns:dgm="http://schemas.openxmlformats.org/drawingml/2006/diagram" xmlns:o="urn:schemas-microsoft-com:office:office" xmlns:v="urn:schemas-microsoft-com:vml" xmlns:pvml="urn:schemas-microsoft-com:office:powerpoint" xmlns:com="http://schemas.openxmlformats.org/drawingml/2006/compatibility" xmlns:p14="http://schemas.microsoft.com/office/powerpoint/2010/main" xmlns:p15="http://schemas.microsoft.com/office/powerpoint/2012/main" xmlns:ahyp="http://schemas.microsoft.com/office/drawing/2018/hyperlinkcolor" matchingName="One column text">
+<p:sldLayout xmlns:a="http://schemas.openxmlformats.org/drawingml/2006/main" xmlns:r="http://schemas.openxmlformats.org/officeDocument/2006/relationships" xmlns:p="http://schemas.openxmlformats.org/presentationml/2006/main" matchingName="One column text">
   <p:cSld name="ONE_COLUMN_TEXT">
     <p:spTree>
       <p:nvGrpSpPr>
-        <p:cNvPr id="47" name="Shape 47"/>
+        <p:cNvPr id="1" name="Shape 47"/>
         <p:cNvGrpSpPr/>
         <p:nvPr/>
       </p:nvGrpSpPr>
@@ -5841,12 +5878,12 @@
           </a:ln>
         </p:spPr>
         <p:txBody>
-          <a:bodyPr anchorCtr="0" anchor="ctr" bIns="91425" lIns="91425" spcFirstLastPara="1" rIns="91425" wrap="square" tIns="91425">
+          <a:bodyPr spcFirstLastPara="1" wrap="square" lIns="91425" tIns="91425" rIns="91425" bIns="91425" anchor="ctr" anchorCtr="0">
             <a:noAutofit/>
           </a:bodyPr>
           <a:lstStyle/>
           <a:p>
-            <a:pPr indent="0" lvl="0" marL="0" rtl="0" algn="l">
+            <a:pPr marL="0" lvl="0" indent="0" algn="l" rtl="0">
               <a:spcBef>
                 <a:spcPts val="0"/>
               </a:spcBef>
@@ -5855,9 +5892,6 @@
               </a:spcAft>
               <a:buNone/>
             </a:pPr>
-            <a:r>
-              <a:t/>
-            </a:r>
             <a:endParaRPr/>
           </a:p>
         </p:txBody>
@@ -5898,12 +5932,12 @@
             </a:ln>
           </p:spPr>
           <p:txBody>
-            <a:bodyPr anchorCtr="0" anchor="ctr" bIns="91425" lIns="91425" spcFirstLastPara="1" rIns="91425" wrap="square" tIns="91425">
+            <a:bodyPr spcFirstLastPara="1" wrap="square" lIns="91425" tIns="91425" rIns="91425" bIns="91425" anchor="ctr" anchorCtr="0">
               <a:noAutofit/>
             </a:bodyPr>
             <a:lstStyle/>
             <a:p>
-              <a:pPr indent="0" lvl="0" marL="0" rtl="0" algn="l">
+              <a:pPr marL="0" lvl="0" indent="0" algn="l" rtl="0">
                 <a:spcBef>
                   <a:spcPts val="0"/>
                 </a:spcBef>
@@ -5912,9 +5946,6 @@
                 </a:spcAft>
                 <a:buNone/>
               </a:pPr>
-              <a:r>
-                <a:t/>
-              </a:r>
               <a:endParaRPr/>
             </a:p>
           </p:txBody>
@@ -5941,12 +5972,12 @@
             </a:ln>
           </p:spPr>
           <p:txBody>
-            <a:bodyPr anchorCtr="0" anchor="ctr" bIns="91425" lIns="91425" spcFirstLastPara="1" rIns="91425" wrap="square" tIns="91425">
+            <a:bodyPr spcFirstLastPara="1" wrap="square" lIns="91425" tIns="91425" rIns="91425" bIns="91425" anchor="ctr" anchorCtr="0">
               <a:noAutofit/>
             </a:bodyPr>
             <a:lstStyle/>
             <a:p>
-              <a:pPr indent="0" lvl="0" marL="0" rtl="0" algn="l">
+              <a:pPr marL="0" lvl="0" indent="0" algn="l" rtl="0">
                 <a:spcBef>
                   <a:spcPts val="0"/>
                 </a:spcBef>
@@ -5955,9 +5986,6 @@
                 </a:spcAft>
                 <a:buNone/>
               </a:pPr>
-              <a:r>
-                <a:t/>
-              </a:r>
               <a:endParaRPr/>
             </a:p>
           </p:txBody>
@@ -5966,7 +5994,9 @@
       <p:sp>
         <p:nvSpPr>
           <p:cNvPr id="52" name="Google Shape;52;p7"/>
-          <p:cNvSpPr txBox="1"/>
+          <p:cNvSpPr txBox="1">
+            <a:spLocks noGrp="1"/>
+          </p:cNvSpPr>
           <p:nvPr>
             <p:ph type="title"/>
           </p:nvPr>
@@ -5981,7 +6011,7 @@
           </a:prstGeom>
         </p:spPr>
         <p:txBody>
-          <a:bodyPr anchorCtr="0" anchor="t" bIns="91425" lIns="91425" spcFirstLastPara="1" rIns="91425" wrap="square" tIns="91425">
+          <a:bodyPr spcFirstLastPara="1" wrap="square" lIns="91425" tIns="91425" rIns="91425" bIns="91425" anchor="t" anchorCtr="0">
             <a:normAutofit/>
           </a:bodyPr>
           <a:lstStyle>
@@ -6085,15 +6115,19 @@
               <a:defRPr sz="2600"/>
             </a:lvl9pPr>
           </a:lstStyle>
-          <a:p/>
+          <a:p>
+            <a:endParaRPr/>
+          </a:p>
         </p:txBody>
       </p:sp>
       <p:sp>
         <p:nvSpPr>
           <p:cNvPr id="53" name="Google Shape;53;p7"/>
-          <p:cNvSpPr txBox="1"/>
+          <p:cNvSpPr txBox="1">
+            <a:spLocks noGrp="1"/>
+          </p:cNvSpPr>
           <p:nvPr>
-            <p:ph idx="1" type="body"/>
+            <p:ph type="body" idx="1"/>
           </p:nvPr>
         </p:nvSpPr>
         <p:spPr>
@@ -6106,11 +6140,11 @@
           </a:prstGeom>
         </p:spPr>
         <p:txBody>
-          <a:bodyPr anchorCtr="0" anchor="t" bIns="91425" lIns="91425" spcFirstLastPara="1" rIns="91425" wrap="square" tIns="91425">
+          <a:bodyPr spcFirstLastPara="1" wrap="square" lIns="91425" tIns="91425" rIns="91425" bIns="91425" anchor="t" anchorCtr="0">
             <a:normAutofit/>
           </a:bodyPr>
           <a:lstStyle>
-            <a:lvl1pPr indent="-311150" lvl="0" marL="457200">
+            <a:lvl1pPr marL="457200" lvl="0" indent="-311150">
               <a:spcBef>
                 <a:spcPts val="0"/>
               </a:spcBef>
@@ -6121,7 +6155,7 @@
               <a:buChar char="●"/>
               <a:defRPr/>
             </a:lvl1pPr>
-            <a:lvl2pPr indent="-298450" lvl="1" marL="914400">
+            <a:lvl2pPr marL="914400" lvl="1" indent="-298450">
               <a:spcBef>
                 <a:spcPts val="0"/>
               </a:spcBef>
@@ -6132,7 +6166,7 @@
               <a:buChar char="○"/>
               <a:defRPr/>
             </a:lvl2pPr>
-            <a:lvl3pPr indent="-298450" lvl="2" marL="1371600">
+            <a:lvl3pPr marL="1371600" lvl="2" indent="-298450">
               <a:spcBef>
                 <a:spcPts val="0"/>
               </a:spcBef>
@@ -6143,7 +6177,7 @@
               <a:buChar char="■"/>
               <a:defRPr/>
             </a:lvl3pPr>
-            <a:lvl4pPr indent="-298450" lvl="3" marL="1828800">
+            <a:lvl4pPr marL="1828800" lvl="3" indent="-298450">
               <a:spcBef>
                 <a:spcPts val="0"/>
               </a:spcBef>
@@ -6154,7 +6188,7 @@
               <a:buChar char="●"/>
               <a:defRPr/>
             </a:lvl4pPr>
-            <a:lvl5pPr indent="-298450" lvl="4" marL="2286000">
+            <a:lvl5pPr marL="2286000" lvl="4" indent="-298450">
               <a:spcBef>
                 <a:spcPts val="0"/>
               </a:spcBef>
@@ -6165,7 +6199,7 @@
               <a:buChar char="○"/>
               <a:defRPr/>
             </a:lvl5pPr>
-            <a:lvl6pPr indent="-298450" lvl="5" marL="2743200">
+            <a:lvl6pPr marL="2743200" lvl="5" indent="-298450">
               <a:spcBef>
                 <a:spcPts val="0"/>
               </a:spcBef>
@@ -6176,7 +6210,7 @@
               <a:buChar char="■"/>
               <a:defRPr/>
             </a:lvl6pPr>
-            <a:lvl7pPr indent="-298450" lvl="6" marL="3200400">
+            <a:lvl7pPr marL="3200400" lvl="6" indent="-298450">
               <a:spcBef>
                 <a:spcPts val="0"/>
               </a:spcBef>
@@ -6187,7 +6221,7 @@
               <a:buChar char="●"/>
               <a:defRPr/>
             </a:lvl7pPr>
-            <a:lvl8pPr indent="-298450" lvl="7" marL="3657600">
+            <a:lvl8pPr marL="3657600" lvl="7" indent="-298450">
               <a:spcBef>
                 <a:spcPts val="0"/>
               </a:spcBef>
@@ -6198,7 +6232,7 @@
               <a:buChar char="○"/>
               <a:defRPr/>
             </a:lvl8pPr>
-            <a:lvl9pPr indent="-298450" lvl="8" marL="4114800">
+            <a:lvl9pPr marL="4114800" lvl="8" indent="-298450">
               <a:spcBef>
                 <a:spcPts val="0"/>
               </a:spcBef>
@@ -6210,15 +6244,19 @@
               <a:defRPr/>
             </a:lvl9pPr>
           </a:lstStyle>
-          <a:p/>
+          <a:p>
+            <a:endParaRPr/>
+          </a:p>
         </p:txBody>
       </p:sp>
       <p:sp>
         <p:nvSpPr>
           <p:cNvPr id="54" name="Google Shape;54;p7"/>
-          <p:cNvSpPr txBox="1"/>
+          <p:cNvSpPr txBox="1">
+            <a:spLocks noGrp="1"/>
+          </p:cNvSpPr>
           <p:nvPr>
-            <p:ph idx="12" type="sldNum"/>
+            <p:ph type="sldNum" idx="12"/>
           </p:nvPr>
         </p:nvSpPr>
         <p:spPr>
@@ -6231,7 +6269,7 @@
           </a:prstGeom>
         </p:spPr>
         <p:txBody>
-          <a:bodyPr anchorCtr="0" anchor="ctr" bIns="91425" lIns="91425" spcFirstLastPara="1" rIns="91425" wrap="square" tIns="91425">
+          <a:bodyPr spcFirstLastPara="1" wrap="square" lIns="91425" tIns="91425" rIns="91425" bIns="91425" anchor="ctr" anchorCtr="0">
             <a:normAutofit/>
           </a:bodyPr>
           <a:lstStyle>
@@ -6273,7 +6311,7 @@
             </a:lvl9pPr>
           </a:lstStyle>
           <a:p>
-            <a:pPr indent="0" lvl="0" marL="0" rtl="0" algn="r">
+            <a:pPr marL="0" lvl="0" indent="0" algn="r" rtl="0">
               <a:spcBef>
                 <a:spcPts val="0"/>
               </a:spcBef>
@@ -6299,11 +6337,11 @@
 </file>
 
 <file path=ppt/slideLayouts/slideLayout7.xml><?xml version="1.0" encoding="utf-8"?>
-<p:sldLayout xmlns:a="http://schemas.openxmlformats.org/drawingml/2006/main" xmlns:r="http://schemas.openxmlformats.org/officeDocument/2006/relationships" xmlns:mc="http://schemas.openxmlformats.org/markup-compatibility/2006" xmlns:mv="urn:schemas-microsoft-com:mac:vml" xmlns:p="http://schemas.openxmlformats.org/presentationml/2006/main" xmlns:c="http://schemas.openxmlformats.org/drawingml/2006/chart" xmlns:dgm="http://schemas.openxmlformats.org/drawingml/2006/diagram" xmlns:o="urn:schemas-microsoft-com:office:office" xmlns:v="urn:schemas-microsoft-com:vml" xmlns:pvml="urn:schemas-microsoft-com:office:powerpoint" xmlns:com="http://schemas.openxmlformats.org/drawingml/2006/compatibility" xmlns:p14="http://schemas.microsoft.com/office/powerpoint/2010/main" xmlns:p15="http://schemas.microsoft.com/office/powerpoint/2012/main" xmlns:ahyp="http://schemas.microsoft.com/office/drawing/2018/hyperlinkcolor" matchingName="Main point">
+<p:sldLayout xmlns:a="http://schemas.openxmlformats.org/drawingml/2006/main" xmlns:r="http://schemas.openxmlformats.org/officeDocument/2006/relationships" xmlns:p="http://schemas.openxmlformats.org/presentationml/2006/main" matchingName="Main point">
   <p:cSld name="MAIN_POINT">
     <p:spTree>
       <p:nvGrpSpPr>
-        <p:cNvPr id="55" name="Shape 55"/>
+        <p:cNvPr id="1" name="Shape 55"/>
         <p:cNvGrpSpPr/>
         <p:nvPr/>
       </p:nvGrpSpPr>
@@ -6351,12 +6389,12 @@
             </a:ln>
           </p:spPr>
           <p:txBody>
-            <a:bodyPr anchorCtr="0" anchor="ctr" bIns="91425" lIns="91425" spcFirstLastPara="1" rIns="91425" wrap="square" tIns="91425">
+            <a:bodyPr spcFirstLastPara="1" wrap="square" lIns="91425" tIns="91425" rIns="91425" bIns="91425" anchor="ctr" anchorCtr="0">
               <a:noAutofit/>
             </a:bodyPr>
             <a:lstStyle/>
             <a:p>
-              <a:pPr indent="0" lvl="0" marL="0" rtl="0" algn="l">
+              <a:pPr marL="0" lvl="0" indent="0" algn="l" rtl="0">
                 <a:spcBef>
                   <a:spcPts val="0"/>
                 </a:spcBef>
@@ -6365,9 +6403,6 @@
                 </a:spcAft>
                 <a:buNone/>
               </a:pPr>
-              <a:r>
-                <a:t/>
-              </a:r>
               <a:endParaRPr/>
             </a:p>
           </p:txBody>
@@ -6394,12 +6429,12 @@
             </a:ln>
           </p:spPr>
           <p:txBody>
-            <a:bodyPr anchorCtr="0" anchor="ctr" bIns="91425" lIns="91425" spcFirstLastPara="1" rIns="91425" wrap="square" tIns="91425">
+            <a:bodyPr spcFirstLastPara="1" wrap="square" lIns="91425" tIns="91425" rIns="91425" bIns="91425" anchor="ctr" anchorCtr="0">
               <a:noAutofit/>
             </a:bodyPr>
             <a:lstStyle/>
             <a:p>
-              <a:pPr indent="0" lvl="0" marL="0" rtl="0" algn="l">
+              <a:pPr marL="0" lvl="0" indent="0" algn="l" rtl="0">
                 <a:spcBef>
                   <a:spcPts val="0"/>
                 </a:spcBef>
@@ -6408,9 +6443,6 @@
                 </a:spcAft>
                 <a:buNone/>
               </a:pPr>
-              <a:r>
-                <a:t/>
-              </a:r>
               <a:endParaRPr/>
             </a:p>
           </p:txBody>
@@ -6419,7 +6451,9 @@
       <p:sp>
         <p:nvSpPr>
           <p:cNvPr id="59" name="Google Shape;59;p8"/>
-          <p:cNvSpPr txBox="1"/>
+          <p:cNvSpPr txBox="1">
+            <a:spLocks noGrp="1"/>
+          </p:cNvSpPr>
           <p:nvPr>
             <p:ph type="title"/>
           </p:nvPr>
@@ -6434,7 +6468,7 @@
           </a:prstGeom>
         </p:spPr>
         <p:txBody>
-          <a:bodyPr anchorCtr="0" anchor="ctr" bIns="91425" lIns="91425" spcFirstLastPara="1" rIns="91425" wrap="square" tIns="91425">
+          <a:bodyPr spcFirstLastPara="1" wrap="square" lIns="91425" tIns="91425" rIns="91425" bIns="91425" anchor="ctr" anchorCtr="0">
             <a:normAutofit/>
           </a:bodyPr>
           <a:lstStyle>
@@ -6601,15 +6635,19 @@
               </a:defRPr>
             </a:lvl9pPr>
           </a:lstStyle>
-          <a:p/>
+          <a:p>
+            <a:endParaRPr/>
+          </a:p>
         </p:txBody>
       </p:sp>
       <p:sp>
         <p:nvSpPr>
           <p:cNvPr id="60" name="Google Shape;60;p8"/>
-          <p:cNvSpPr txBox="1"/>
+          <p:cNvSpPr txBox="1">
+            <a:spLocks noGrp="1"/>
+          </p:cNvSpPr>
           <p:nvPr>
-            <p:ph idx="12" type="sldNum"/>
+            <p:ph type="sldNum" idx="12"/>
           </p:nvPr>
         </p:nvSpPr>
         <p:spPr>
@@ -6622,7 +6660,7 @@
           </a:prstGeom>
         </p:spPr>
         <p:txBody>
-          <a:bodyPr anchorCtr="0" anchor="ctr" bIns="91425" lIns="91425" spcFirstLastPara="1" rIns="91425" wrap="square" tIns="91425">
+          <a:bodyPr spcFirstLastPara="1" wrap="square" lIns="91425" tIns="91425" rIns="91425" bIns="91425" anchor="ctr" anchorCtr="0">
             <a:normAutofit/>
           </a:bodyPr>
           <a:lstStyle>
@@ -6700,7 +6738,7 @@
             </a:lvl9pPr>
           </a:lstStyle>
           <a:p>
-            <a:pPr indent="0" lvl="0" marL="0" rtl="0" algn="r">
+            <a:pPr marL="0" lvl="0" indent="0" algn="r" rtl="0">
               <a:spcBef>
                 <a:spcPts val="0"/>
               </a:spcBef>
@@ -6726,11 +6764,11 @@
 </file>
 
 <file path=ppt/slideLayouts/slideLayout8.xml><?xml version="1.0" encoding="utf-8"?>
-<p:sldLayout xmlns:a="http://schemas.openxmlformats.org/drawingml/2006/main" xmlns:r="http://schemas.openxmlformats.org/officeDocument/2006/relationships" xmlns:mc="http://schemas.openxmlformats.org/markup-compatibility/2006" xmlns:mv="urn:schemas-microsoft-com:mac:vml" xmlns:p="http://schemas.openxmlformats.org/presentationml/2006/main" xmlns:c="http://schemas.openxmlformats.org/drawingml/2006/chart" xmlns:dgm="http://schemas.openxmlformats.org/drawingml/2006/diagram" xmlns:o="urn:schemas-microsoft-com:office:office" xmlns:v="urn:schemas-microsoft-com:vml" xmlns:pvml="urn:schemas-microsoft-com:office:powerpoint" xmlns:com="http://schemas.openxmlformats.org/drawingml/2006/compatibility" xmlns:p14="http://schemas.microsoft.com/office/powerpoint/2010/main" xmlns:p15="http://schemas.microsoft.com/office/powerpoint/2012/main" xmlns:ahyp="http://schemas.microsoft.com/office/drawing/2018/hyperlinkcolor" matchingName="Section title and description">
+<p:sldLayout xmlns:a="http://schemas.openxmlformats.org/drawingml/2006/main" xmlns:r="http://schemas.openxmlformats.org/officeDocument/2006/relationships" xmlns:p="http://schemas.openxmlformats.org/presentationml/2006/main" matchingName="Section title and description">
   <p:cSld name="SECTION_TITLE_AND_DESCRIPTION">
     <p:spTree>
       <p:nvGrpSpPr>
-        <p:cNvPr id="61" name="Shape 61"/>
+        <p:cNvPr id="1" name="Shape 61"/>
         <p:cNvGrpSpPr/>
         <p:nvPr/>
       </p:nvGrpSpPr>
@@ -6764,12 +6802,12 @@
           </a:ln>
         </p:spPr>
         <p:txBody>
-          <a:bodyPr anchorCtr="0" anchor="ctr" bIns="91425" lIns="91425" spcFirstLastPara="1" rIns="91425" wrap="square" tIns="91425">
+          <a:bodyPr spcFirstLastPara="1" wrap="square" lIns="91425" tIns="91425" rIns="91425" bIns="91425" anchor="ctr" anchorCtr="0">
             <a:noAutofit/>
           </a:bodyPr>
           <a:lstStyle/>
           <a:p>
-            <a:pPr indent="0" lvl="0" marL="0" rtl="0" algn="l">
+            <a:pPr marL="0" lvl="0" indent="0" algn="l" rtl="0">
               <a:spcBef>
                 <a:spcPts val="0"/>
               </a:spcBef>
@@ -6778,9 +6816,6 @@
               </a:spcAft>
               <a:buNone/>
             </a:pPr>
-            <a:r>
-              <a:t/>
-            </a:r>
             <a:endParaRPr/>
           </a:p>
         </p:txBody>
@@ -6821,12 +6856,12 @@
             </a:ln>
           </p:spPr>
           <p:txBody>
-            <a:bodyPr anchorCtr="0" anchor="ctr" bIns="91425" lIns="91425" spcFirstLastPara="1" rIns="91425" wrap="square" tIns="91425">
+            <a:bodyPr spcFirstLastPara="1" wrap="square" lIns="91425" tIns="91425" rIns="91425" bIns="91425" anchor="ctr" anchorCtr="0">
               <a:noAutofit/>
             </a:bodyPr>
             <a:lstStyle/>
             <a:p>
-              <a:pPr indent="0" lvl="0" marL="0" rtl="0" algn="l">
+              <a:pPr marL="0" lvl="0" indent="0" algn="l" rtl="0">
                 <a:spcBef>
                   <a:spcPts val="0"/>
                 </a:spcBef>
@@ -6835,9 +6870,6 @@
                 </a:spcAft>
                 <a:buNone/>
               </a:pPr>
-              <a:r>
-                <a:t/>
-              </a:r>
               <a:endParaRPr/>
             </a:p>
           </p:txBody>
@@ -6864,12 +6896,12 @@
             </a:ln>
           </p:spPr>
           <p:txBody>
-            <a:bodyPr anchorCtr="0" anchor="ctr" bIns="91425" lIns="91425" spcFirstLastPara="1" rIns="91425" wrap="square" tIns="91425">
+            <a:bodyPr spcFirstLastPara="1" wrap="square" lIns="91425" tIns="91425" rIns="91425" bIns="91425" anchor="ctr" anchorCtr="0">
               <a:noAutofit/>
             </a:bodyPr>
             <a:lstStyle/>
             <a:p>
-              <a:pPr indent="0" lvl="0" marL="0" rtl="0" algn="l">
+              <a:pPr marL="0" lvl="0" indent="0" algn="l" rtl="0">
                 <a:spcBef>
                   <a:spcPts val="0"/>
                 </a:spcBef>
@@ -6878,9 +6910,6 @@
                 </a:spcAft>
                 <a:buNone/>
               </a:pPr>
-              <a:r>
-                <a:t/>
-              </a:r>
               <a:endParaRPr/>
             </a:p>
           </p:txBody>
@@ -6889,7 +6918,9 @@
       <p:sp>
         <p:nvSpPr>
           <p:cNvPr id="66" name="Google Shape;66;p9"/>
-          <p:cNvSpPr txBox="1"/>
+          <p:cNvSpPr txBox="1">
+            <a:spLocks noGrp="1"/>
+          </p:cNvSpPr>
           <p:nvPr>
             <p:ph type="title"/>
           </p:nvPr>
@@ -6904,7 +6935,7 @@
           </a:prstGeom>
         </p:spPr>
         <p:txBody>
-          <a:bodyPr anchorCtr="0" anchor="t" bIns="91425" lIns="91425" spcFirstLastPara="1" rIns="91425" wrap="square" tIns="91425">
+          <a:bodyPr spcFirstLastPara="1" wrap="square" lIns="91425" tIns="91425" rIns="91425" bIns="91425" anchor="t" anchorCtr="0">
             <a:normAutofit/>
           </a:bodyPr>
           <a:lstStyle>
@@ -7008,15 +7039,19 @@
               <a:defRPr sz="2600"/>
             </a:lvl9pPr>
           </a:lstStyle>
-          <a:p/>
+          <a:p>
+            <a:endParaRPr/>
+          </a:p>
         </p:txBody>
       </p:sp>
       <p:sp>
         <p:nvSpPr>
           <p:cNvPr id="67" name="Google Shape;67;p9"/>
-          <p:cNvSpPr txBox="1"/>
+          <p:cNvSpPr txBox="1">
+            <a:spLocks noGrp="1"/>
+          </p:cNvSpPr>
           <p:nvPr>
-            <p:ph idx="1" type="subTitle"/>
+            <p:ph type="subTitle" idx="1"/>
           </p:nvPr>
         </p:nvSpPr>
         <p:spPr>
@@ -7029,7 +7064,7 @@
           </a:prstGeom>
         </p:spPr>
         <p:txBody>
-          <a:bodyPr anchorCtr="0" anchor="t" bIns="91425" lIns="91425" spcFirstLastPara="1" rIns="91425" wrap="square" tIns="91425">
+          <a:bodyPr spcFirstLastPara="1" wrap="square" lIns="91425" tIns="91425" rIns="91425" bIns="91425" anchor="t" anchorCtr="0">
             <a:normAutofit/>
           </a:bodyPr>
           <a:lstStyle>
@@ -7160,15 +7195,19 @@
               <a:defRPr sz="1600"/>
             </a:lvl9pPr>
           </a:lstStyle>
-          <a:p/>
+          <a:p>
+            <a:endParaRPr/>
+          </a:p>
         </p:txBody>
       </p:sp>
       <p:sp>
         <p:nvSpPr>
           <p:cNvPr id="68" name="Google Shape;68;p9"/>
-          <p:cNvSpPr txBox="1"/>
+          <p:cNvSpPr txBox="1">
+            <a:spLocks noGrp="1"/>
+          </p:cNvSpPr>
           <p:nvPr>
-            <p:ph idx="2" type="body"/>
+            <p:ph type="body" idx="2"/>
           </p:nvPr>
         </p:nvSpPr>
         <p:spPr>
@@ -7181,11 +7220,11 @@
           </a:prstGeom>
         </p:spPr>
         <p:txBody>
-          <a:bodyPr anchorCtr="0" anchor="t" bIns="91425" lIns="91425" spcFirstLastPara="1" rIns="91425" wrap="square" tIns="91425">
+          <a:bodyPr spcFirstLastPara="1" wrap="square" lIns="91425" tIns="91425" rIns="91425" bIns="91425" anchor="t" anchorCtr="0">
             <a:normAutofit/>
           </a:bodyPr>
           <a:lstStyle>
-            <a:lvl1pPr indent="-311150" lvl="0" marL="457200">
+            <a:lvl1pPr marL="457200" lvl="0" indent="-311150">
               <a:spcBef>
                 <a:spcPts val="0"/>
               </a:spcBef>
@@ -7196,7 +7235,7 @@
               <a:buChar char="●"/>
               <a:defRPr/>
             </a:lvl1pPr>
-            <a:lvl2pPr indent="-298450" lvl="1" marL="914400">
+            <a:lvl2pPr marL="914400" lvl="1" indent="-298450">
               <a:spcBef>
                 <a:spcPts val="0"/>
               </a:spcBef>
@@ -7207,7 +7246,7 @@
               <a:buChar char="○"/>
               <a:defRPr/>
             </a:lvl2pPr>
-            <a:lvl3pPr indent="-298450" lvl="2" marL="1371600">
+            <a:lvl3pPr marL="1371600" lvl="2" indent="-298450">
               <a:spcBef>
                 <a:spcPts val="0"/>
               </a:spcBef>
@@ -7218,7 +7257,7 @@
               <a:buChar char="■"/>
               <a:defRPr/>
             </a:lvl3pPr>
-            <a:lvl4pPr indent="-298450" lvl="3" marL="1828800">
+            <a:lvl4pPr marL="1828800" lvl="3" indent="-298450">
               <a:spcBef>
                 <a:spcPts val="0"/>
               </a:spcBef>
@@ -7229,7 +7268,7 @@
               <a:buChar char="●"/>
               <a:defRPr/>
             </a:lvl4pPr>
-            <a:lvl5pPr indent="-298450" lvl="4" marL="2286000">
+            <a:lvl5pPr marL="2286000" lvl="4" indent="-298450">
               <a:spcBef>
                 <a:spcPts val="0"/>
               </a:spcBef>
@@ -7240,7 +7279,7 @@
               <a:buChar char="○"/>
               <a:defRPr/>
             </a:lvl5pPr>
-            <a:lvl6pPr indent="-298450" lvl="5" marL="2743200">
+            <a:lvl6pPr marL="2743200" lvl="5" indent="-298450">
               <a:spcBef>
                 <a:spcPts val="0"/>
               </a:spcBef>
@@ -7251,7 +7290,7 @@
               <a:buChar char="■"/>
               <a:defRPr/>
             </a:lvl6pPr>
-            <a:lvl7pPr indent="-298450" lvl="6" marL="3200400">
+            <a:lvl7pPr marL="3200400" lvl="6" indent="-298450">
               <a:spcBef>
                 <a:spcPts val="0"/>
               </a:spcBef>
@@ -7262,7 +7301,7 @@
               <a:buChar char="●"/>
               <a:defRPr/>
             </a:lvl7pPr>
-            <a:lvl8pPr indent="-298450" lvl="7" marL="3657600">
+            <a:lvl8pPr marL="3657600" lvl="7" indent="-298450">
               <a:spcBef>
                 <a:spcPts val="0"/>
               </a:spcBef>
@@ -7273,7 +7312,7 @@
               <a:buChar char="○"/>
               <a:defRPr/>
             </a:lvl8pPr>
-            <a:lvl9pPr indent="-298450" lvl="8" marL="4114800">
+            <a:lvl9pPr marL="4114800" lvl="8" indent="-298450">
               <a:spcBef>
                 <a:spcPts val="0"/>
               </a:spcBef>
@@ -7285,15 +7324,19 @@
               <a:defRPr/>
             </a:lvl9pPr>
           </a:lstStyle>
-          <a:p/>
+          <a:p>
+            <a:endParaRPr/>
+          </a:p>
         </p:txBody>
       </p:sp>
       <p:sp>
         <p:nvSpPr>
           <p:cNvPr id="69" name="Google Shape;69;p9"/>
-          <p:cNvSpPr txBox="1"/>
+          <p:cNvSpPr txBox="1">
+            <a:spLocks noGrp="1"/>
+          </p:cNvSpPr>
           <p:nvPr>
-            <p:ph idx="12" type="sldNum"/>
+            <p:ph type="sldNum" idx="12"/>
           </p:nvPr>
         </p:nvSpPr>
         <p:spPr>
@@ -7306,7 +7349,7 @@
           </a:prstGeom>
         </p:spPr>
         <p:txBody>
-          <a:bodyPr anchorCtr="0" anchor="ctr" bIns="91425" lIns="91425" spcFirstLastPara="1" rIns="91425" wrap="square" tIns="91425">
+          <a:bodyPr spcFirstLastPara="1" wrap="square" lIns="91425" tIns="91425" rIns="91425" bIns="91425" anchor="ctr" anchorCtr="0">
             <a:normAutofit/>
           </a:bodyPr>
           <a:lstStyle>
@@ -7348,7 +7391,7 @@
             </a:lvl9pPr>
           </a:lstStyle>
           <a:p>
-            <a:pPr indent="0" lvl="0" marL="0" rtl="0" algn="r">
+            <a:pPr marL="0" lvl="0" indent="0" algn="r" rtl="0">
               <a:spcBef>
                 <a:spcPts val="0"/>
               </a:spcBef>
@@ -7374,11 +7417,11 @@
 </file>
 
 <file path=ppt/slideLayouts/slideLayout9.xml><?xml version="1.0" encoding="utf-8"?>
-<p:sldLayout xmlns:a="http://schemas.openxmlformats.org/drawingml/2006/main" xmlns:r="http://schemas.openxmlformats.org/officeDocument/2006/relationships" xmlns:mc="http://schemas.openxmlformats.org/markup-compatibility/2006" xmlns:mv="urn:schemas-microsoft-com:mac:vml" xmlns:p="http://schemas.openxmlformats.org/presentationml/2006/main" xmlns:c="http://schemas.openxmlformats.org/drawingml/2006/chart" xmlns:dgm="http://schemas.openxmlformats.org/drawingml/2006/diagram" xmlns:o="urn:schemas-microsoft-com:office:office" xmlns:v="urn:schemas-microsoft-com:vml" xmlns:pvml="urn:schemas-microsoft-com:office:powerpoint" xmlns:com="http://schemas.openxmlformats.org/drawingml/2006/compatibility" xmlns:p14="http://schemas.microsoft.com/office/powerpoint/2010/main" xmlns:p15="http://schemas.microsoft.com/office/powerpoint/2012/main" xmlns:ahyp="http://schemas.microsoft.com/office/drawing/2018/hyperlinkcolor" matchingName="Caption">
+<p:sldLayout xmlns:a="http://schemas.openxmlformats.org/drawingml/2006/main" xmlns:r="http://schemas.openxmlformats.org/officeDocument/2006/relationships" xmlns:p="http://schemas.openxmlformats.org/presentationml/2006/main" matchingName="Caption">
   <p:cSld name="CAPTION_ONLY">
     <p:spTree>
       <p:nvGrpSpPr>
-        <p:cNvPr id="70" name="Shape 70"/>
+        <p:cNvPr id="1" name="Shape 70"/>
         <p:cNvGrpSpPr/>
         <p:nvPr/>
       </p:nvGrpSpPr>
@@ -7393,9 +7436,11 @@
       <p:sp>
         <p:nvSpPr>
           <p:cNvPr id="71" name="Google Shape;71;p10"/>
-          <p:cNvSpPr txBox="1"/>
+          <p:cNvSpPr txBox="1">
+            <a:spLocks noGrp="1"/>
+          </p:cNvSpPr>
           <p:nvPr>
-            <p:ph idx="1" type="body"/>
+            <p:ph type="body" idx="1"/>
           </p:nvPr>
         </p:nvSpPr>
         <p:spPr>
@@ -7408,11 +7453,11 @@
           </a:prstGeom>
         </p:spPr>
         <p:txBody>
-          <a:bodyPr anchorCtr="0" anchor="ctr" bIns="91425" lIns="91425" spcFirstLastPara="1" rIns="91425" wrap="square" tIns="91425">
+          <a:bodyPr spcFirstLastPara="1" wrap="square" lIns="91425" tIns="91425" rIns="91425" bIns="91425" anchor="ctr" anchorCtr="0">
             <a:normAutofit/>
           </a:bodyPr>
           <a:lstStyle>
-            <a:lvl1pPr indent="-228600" lvl="0" marL="457200">
+            <a:lvl1pPr marL="457200" lvl="0" indent="-228600">
               <a:lnSpc>
                 <a:spcPct val="100000"/>
               </a:lnSpc>
@@ -7427,15 +7472,19 @@
               <a:defRPr/>
             </a:lvl1pPr>
           </a:lstStyle>
-          <a:p/>
+          <a:p>
+            <a:endParaRPr/>
+          </a:p>
         </p:txBody>
       </p:sp>
       <p:sp>
         <p:nvSpPr>
           <p:cNvPr id="72" name="Google Shape;72;p10"/>
-          <p:cNvSpPr txBox="1"/>
+          <p:cNvSpPr txBox="1">
+            <a:spLocks noGrp="1"/>
+          </p:cNvSpPr>
           <p:nvPr>
-            <p:ph idx="12" type="sldNum"/>
+            <p:ph type="sldNum" idx="12"/>
           </p:nvPr>
         </p:nvSpPr>
         <p:spPr>
@@ -7448,7 +7497,7 @@
           </a:prstGeom>
         </p:spPr>
         <p:txBody>
-          <a:bodyPr anchorCtr="0" anchor="ctr" bIns="91425" lIns="91425" spcFirstLastPara="1" rIns="91425" wrap="square" tIns="91425">
+          <a:bodyPr spcFirstLastPara="1" wrap="square" lIns="91425" tIns="91425" rIns="91425" bIns="91425" anchor="ctr" anchorCtr="0">
             <a:normAutofit/>
           </a:bodyPr>
           <a:lstStyle>
@@ -7490,7 +7539,7 @@
             </a:lvl9pPr>
           </a:lstStyle>
           <a:p>
-            <a:pPr indent="0" lvl="0" marL="0" rtl="0" algn="r">
+            <a:pPr marL="0" lvl="0" indent="0" algn="r" rtl="0">
               <a:spcBef>
                 <a:spcPts val="0"/>
               </a:spcBef>
@@ -7516,18 +7565,19 @@
 </file>
 
 <file path=ppt/slideMasters/slideMaster1.xml><?xml version="1.0" encoding="utf-8"?>
-<p:sldMaster xmlns:a="http://schemas.openxmlformats.org/drawingml/2006/main" xmlns:r="http://schemas.openxmlformats.org/officeDocument/2006/relationships" xmlns:mc="http://schemas.openxmlformats.org/markup-compatibility/2006" xmlns:mv="urn:schemas-microsoft-com:mac:vml" xmlns:p="http://schemas.openxmlformats.org/presentationml/2006/main" xmlns:c="http://schemas.openxmlformats.org/drawingml/2006/chart" xmlns:dgm="http://schemas.openxmlformats.org/drawingml/2006/diagram" xmlns:o="urn:schemas-microsoft-com:office:office" xmlns:v="urn:schemas-microsoft-com:vml" xmlns:pvml="urn:schemas-microsoft-com:office:powerpoint" xmlns:com="http://schemas.openxmlformats.org/drawingml/2006/compatibility" xmlns:p14="http://schemas.microsoft.com/office/powerpoint/2010/main" xmlns:p15="http://schemas.microsoft.com/office/powerpoint/2012/main" xmlns:ahyp="http://schemas.microsoft.com/office/drawing/2018/hyperlinkcolor">
+<p:sldMaster xmlns:a="http://schemas.openxmlformats.org/drawingml/2006/main" xmlns:r="http://schemas.openxmlformats.org/officeDocument/2006/relationships" xmlns:p="http://schemas.openxmlformats.org/presentationml/2006/main">
   <p:cSld name="streamline">
     <p:bg>
       <p:bgPr>
         <a:solidFill>
           <a:srgbClr val="A4C2F4"/>
         </a:solidFill>
+        <a:effectLst/>
       </p:bgPr>
     </p:bg>
     <p:spTree>
       <p:nvGrpSpPr>
-        <p:cNvPr id="5" name="Shape 5"/>
+        <p:cNvPr id="1" name="Shape 5"/>
         <p:cNvGrpSpPr/>
         <p:nvPr/>
       </p:nvGrpSpPr>
@@ -7542,7 +7592,9 @@
       <p:sp>
         <p:nvSpPr>
           <p:cNvPr id="6" name="Google Shape;6;p1"/>
-          <p:cNvSpPr txBox="1"/>
+          <p:cNvSpPr txBox="1">
+            <a:spLocks noGrp="1"/>
+          </p:cNvSpPr>
           <p:nvPr>
             <p:ph type="title"/>
           </p:nvPr>
@@ -7561,7 +7613,7 @@
           </a:ln>
         </p:spPr>
         <p:txBody>
-          <a:bodyPr anchorCtr="0" anchor="t" bIns="91425" lIns="91425" spcFirstLastPara="1" rIns="91425" wrap="square" tIns="91425">
+          <a:bodyPr spcFirstLastPara="1" wrap="square" lIns="91425" tIns="91425" rIns="91425" bIns="91425" anchor="t" anchorCtr="0">
             <a:normAutofit/>
           </a:bodyPr>
           <a:lstStyle>
@@ -7578,7 +7630,7 @@
               <a:buSzPts val="2800"/>
               <a:buFont typeface="Raleway"/>
               <a:buNone/>
-              <a:defRPr b="1" sz="2800">
+              <a:defRPr sz="2800" b="1">
                 <a:solidFill>
                   <a:schemeClr val="dk2"/>
                 </a:solidFill>
@@ -7601,7 +7653,7 @@
               <a:buSzPts val="2800"/>
               <a:buFont typeface="Raleway"/>
               <a:buNone/>
-              <a:defRPr b="1" sz="2800">
+              <a:defRPr sz="2800" b="1">
                 <a:solidFill>
                   <a:schemeClr val="dk2"/>
                 </a:solidFill>
@@ -7624,7 +7676,7 @@
               <a:buSzPts val="2800"/>
               <a:buFont typeface="Raleway"/>
               <a:buNone/>
-              <a:defRPr b="1" sz="2800">
+              <a:defRPr sz="2800" b="1">
                 <a:solidFill>
                   <a:schemeClr val="dk2"/>
                 </a:solidFill>
@@ -7647,7 +7699,7 @@
               <a:buSzPts val="2800"/>
               <a:buFont typeface="Raleway"/>
               <a:buNone/>
-              <a:defRPr b="1" sz="2800">
+              <a:defRPr sz="2800" b="1">
                 <a:solidFill>
                   <a:schemeClr val="dk2"/>
                 </a:solidFill>
@@ -7670,7 +7722,7 @@
               <a:buSzPts val="2800"/>
               <a:buFont typeface="Raleway"/>
               <a:buNone/>
-              <a:defRPr b="1" sz="2800">
+              <a:defRPr sz="2800" b="1">
                 <a:solidFill>
                   <a:schemeClr val="dk2"/>
                 </a:solidFill>
@@ -7693,7 +7745,7 @@
               <a:buSzPts val="2800"/>
               <a:buFont typeface="Raleway"/>
               <a:buNone/>
-              <a:defRPr b="1" sz="2800">
+              <a:defRPr sz="2800" b="1">
                 <a:solidFill>
                   <a:schemeClr val="dk2"/>
                 </a:solidFill>
@@ -7716,7 +7768,7 @@
               <a:buSzPts val="2800"/>
               <a:buFont typeface="Raleway"/>
               <a:buNone/>
-              <a:defRPr b="1" sz="2800">
+              <a:defRPr sz="2800" b="1">
                 <a:solidFill>
                   <a:schemeClr val="dk2"/>
                 </a:solidFill>
@@ -7739,7 +7791,7 @@
               <a:buSzPts val="2800"/>
               <a:buFont typeface="Raleway"/>
               <a:buNone/>
-              <a:defRPr b="1" sz="2800">
+              <a:defRPr sz="2800" b="1">
                 <a:solidFill>
                   <a:schemeClr val="dk2"/>
                 </a:solidFill>
@@ -7762,7 +7814,7 @@
               <a:buSzPts val="2800"/>
               <a:buFont typeface="Raleway"/>
               <a:buNone/>
-              <a:defRPr b="1" sz="2800">
+              <a:defRPr sz="2800" b="1">
                 <a:solidFill>
                   <a:schemeClr val="dk2"/>
                 </a:solidFill>
@@ -7773,15 +7825,19 @@
               </a:defRPr>
             </a:lvl9pPr>
           </a:lstStyle>
-          <a:p/>
+          <a:p>
+            <a:endParaRPr/>
+          </a:p>
         </p:txBody>
       </p:sp>
       <p:sp>
         <p:nvSpPr>
           <p:cNvPr id="7" name="Google Shape;7;p1"/>
-          <p:cNvSpPr txBox="1"/>
+          <p:cNvSpPr txBox="1">
+            <a:spLocks noGrp="1"/>
+          </p:cNvSpPr>
           <p:nvPr>
-            <p:ph idx="1" type="body"/>
+            <p:ph type="body" idx="1"/>
           </p:nvPr>
         </p:nvSpPr>
         <p:spPr>
@@ -7798,11 +7854,11 @@
           </a:ln>
         </p:spPr>
         <p:txBody>
-          <a:bodyPr anchorCtr="0" anchor="t" bIns="91425" lIns="91425" spcFirstLastPara="1" rIns="91425" wrap="square" tIns="91425">
+          <a:bodyPr spcFirstLastPara="1" wrap="square" lIns="91425" tIns="91425" rIns="91425" bIns="91425" anchor="t" anchorCtr="0">
             <a:normAutofit/>
           </a:bodyPr>
           <a:lstStyle>
-            <a:lvl1pPr indent="-311150" lvl="0" marL="457200">
+            <a:lvl1pPr marL="457200" lvl="0" indent="-311150">
               <a:lnSpc>
                 <a:spcPct val="115000"/>
               </a:lnSpc>
@@ -7828,7 +7884,7 @@
                 <a:sym typeface="Lato"/>
               </a:defRPr>
             </a:lvl1pPr>
-            <a:lvl2pPr indent="-298450" lvl="1" marL="914400">
+            <a:lvl2pPr marL="914400" lvl="1" indent="-298450">
               <a:lnSpc>
                 <a:spcPct val="115000"/>
               </a:lnSpc>
@@ -7854,7 +7910,7 @@
                 <a:sym typeface="Lato"/>
               </a:defRPr>
             </a:lvl2pPr>
-            <a:lvl3pPr indent="-298450" lvl="2" marL="1371600">
+            <a:lvl3pPr marL="1371600" lvl="2" indent="-298450">
               <a:lnSpc>
                 <a:spcPct val="115000"/>
               </a:lnSpc>
@@ -7880,7 +7936,7 @@
                 <a:sym typeface="Lato"/>
               </a:defRPr>
             </a:lvl3pPr>
-            <a:lvl4pPr indent="-298450" lvl="3" marL="1828800">
+            <a:lvl4pPr marL="1828800" lvl="3" indent="-298450">
               <a:lnSpc>
                 <a:spcPct val="115000"/>
               </a:lnSpc>
@@ -7906,7 +7962,7 @@
                 <a:sym typeface="Lato"/>
               </a:defRPr>
             </a:lvl4pPr>
-            <a:lvl5pPr indent="-298450" lvl="4" marL="2286000">
+            <a:lvl5pPr marL="2286000" lvl="4" indent="-298450">
               <a:lnSpc>
                 <a:spcPct val="115000"/>
               </a:lnSpc>
@@ -7932,7 +7988,7 @@
                 <a:sym typeface="Lato"/>
               </a:defRPr>
             </a:lvl5pPr>
-            <a:lvl6pPr indent="-298450" lvl="5" marL="2743200">
+            <a:lvl6pPr marL="2743200" lvl="5" indent="-298450">
               <a:lnSpc>
                 <a:spcPct val="115000"/>
               </a:lnSpc>
@@ -7958,7 +8014,7 @@
                 <a:sym typeface="Lato"/>
               </a:defRPr>
             </a:lvl6pPr>
-            <a:lvl7pPr indent="-298450" lvl="6" marL="3200400">
+            <a:lvl7pPr marL="3200400" lvl="6" indent="-298450">
               <a:lnSpc>
                 <a:spcPct val="115000"/>
               </a:lnSpc>
@@ -7984,7 +8040,7 @@
                 <a:sym typeface="Lato"/>
               </a:defRPr>
             </a:lvl7pPr>
-            <a:lvl8pPr indent="-298450" lvl="7" marL="3657600">
+            <a:lvl8pPr marL="3657600" lvl="7" indent="-298450">
               <a:lnSpc>
                 <a:spcPct val="115000"/>
               </a:lnSpc>
@@ -8010,7 +8066,7 @@
                 <a:sym typeface="Lato"/>
               </a:defRPr>
             </a:lvl8pPr>
-            <a:lvl9pPr indent="-298450" lvl="8" marL="4114800">
+            <a:lvl9pPr marL="4114800" lvl="8" indent="-298450">
               <a:lnSpc>
                 <a:spcPct val="115000"/>
               </a:lnSpc>
@@ -8037,15 +8093,19 @@
               </a:defRPr>
             </a:lvl9pPr>
           </a:lstStyle>
-          <a:p/>
+          <a:p>
+            <a:endParaRPr/>
+          </a:p>
         </p:txBody>
       </p:sp>
       <p:sp>
         <p:nvSpPr>
           <p:cNvPr id="8" name="Google Shape;8;p1"/>
-          <p:cNvSpPr txBox="1"/>
+          <p:cNvSpPr txBox="1">
+            <a:spLocks noGrp="1"/>
+          </p:cNvSpPr>
           <p:nvPr>
-            <p:ph idx="12" type="sldNum"/>
+            <p:ph type="sldNum" idx="12"/>
           </p:nvPr>
         </p:nvSpPr>
         <p:spPr>
@@ -8062,7 +8122,7 @@
           </a:ln>
         </p:spPr>
         <p:txBody>
-          <a:bodyPr anchorCtr="0" anchor="ctr" bIns="91425" lIns="91425" spcFirstLastPara="1" rIns="91425" wrap="square" tIns="91425">
+          <a:bodyPr spcFirstLastPara="1" wrap="square" lIns="91425" tIns="91425" rIns="91425" bIns="91425" anchor="ctr" anchorCtr="0">
             <a:normAutofit/>
           </a:bodyPr>
           <a:lstStyle>
@@ -8176,7 +8236,7 @@
             </a:lvl9pPr>
           </a:lstStyle>
           <a:p>
-            <a:pPr indent="0" lvl="0" marL="0" rtl="0" algn="r">
+            <a:pPr marL="0" lvl="0" indent="0" algn="r" rtl="0">
               <a:spcBef>
                 <a:spcPts val="0"/>
               </a:spcBef>
@@ -8195,7 +8255,7 @@
       </p:sp>
     </p:spTree>
   </p:cSld>
-  <p:clrMap accent1="accent1" accent2="accent2" accent3="accent3" accent4="accent4" accent5="accent5" accent6="accent6" bg1="lt1" bg2="dk2" tx1="dk1" tx2="lt2" folHlink="folHlink" hlink="hlink"/>
+  <p:clrMap bg1="lt1" tx1="dk1" bg2="dk2" tx2="lt2" accent1="accent1" accent2="accent2" accent3="accent3" accent4="accent4" accent5="accent5" accent6="accent6" hlink="hlink" folHlink="folHlink"/>
   <p:sldLayoutIdLst>
     <p:sldLayoutId id="2147483648" r:id="rId1"/>
     <p:sldLayoutId id="2147483649" r:id="rId2"/>
@@ -8209,10 +8269,10 @@
     <p:sldLayoutId id="2147483657" r:id="rId10"/>
     <p:sldLayoutId id="2147483658" r:id="rId11"/>
   </p:sldLayoutIdLst>
-  <p:hf dt="0" ftr="0" hdr="0" sldNum="0"/>
+  <p:hf sldNum="0" hdr="0" ftr="0" dt="0"/>
   <p:txStyles>
     <p:titleStyle>
-      <a:defPPr lvl="0" marR="0" rtl="0" algn="l">
+      <a:defPPr marR="0" lvl="0" algn="l" rtl="0">
         <a:lnSpc>
           <a:spcPct val="100000"/>
         </a:lnSpc>
@@ -8223,7 +8283,7 @@
           <a:spcPts val="0"/>
         </a:spcAft>
       </a:defPPr>
-      <a:lvl1pPr lvl="0" marR="0" rtl="0" algn="l">
+      <a:lvl1pPr marR="0" lvl="0" algn="l" rtl="0">
         <a:lnSpc>
           <a:spcPct val="100000"/>
         </a:lnSpc>
@@ -8237,7 +8297,7 @@
           <a:srgbClr val="000000"/>
         </a:buClr>
         <a:buFont typeface="Arial"/>
-        <a:defRPr b="0" i="0" sz="1400" u="none" cap="none" strike="noStrike">
+        <a:defRPr sz="1400" b="0" i="0" u="none" strike="noStrike" cap="none">
           <a:solidFill>
             <a:srgbClr val="000000"/>
           </a:solidFill>
@@ -8247,7 +8307,7 @@
           <a:sym typeface="Arial"/>
         </a:defRPr>
       </a:lvl1pPr>
-      <a:lvl2pPr lvl="1" marR="0" rtl="0" algn="l">
+      <a:lvl2pPr marR="0" lvl="1" algn="l" rtl="0">
         <a:lnSpc>
           <a:spcPct val="100000"/>
         </a:lnSpc>
@@ -8261,7 +8321,7 @@
           <a:srgbClr val="000000"/>
         </a:buClr>
         <a:buFont typeface="Arial"/>
-        <a:defRPr b="0" i="0" sz="1400" u="none" cap="none" strike="noStrike">
+        <a:defRPr sz="1400" b="0" i="0" u="none" strike="noStrike" cap="none">
           <a:solidFill>
             <a:srgbClr val="000000"/>
           </a:solidFill>
@@ -8271,7 +8331,7 @@
           <a:sym typeface="Arial"/>
         </a:defRPr>
       </a:lvl2pPr>
-      <a:lvl3pPr lvl="2" marR="0" rtl="0" algn="l">
+      <a:lvl3pPr marR="0" lvl="2" algn="l" rtl="0">
         <a:lnSpc>
           <a:spcPct val="100000"/>
         </a:lnSpc>
@@ -8285,7 +8345,7 @@
           <a:srgbClr val="000000"/>
         </a:buClr>
         <a:buFont typeface="Arial"/>
-        <a:defRPr b="0" i="0" sz="1400" u="none" cap="none" strike="noStrike">
+        <a:defRPr sz="1400" b="0" i="0" u="none" strike="noStrike" cap="none">
           <a:solidFill>
             <a:srgbClr val="000000"/>
           </a:solidFill>
@@ -8295,7 +8355,7 @@
           <a:sym typeface="Arial"/>
         </a:defRPr>
       </a:lvl3pPr>
-      <a:lvl4pPr lvl="3" marR="0" rtl="0" algn="l">
+      <a:lvl4pPr marR="0" lvl="3" algn="l" rtl="0">
         <a:lnSpc>
           <a:spcPct val="100000"/>
         </a:lnSpc>
@@ -8309,7 +8369,7 @@
           <a:srgbClr val="000000"/>
         </a:buClr>
         <a:buFont typeface="Arial"/>
-        <a:defRPr b="0" i="0" sz="1400" u="none" cap="none" strike="noStrike">
+        <a:defRPr sz="1400" b="0" i="0" u="none" strike="noStrike" cap="none">
           <a:solidFill>
             <a:srgbClr val="000000"/>
           </a:solidFill>
@@ -8319,7 +8379,7 @@
           <a:sym typeface="Arial"/>
         </a:defRPr>
       </a:lvl4pPr>
-      <a:lvl5pPr lvl="4" marR="0" rtl="0" algn="l">
+      <a:lvl5pPr marR="0" lvl="4" algn="l" rtl="0">
         <a:lnSpc>
           <a:spcPct val="100000"/>
         </a:lnSpc>
@@ -8333,7 +8393,7 @@
           <a:srgbClr val="000000"/>
         </a:buClr>
         <a:buFont typeface="Arial"/>
-        <a:defRPr b="0" i="0" sz="1400" u="none" cap="none" strike="noStrike">
+        <a:defRPr sz="1400" b="0" i="0" u="none" strike="noStrike" cap="none">
           <a:solidFill>
             <a:srgbClr val="000000"/>
           </a:solidFill>
@@ -8343,7 +8403,7 @@
           <a:sym typeface="Arial"/>
         </a:defRPr>
       </a:lvl5pPr>
-      <a:lvl6pPr lvl="5" marR="0" rtl="0" algn="l">
+      <a:lvl6pPr marR="0" lvl="5" algn="l" rtl="0">
         <a:lnSpc>
           <a:spcPct val="100000"/>
         </a:lnSpc>
@@ -8357,7 +8417,7 @@
           <a:srgbClr val="000000"/>
         </a:buClr>
         <a:buFont typeface="Arial"/>
-        <a:defRPr b="0" i="0" sz="1400" u="none" cap="none" strike="noStrike">
+        <a:defRPr sz="1400" b="0" i="0" u="none" strike="noStrike" cap="none">
           <a:solidFill>
             <a:srgbClr val="000000"/>
           </a:solidFill>
@@ -8367,7 +8427,7 @@
           <a:sym typeface="Arial"/>
         </a:defRPr>
       </a:lvl6pPr>
-      <a:lvl7pPr lvl="6" marR="0" rtl="0" algn="l">
+      <a:lvl7pPr marR="0" lvl="6" algn="l" rtl="0">
         <a:lnSpc>
           <a:spcPct val="100000"/>
         </a:lnSpc>
@@ -8381,7 +8441,7 @@
           <a:srgbClr val="000000"/>
         </a:buClr>
         <a:buFont typeface="Arial"/>
-        <a:defRPr b="0" i="0" sz="1400" u="none" cap="none" strike="noStrike">
+        <a:defRPr sz="1400" b="0" i="0" u="none" strike="noStrike" cap="none">
           <a:solidFill>
             <a:srgbClr val="000000"/>
           </a:solidFill>
@@ -8391,7 +8451,7 @@
           <a:sym typeface="Arial"/>
         </a:defRPr>
       </a:lvl7pPr>
-      <a:lvl8pPr lvl="7" marR="0" rtl="0" algn="l">
+      <a:lvl8pPr marR="0" lvl="7" algn="l" rtl="0">
         <a:lnSpc>
           <a:spcPct val="100000"/>
         </a:lnSpc>
@@ -8405,7 +8465,7 @@
           <a:srgbClr val="000000"/>
         </a:buClr>
         <a:buFont typeface="Arial"/>
-        <a:defRPr b="0" i="0" sz="1400" u="none" cap="none" strike="noStrike">
+        <a:defRPr sz="1400" b="0" i="0" u="none" strike="noStrike" cap="none">
           <a:solidFill>
             <a:srgbClr val="000000"/>
           </a:solidFill>
@@ -8415,7 +8475,7 @@
           <a:sym typeface="Arial"/>
         </a:defRPr>
       </a:lvl8pPr>
-      <a:lvl9pPr lvl="8" marR="0" rtl="0" algn="l">
+      <a:lvl9pPr marR="0" lvl="8" algn="l" rtl="0">
         <a:lnSpc>
           <a:spcPct val="100000"/>
         </a:lnSpc>
@@ -8429,7 +8489,7 @@
           <a:srgbClr val="000000"/>
         </a:buClr>
         <a:buFont typeface="Arial"/>
-        <a:defRPr b="0" i="0" sz="1400" u="none" cap="none" strike="noStrike">
+        <a:defRPr sz="1400" b="0" i="0" u="none" strike="noStrike" cap="none">
           <a:solidFill>
             <a:srgbClr val="000000"/>
           </a:solidFill>
@@ -8441,7 +8501,7 @@
       </a:lvl9pPr>
     </p:titleStyle>
     <p:bodyStyle>
-      <a:defPPr lvl="0" marR="0" rtl="0" algn="l">
+      <a:defPPr marR="0" lvl="0" algn="l" rtl="0">
         <a:lnSpc>
           <a:spcPct val="100000"/>
         </a:lnSpc>
@@ -8452,7 +8512,7 @@
           <a:spcPts val="0"/>
         </a:spcAft>
       </a:defPPr>
-      <a:lvl1pPr lvl="0" marR="0" rtl="0" algn="l">
+      <a:lvl1pPr marR="0" lvl="0" algn="l" rtl="0">
         <a:lnSpc>
           <a:spcPct val="100000"/>
         </a:lnSpc>
@@ -8466,7 +8526,7 @@
           <a:srgbClr val="000000"/>
         </a:buClr>
         <a:buFont typeface="Arial"/>
-        <a:defRPr b="0" i="0" sz="1400" u="none" cap="none" strike="noStrike">
+        <a:defRPr sz="1400" b="0" i="0" u="none" strike="noStrike" cap="none">
           <a:solidFill>
             <a:srgbClr val="000000"/>
           </a:solidFill>
@@ -8476,7 +8536,7 @@
           <a:sym typeface="Arial"/>
         </a:defRPr>
       </a:lvl1pPr>
-      <a:lvl2pPr lvl="1" marR="0" rtl="0" algn="l">
+      <a:lvl2pPr marR="0" lvl="1" algn="l" rtl="0">
         <a:lnSpc>
           <a:spcPct val="100000"/>
         </a:lnSpc>
@@ -8490,7 +8550,7 @@
           <a:srgbClr val="000000"/>
         </a:buClr>
         <a:buFont typeface="Arial"/>
-        <a:defRPr b="0" i="0" sz="1400" u="none" cap="none" strike="noStrike">
+        <a:defRPr sz="1400" b="0" i="0" u="none" strike="noStrike" cap="none">
           <a:solidFill>
             <a:srgbClr val="000000"/>
           </a:solidFill>
@@ -8500,7 +8560,7 @@
           <a:sym typeface="Arial"/>
         </a:defRPr>
       </a:lvl2pPr>
-      <a:lvl3pPr lvl="2" marR="0" rtl="0" algn="l">
+      <a:lvl3pPr marR="0" lvl="2" algn="l" rtl="0">
         <a:lnSpc>
           <a:spcPct val="100000"/>
         </a:lnSpc>
@@ -8514,7 +8574,7 @@
           <a:srgbClr val="000000"/>
         </a:buClr>
         <a:buFont typeface="Arial"/>
-        <a:defRPr b="0" i="0" sz="1400" u="none" cap="none" strike="noStrike">
+        <a:defRPr sz="1400" b="0" i="0" u="none" strike="noStrike" cap="none">
           <a:solidFill>
             <a:srgbClr val="000000"/>
           </a:solidFill>
@@ -8524,7 +8584,7 @@
           <a:sym typeface="Arial"/>
         </a:defRPr>
       </a:lvl3pPr>
-      <a:lvl4pPr lvl="3" marR="0" rtl="0" algn="l">
+      <a:lvl4pPr marR="0" lvl="3" algn="l" rtl="0">
         <a:lnSpc>
           <a:spcPct val="100000"/>
         </a:lnSpc>
@@ -8538,7 +8598,7 @@
           <a:srgbClr val="000000"/>
         </a:buClr>
         <a:buFont typeface="Arial"/>
-        <a:defRPr b="0" i="0" sz="1400" u="none" cap="none" strike="noStrike">
+        <a:defRPr sz="1400" b="0" i="0" u="none" strike="noStrike" cap="none">
           <a:solidFill>
             <a:srgbClr val="000000"/>
           </a:solidFill>
@@ -8548,7 +8608,7 @@
           <a:sym typeface="Arial"/>
         </a:defRPr>
       </a:lvl4pPr>
-      <a:lvl5pPr lvl="4" marR="0" rtl="0" algn="l">
+      <a:lvl5pPr marR="0" lvl="4" algn="l" rtl="0">
         <a:lnSpc>
           <a:spcPct val="100000"/>
         </a:lnSpc>
@@ -8562,7 +8622,7 @@
           <a:srgbClr val="000000"/>
         </a:buClr>
         <a:buFont typeface="Arial"/>
-        <a:defRPr b="0" i="0" sz="1400" u="none" cap="none" strike="noStrike">
+        <a:defRPr sz="1400" b="0" i="0" u="none" strike="noStrike" cap="none">
           <a:solidFill>
             <a:srgbClr val="000000"/>
           </a:solidFill>
@@ -8572,7 +8632,7 @@
           <a:sym typeface="Arial"/>
         </a:defRPr>
       </a:lvl5pPr>
-      <a:lvl6pPr lvl="5" marR="0" rtl="0" algn="l">
+      <a:lvl6pPr marR="0" lvl="5" algn="l" rtl="0">
         <a:lnSpc>
           <a:spcPct val="100000"/>
         </a:lnSpc>
@@ -8586,7 +8646,7 @@
           <a:srgbClr val="000000"/>
         </a:buClr>
         <a:buFont typeface="Arial"/>
-        <a:defRPr b="0" i="0" sz="1400" u="none" cap="none" strike="noStrike">
+        <a:defRPr sz="1400" b="0" i="0" u="none" strike="noStrike" cap="none">
           <a:solidFill>
             <a:srgbClr val="000000"/>
           </a:solidFill>
@@ -8596,7 +8656,7 @@
           <a:sym typeface="Arial"/>
         </a:defRPr>
       </a:lvl6pPr>
-      <a:lvl7pPr lvl="6" marR="0" rtl="0" algn="l">
+      <a:lvl7pPr marR="0" lvl="6" algn="l" rtl="0">
         <a:lnSpc>
           <a:spcPct val="100000"/>
         </a:lnSpc>
@@ -8610,7 +8670,7 @@
           <a:srgbClr val="000000"/>
         </a:buClr>
         <a:buFont typeface="Arial"/>
-        <a:defRPr b="0" i="0" sz="1400" u="none" cap="none" strike="noStrike">
+        <a:defRPr sz="1400" b="0" i="0" u="none" strike="noStrike" cap="none">
           <a:solidFill>
             <a:srgbClr val="000000"/>
           </a:solidFill>
@@ -8620,7 +8680,7 @@
           <a:sym typeface="Arial"/>
         </a:defRPr>
       </a:lvl7pPr>
-      <a:lvl8pPr lvl="7" marR="0" rtl="0" algn="l">
+      <a:lvl8pPr marR="0" lvl="7" algn="l" rtl="0">
         <a:lnSpc>
           <a:spcPct val="100000"/>
         </a:lnSpc>
@@ -8634,7 +8694,7 @@
           <a:srgbClr val="000000"/>
         </a:buClr>
         <a:buFont typeface="Arial"/>
-        <a:defRPr b="0" i="0" sz="1400" u="none" cap="none" strike="noStrike">
+        <a:defRPr sz="1400" b="0" i="0" u="none" strike="noStrike" cap="none">
           <a:solidFill>
             <a:srgbClr val="000000"/>
           </a:solidFill>
@@ -8644,7 +8704,7 @@
           <a:sym typeface="Arial"/>
         </a:defRPr>
       </a:lvl8pPr>
-      <a:lvl9pPr lvl="8" marR="0" rtl="0" algn="l">
+      <a:lvl9pPr marR="0" lvl="8" algn="l" rtl="0">
         <a:lnSpc>
           <a:spcPct val="100000"/>
         </a:lnSpc>
@@ -8658,7 +8718,7 @@
           <a:srgbClr val="000000"/>
         </a:buClr>
         <a:buFont typeface="Arial"/>
-        <a:defRPr b="0" i="0" sz="1400" u="none" cap="none" strike="noStrike">
+        <a:defRPr sz="1400" b="0" i="0" u="none" strike="noStrike" cap="none">
           <a:solidFill>
             <a:srgbClr val="000000"/>
           </a:solidFill>
@@ -8670,7 +8730,7 @@
       </a:lvl9pPr>
     </p:bodyStyle>
     <p:otherStyle>
-      <a:defPPr lvl="0" marR="0" rtl="0" algn="l">
+      <a:defPPr marR="0" lvl="0" algn="l" rtl="0">
         <a:lnSpc>
           <a:spcPct val="100000"/>
         </a:lnSpc>
@@ -8681,7 +8741,7 @@
           <a:spcPts val="0"/>
         </a:spcAft>
       </a:defPPr>
-      <a:lvl1pPr lvl="0" marR="0" rtl="0" algn="l">
+      <a:lvl1pPr marR="0" lvl="0" algn="l" rtl="0">
         <a:lnSpc>
           <a:spcPct val="100000"/>
         </a:lnSpc>
@@ -8695,7 +8755,7 @@
           <a:srgbClr val="000000"/>
         </a:buClr>
         <a:buFont typeface="Arial"/>
-        <a:defRPr b="0" i="0" sz="1400" u="none" cap="none" strike="noStrike">
+        <a:defRPr sz="1400" b="0" i="0" u="none" strike="noStrike" cap="none">
           <a:solidFill>
             <a:srgbClr val="000000"/>
           </a:solidFill>
@@ -8705,7 +8765,7 @@
           <a:sym typeface="Arial"/>
         </a:defRPr>
       </a:lvl1pPr>
-      <a:lvl2pPr lvl="1" marR="0" rtl="0" algn="l">
+      <a:lvl2pPr marR="0" lvl="1" algn="l" rtl="0">
         <a:lnSpc>
           <a:spcPct val="100000"/>
         </a:lnSpc>
@@ -8719,7 +8779,7 @@
           <a:srgbClr val="000000"/>
         </a:buClr>
         <a:buFont typeface="Arial"/>
-        <a:defRPr b="0" i="0" sz="1400" u="none" cap="none" strike="noStrike">
+        <a:defRPr sz="1400" b="0" i="0" u="none" strike="noStrike" cap="none">
           <a:solidFill>
             <a:srgbClr val="000000"/>
           </a:solidFill>
@@ -8729,7 +8789,7 @@
           <a:sym typeface="Arial"/>
         </a:defRPr>
       </a:lvl2pPr>
-      <a:lvl3pPr lvl="2" marR="0" rtl="0" algn="l">
+      <a:lvl3pPr marR="0" lvl="2" algn="l" rtl="0">
         <a:lnSpc>
           <a:spcPct val="100000"/>
         </a:lnSpc>
@@ -8743,7 +8803,7 @@
           <a:srgbClr val="000000"/>
         </a:buClr>
         <a:buFont typeface="Arial"/>
-        <a:defRPr b="0" i="0" sz="1400" u="none" cap="none" strike="noStrike">
+        <a:defRPr sz="1400" b="0" i="0" u="none" strike="noStrike" cap="none">
           <a:solidFill>
             <a:srgbClr val="000000"/>
           </a:solidFill>
@@ -8753,7 +8813,7 @@
           <a:sym typeface="Arial"/>
         </a:defRPr>
       </a:lvl3pPr>
-      <a:lvl4pPr lvl="3" marR="0" rtl="0" algn="l">
+      <a:lvl4pPr marR="0" lvl="3" algn="l" rtl="0">
         <a:lnSpc>
           <a:spcPct val="100000"/>
         </a:lnSpc>
@@ -8767,7 +8827,7 @@
           <a:srgbClr val="000000"/>
         </a:buClr>
         <a:buFont typeface="Arial"/>
-        <a:defRPr b="0" i="0" sz="1400" u="none" cap="none" strike="noStrike">
+        <a:defRPr sz="1400" b="0" i="0" u="none" strike="noStrike" cap="none">
           <a:solidFill>
             <a:srgbClr val="000000"/>
           </a:solidFill>
@@ -8777,7 +8837,7 @@
           <a:sym typeface="Arial"/>
         </a:defRPr>
       </a:lvl4pPr>
-      <a:lvl5pPr lvl="4" marR="0" rtl="0" algn="l">
+      <a:lvl5pPr marR="0" lvl="4" algn="l" rtl="0">
         <a:lnSpc>
           <a:spcPct val="100000"/>
         </a:lnSpc>
@@ -8791,7 +8851,7 @@
           <a:srgbClr val="000000"/>
         </a:buClr>
         <a:buFont typeface="Arial"/>
-        <a:defRPr b="0" i="0" sz="1400" u="none" cap="none" strike="noStrike">
+        <a:defRPr sz="1400" b="0" i="0" u="none" strike="noStrike" cap="none">
           <a:solidFill>
             <a:srgbClr val="000000"/>
           </a:solidFill>
@@ -8801,7 +8861,7 @@
           <a:sym typeface="Arial"/>
         </a:defRPr>
       </a:lvl5pPr>
-      <a:lvl6pPr lvl="5" marR="0" rtl="0" algn="l">
+      <a:lvl6pPr marR="0" lvl="5" algn="l" rtl="0">
         <a:lnSpc>
           <a:spcPct val="100000"/>
         </a:lnSpc>
@@ -8815,7 +8875,7 @@
           <a:srgbClr val="000000"/>
         </a:buClr>
         <a:buFont typeface="Arial"/>
-        <a:defRPr b="0" i="0" sz="1400" u="none" cap="none" strike="noStrike">
+        <a:defRPr sz="1400" b="0" i="0" u="none" strike="noStrike" cap="none">
           <a:solidFill>
             <a:srgbClr val="000000"/>
           </a:solidFill>
@@ -8825,7 +8885,7 @@
           <a:sym typeface="Arial"/>
         </a:defRPr>
       </a:lvl6pPr>
-      <a:lvl7pPr lvl="6" marR="0" rtl="0" algn="l">
+      <a:lvl7pPr marR="0" lvl="6" algn="l" rtl="0">
         <a:lnSpc>
           <a:spcPct val="100000"/>
         </a:lnSpc>
@@ -8839,7 +8899,7 @@
           <a:srgbClr val="000000"/>
         </a:buClr>
         <a:buFont typeface="Arial"/>
-        <a:defRPr b="0" i="0" sz="1400" u="none" cap="none" strike="noStrike">
+        <a:defRPr sz="1400" b="0" i="0" u="none" strike="noStrike" cap="none">
           <a:solidFill>
             <a:srgbClr val="000000"/>
           </a:solidFill>
@@ -8849,7 +8909,7 @@
           <a:sym typeface="Arial"/>
         </a:defRPr>
       </a:lvl7pPr>
-      <a:lvl8pPr lvl="7" marR="0" rtl="0" algn="l">
+      <a:lvl8pPr marR="0" lvl="7" algn="l" rtl="0">
         <a:lnSpc>
           <a:spcPct val="100000"/>
         </a:lnSpc>
@@ -8863,7 +8923,7 @@
           <a:srgbClr val="000000"/>
         </a:buClr>
         <a:buFont typeface="Arial"/>
-        <a:defRPr b="0" i="0" sz="1400" u="none" cap="none" strike="noStrike">
+        <a:defRPr sz="1400" b="0" i="0" u="none" strike="noStrike" cap="none">
           <a:solidFill>
             <a:srgbClr val="000000"/>
           </a:solidFill>
@@ -8873,7 +8933,7 @@
           <a:sym typeface="Arial"/>
         </a:defRPr>
       </a:lvl8pPr>
-      <a:lvl9pPr lvl="8" marR="0" rtl="0" algn="l">
+      <a:lvl9pPr marR="0" lvl="8" algn="l" rtl="0">
         <a:lnSpc>
           <a:spcPct val="100000"/>
         </a:lnSpc>
@@ -8887,7 +8947,7 @@
           <a:srgbClr val="000000"/>
         </a:buClr>
         <a:buFont typeface="Arial"/>
-        <a:defRPr b="0" i="0" sz="1400" u="none" cap="none" strike="noStrike">
+        <a:defRPr sz="1400" b="0" i="0" u="none" strike="noStrike" cap="none">
           <a:solidFill>
             <a:srgbClr val="000000"/>
           </a:solidFill>
@@ -8903,11 +8963,11 @@
 </file>
 
 <file path=ppt/slides/slide1.xml><?xml version="1.0" encoding="utf-8"?>
-<p:sld xmlns:a="http://schemas.openxmlformats.org/drawingml/2006/main" xmlns:r="http://schemas.openxmlformats.org/officeDocument/2006/relationships" xmlns:mc="http://schemas.openxmlformats.org/markup-compatibility/2006" xmlns:mv="urn:schemas-microsoft-com:mac:vml" xmlns:p="http://schemas.openxmlformats.org/presentationml/2006/main" xmlns:c="http://schemas.openxmlformats.org/drawingml/2006/chart" xmlns:dgm="http://schemas.openxmlformats.org/drawingml/2006/diagram" xmlns:o="urn:schemas-microsoft-com:office:office" xmlns:v="urn:schemas-microsoft-com:vml" xmlns:pvml="urn:schemas-microsoft-com:office:powerpoint" xmlns:com="http://schemas.openxmlformats.org/drawingml/2006/compatibility" xmlns:p14="http://schemas.microsoft.com/office/powerpoint/2010/main" xmlns:p15="http://schemas.microsoft.com/office/powerpoint/2012/main" xmlns:ahyp="http://schemas.microsoft.com/office/drawing/2018/hyperlinkcolor">
+<p:sld xmlns:a="http://schemas.openxmlformats.org/drawingml/2006/main" xmlns:r="http://schemas.openxmlformats.org/officeDocument/2006/relationships" xmlns:p="http://schemas.openxmlformats.org/presentationml/2006/main">
   <p:cSld>
     <p:spTree>
       <p:nvGrpSpPr>
-        <p:cNvPr id="85" name="Shape 85"/>
+        <p:cNvPr id="1" name="Shape 85"/>
         <p:cNvGrpSpPr/>
         <p:nvPr/>
       </p:nvGrpSpPr>
@@ -8922,7 +8982,9 @@
       <p:sp>
         <p:nvSpPr>
           <p:cNvPr id="86" name="Google Shape;86;p13"/>
-          <p:cNvSpPr txBox="1"/>
+          <p:cNvSpPr txBox="1">
+            <a:spLocks noGrp="1"/>
+          </p:cNvSpPr>
           <p:nvPr>
             <p:ph type="ctrTitle"/>
           </p:nvPr>
@@ -8937,12 +8999,12 @@
           </a:prstGeom>
         </p:spPr>
         <p:txBody>
-          <a:bodyPr anchorCtr="0" anchor="t" bIns="91425" lIns="91425" spcFirstLastPara="1" rIns="91425" wrap="square" tIns="91425">
+          <a:bodyPr spcFirstLastPara="1" wrap="square" lIns="91425" tIns="91425" rIns="91425" bIns="91425" anchor="t" anchorCtr="0">
             <a:normAutofit fontScale="90000"/>
           </a:bodyPr>
           <a:lstStyle/>
           <a:p>
-            <a:pPr indent="0" lvl="0" marL="0" rtl="0" algn="ctr">
+            <a:pPr marL="0" lvl="0" indent="0" algn="ctr" rtl="0">
               <a:spcBef>
                 <a:spcPts val="0"/>
               </a:spcBef>
@@ -8953,11 +9015,7 @@
             </a:pPr>
             <a:r>
               <a:rPr lang="en"/>
-              <a:t>Modeling Effect of Coriolis Force on long range </a:t>
-            </a:r>
-            <a:r>
-              <a:rPr lang="en"/>
-              <a:t>ballistics</a:t>
+              <a:t>Modeling Effect of Coriolis Force on long range ballistics</a:t>
             </a:r>
             <a:endParaRPr/>
           </a:p>
@@ -8966,9 +9024,11 @@
       <p:sp>
         <p:nvSpPr>
           <p:cNvPr id="87" name="Google Shape;87;p13"/>
-          <p:cNvSpPr txBox="1"/>
+          <p:cNvSpPr txBox="1">
+            <a:spLocks noGrp="1"/>
+          </p:cNvSpPr>
           <p:nvPr>
-            <p:ph idx="1" type="subTitle"/>
+            <p:ph type="subTitle" idx="1"/>
           </p:nvPr>
         </p:nvSpPr>
         <p:spPr>
@@ -8981,12 +9041,12 @@
           </a:prstGeom>
         </p:spPr>
         <p:txBody>
-          <a:bodyPr anchorCtr="0" anchor="t" bIns="91425" lIns="91425" spcFirstLastPara="1" rIns="91425" wrap="square" tIns="91425">
+          <a:bodyPr spcFirstLastPara="1" wrap="square" lIns="91425" tIns="91425" rIns="91425" bIns="91425" anchor="t" anchorCtr="0">
             <a:normAutofit/>
           </a:bodyPr>
           <a:lstStyle/>
           <a:p>
-            <a:pPr indent="0" lvl="0" marL="0" rtl="0" algn="ctr">
+            <a:pPr marL="0" lvl="0" indent="0" algn="ctr" rtl="0">
               <a:spcBef>
                 <a:spcPts val="0"/>
               </a:spcBef>
@@ -9012,11 +9072,11 @@
 </file>
 
 <file path=ppt/slides/slide10.xml><?xml version="1.0" encoding="utf-8"?>
-<p:sld xmlns:a="http://schemas.openxmlformats.org/drawingml/2006/main" xmlns:r="http://schemas.openxmlformats.org/officeDocument/2006/relationships" xmlns:mc="http://schemas.openxmlformats.org/markup-compatibility/2006" xmlns:mv="urn:schemas-microsoft-com:mac:vml" xmlns:p="http://schemas.openxmlformats.org/presentationml/2006/main" xmlns:c="http://schemas.openxmlformats.org/drawingml/2006/chart" xmlns:dgm="http://schemas.openxmlformats.org/drawingml/2006/diagram" xmlns:o="urn:schemas-microsoft-com:office:office" xmlns:v="urn:schemas-microsoft-com:vml" xmlns:pvml="urn:schemas-microsoft-com:office:powerpoint" xmlns:com="http://schemas.openxmlformats.org/drawingml/2006/compatibility" xmlns:p14="http://schemas.microsoft.com/office/powerpoint/2010/main" xmlns:p15="http://schemas.microsoft.com/office/powerpoint/2012/main" xmlns:ahyp="http://schemas.microsoft.com/office/drawing/2018/hyperlinkcolor">
+<p:sld xmlns:a="http://schemas.openxmlformats.org/drawingml/2006/main" xmlns:r="http://schemas.openxmlformats.org/officeDocument/2006/relationships" xmlns:p="http://schemas.openxmlformats.org/presentationml/2006/main">
   <p:cSld>
     <p:spTree>
       <p:nvGrpSpPr>
-        <p:cNvPr id="153" name="Shape 153"/>
+        <p:cNvPr id="1" name="Shape 153"/>
         <p:cNvGrpSpPr/>
         <p:nvPr/>
       </p:nvGrpSpPr>
@@ -9031,7 +9091,9 @@
       <p:sp>
         <p:nvSpPr>
           <p:cNvPr id="154" name="Google Shape;154;p22"/>
-          <p:cNvSpPr txBox="1"/>
+          <p:cNvSpPr txBox="1">
+            <a:spLocks noGrp="1"/>
+          </p:cNvSpPr>
           <p:nvPr>
             <p:ph type="title"/>
           </p:nvPr>
@@ -9046,12 +9108,12 @@
           </a:prstGeom>
         </p:spPr>
         <p:txBody>
-          <a:bodyPr anchorCtr="0" anchor="t" bIns="91425" lIns="91425" spcFirstLastPara="1" rIns="91425" wrap="square" tIns="91425">
+          <a:bodyPr spcFirstLastPara="1" wrap="square" lIns="91425" tIns="91425" rIns="91425" bIns="91425" anchor="t" anchorCtr="0">
             <a:normAutofit fontScale="90000"/>
           </a:bodyPr>
           <a:lstStyle/>
           <a:p>
-            <a:pPr indent="0" lvl="0" marL="0" rtl="0" algn="l">
+            <a:pPr marL="0" lvl="0" indent="0" algn="l" rtl="0">
               <a:spcBef>
                 <a:spcPts val="0"/>
               </a:spcBef>
@@ -9081,9 +9143,11 @@
       <p:sp>
         <p:nvSpPr>
           <p:cNvPr id="155" name="Google Shape;155;p22"/>
-          <p:cNvSpPr txBox="1"/>
+          <p:cNvSpPr txBox="1">
+            <a:spLocks noGrp="1"/>
+          </p:cNvSpPr>
           <p:nvPr>
-            <p:ph idx="1" type="body"/>
+            <p:ph type="body" idx="1"/>
           </p:nvPr>
         </p:nvSpPr>
         <p:spPr>
@@ -9100,12 +9164,12 @@
           </a:ln>
         </p:spPr>
         <p:txBody>
-          <a:bodyPr anchorCtr="0" anchor="t" bIns="91425" lIns="91425" spcFirstLastPara="1" rIns="91425" wrap="square" tIns="91425">
+          <a:bodyPr spcFirstLastPara="1" wrap="square" lIns="91425" tIns="91425" rIns="91425" bIns="91425" anchor="t" anchorCtr="0">
             <a:noAutofit/>
           </a:bodyPr>
           <a:lstStyle/>
           <a:p>
-            <a:pPr indent="0" lvl="0" marL="0" rtl="0" algn="l">
+            <a:pPr marL="0" lvl="0" indent="0" algn="l" rtl="0">
               <a:spcBef>
                 <a:spcPts val="0"/>
               </a:spcBef>
@@ -9115,7 +9179,7 @@
               <a:buNone/>
             </a:pPr>
             <a:r>
-              <a:rPr b="1" lang="en" sz="1400" u="sng">
+              <a:rPr lang="en" sz="1400" b="1" u="sng">
                 <a:solidFill>
                   <a:schemeClr val="dk2"/>
                 </a:solidFill>
@@ -9126,7 +9190,7 @@
               </a:rPr>
               <a:t>Assumptions </a:t>
             </a:r>
-            <a:endParaRPr b="1" sz="1400" u="sng">
+            <a:endParaRPr sz="1400" b="1" u="sng">
               <a:solidFill>
                 <a:schemeClr val="dk2"/>
               </a:solidFill>
@@ -9137,7 +9201,7 @@
             </a:endParaRPr>
           </a:p>
           <a:p>
-            <a:pPr indent="0" lvl="0" marL="0" rtl="0" algn="l">
+            <a:pPr marL="0" lvl="0" indent="0" algn="l" rtl="0">
               <a:spcBef>
                 <a:spcPts val="1200"/>
               </a:spcBef>
@@ -9146,9 +9210,6 @@
               </a:spcAft>
               <a:buNone/>
             </a:pPr>
-            <a:r>
-              <a:t/>
-            </a:r>
             <a:endParaRPr sz="1400">
               <a:solidFill>
                 <a:schemeClr val="dk2"/>
@@ -9160,7 +9221,7 @@
             </a:endParaRPr>
           </a:p>
           <a:p>
-            <a:pPr indent="0" lvl="0" marL="0" rtl="0" algn="l">
+            <a:pPr marL="0" lvl="0" indent="0" algn="l" rtl="0">
               <a:spcBef>
                 <a:spcPts val="1200"/>
               </a:spcBef>
@@ -9169,9 +9230,6 @@
               </a:spcAft>
               <a:buNone/>
             </a:pPr>
-            <a:r>
-              <a:t/>
-            </a:r>
             <a:endParaRPr sz="1400">
               <a:solidFill>
                 <a:schemeClr val="dk2"/>
@@ -9204,12 +9262,12 @@
           </a:ln>
         </p:spPr>
         <p:txBody>
-          <a:bodyPr anchorCtr="0" anchor="t" bIns="91425" lIns="91425" spcFirstLastPara="1" rIns="91425" wrap="square" tIns="91425">
+          <a:bodyPr spcFirstLastPara="1" wrap="square" lIns="91425" tIns="91425" rIns="91425" bIns="91425" anchor="t" anchorCtr="0">
             <a:spAutoFit/>
           </a:bodyPr>
           <a:lstStyle/>
           <a:p>
-            <a:pPr indent="0" lvl="0" marL="0" rtl="0" algn="l">
+            <a:pPr marL="0" lvl="0" indent="0" algn="l" rtl="0">
               <a:lnSpc>
                 <a:spcPct val="115000"/>
               </a:lnSpc>
@@ -9234,7 +9292,7 @@
               <a:t>V</a:t>
             </a:r>
             <a:r>
-              <a:rPr baseline="-25000" lang="en">
+              <a:rPr lang="en" baseline="-25000">
                 <a:solidFill>
                   <a:schemeClr val="dk2"/>
                 </a:solidFill>
@@ -9268,7 +9326,7 @@
             </a:endParaRPr>
           </a:p>
           <a:p>
-            <a:pPr indent="0" lvl="0" marL="0" rtl="0" algn="l">
+            <a:pPr marL="0" lvl="0" indent="0" algn="l" rtl="0">
               <a:lnSpc>
                 <a:spcPct val="115000"/>
               </a:lnSpc>
@@ -9293,7 +9351,7 @@
               <a:t>V</a:t>
             </a:r>
             <a:r>
-              <a:rPr baseline="-25000" lang="en">
+              <a:rPr lang="en" baseline="-25000">
                 <a:solidFill>
                   <a:schemeClr val="dk2"/>
                 </a:solidFill>
@@ -9327,7 +9385,7 @@
             </a:endParaRPr>
           </a:p>
           <a:p>
-            <a:pPr indent="0" lvl="0" marL="0" rtl="0" algn="l">
+            <a:pPr marL="0" lvl="0" indent="0" algn="l" rtl="0">
               <a:lnSpc>
                 <a:spcPct val="115000"/>
               </a:lnSpc>
@@ -9362,7 +9420,7 @@
             </a:endParaRPr>
           </a:p>
           <a:p>
-            <a:pPr indent="0" lvl="0" marL="0" rtl="0" algn="l">
+            <a:pPr marL="0" lvl="0" indent="0" algn="l" rtl="0">
               <a:lnSpc>
                 <a:spcPct val="115000"/>
               </a:lnSpc>
@@ -9397,7 +9455,7 @@
             </a:endParaRPr>
           </a:p>
           <a:p>
-            <a:pPr indent="0" lvl="0" marL="0" rtl="0" algn="l">
+            <a:pPr marL="0" lvl="0" indent="0" algn="l" rtl="0">
               <a:lnSpc>
                 <a:spcPct val="115000"/>
               </a:lnSpc>
@@ -9422,7 +9480,7 @@
               <a:t>𝛀 = 7.3*10</a:t>
             </a:r>
             <a:r>
-              <a:rPr baseline="30000" lang="en">
+              <a:rPr lang="en" baseline="30000">
                 <a:solidFill>
                   <a:schemeClr val="dk2"/>
                 </a:solidFill>
@@ -9469,12 +9527,12 @@
           </a:ln>
         </p:spPr>
         <p:txBody>
-          <a:bodyPr anchorCtr="0" anchor="t" bIns="91425" lIns="91425" spcFirstLastPara="1" rIns="91425" wrap="square" tIns="91425">
+          <a:bodyPr spcFirstLastPara="1" wrap="square" lIns="91425" tIns="91425" rIns="91425" bIns="91425" anchor="t" anchorCtr="0">
             <a:spAutoFit/>
           </a:bodyPr>
           <a:lstStyle/>
           <a:p>
-            <a:pPr indent="0" lvl="0" marL="0" rtl="0" algn="l">
+            <a:pPr marL="0" lvl="0" indent="0" algn="l" rtl="0">
               <a:lnSpc>
                 <a:spcPct val="115000"/>
               </a:lnSpc>
@@ -9487,7 +9545,7 @@
               <a:buNone/>
             </a:pPr>
             <a:r>
-              <a:rPr b="1" lang="en" u="sng">
+              <a:rPr lang="en" b="1" u="sng">
                 <a:solidFill>
                   <a:schemeClr val="dk2"/>
                 </a:solidFill>
@@ -9522,12 +9580,12 @@
           </a:ln>
         </p:spPr>
         <p:txBody>
-          <a:bodyPr anchorCtr="0" anchor="t" bIns="91425" lIns="91425" spcFirstLastPara="1" rIns="91425" wrap="square" tIns="91425">
+          <a:bodyPr spcFirstLastPara="1" wrap="square" lIns="91425" tIns="91425" rIns="91425" bIns="91425" anchor="t" anchorCtr="0">
             <a:spAutoFit/>
           </a:bodyPr>
           <a:lstStyle/>
           <a:p>
-            <a:pPr indent="-317500" lvl="0" marL="457200" rtl="0" algn="l">
+            <a:pPr marL="457200" lvl="0" indent="-317500" algn="l" rtl="0">
               <a:lnSpc>
                 <a:spcPct val="115000"/>
               </a:lnSpc>
@@ -9567,7 +9625,7 @@
             </a:endParaRPr>
           </a:p>
           <a:p>
-            <a:pPr indent="-317500" lvl="0" marL="457200" rtl="0" algn="l">
+            <a:pPr marL="457200" lvl="0" indent="-317500" algn="l" rtl="0">
               <a:lnSpc>
                 <a:spcPct val="115000"/>
               </a:lnSpc>
@@ -9607,7 +9665,7 @@
             </a:endParaRPr>
           </a:p>
           <a:p>
-            <a:pPr indent="-317500" lvl="0" marL="457200" rtl="0" algn="l">
+            <a:pPr marL="457200" lvl="0" indent="-317500" algn="l" rtl="0">
               <a:lnSpc>
                 <a:spcPct val="115000"/>
               </a:lnSpc>
@@ -9647,7 +9705,7 @@
             </a:endParaRPr>
           </a:p>
           <a:p>
-            <a:pPr indent="-317500" lvl="0" marL="457200" rtl="0" algn="l">
+            <a:pPr marL="457200" lvl="0" indent="-317500" algn="l" rtl="0">
               <a:lnSpc>
                 <a:spcPct val="115000"/>
               </a:lnSpc>
@@ -9687,7 +9745,7 @@
             </a:endParaRPr>
           </a:p>
           <a:p>
-            <a:pPr indent="-317500" lvl="0" marL="457200" rtl="0" algn="l">
+            <a:pPr marL="457200" lvl="0" indent="-317500" algn="l" rtl="0">
               <a:lnSpc>
                 <a:spcPct val="115000"/>
               </a:lnSpc>
@@ -9738,7 +9796,7 @@
           <a:blip r:embed="rId3">
             <a:alphaModFix/>
           </a:blip>
-          <a:srcRect b="3247" l="944" r="44799" t="3953"/>
+          <a:srcRect l="944" t="3953" r="44799" b="3247"/>
           <a:stretch/>
         </p:blipFill>
         <p:spPr>
@@ -9765,7 +9823,7 @@
           <a:blip r:embed="rId3">
             <a:alphaModFix/>
           </a:blip>
-          <a:srcRect b="97203" l="942" r="35773" t="0"/>
+          <a:srcRect l="942" r="35773" b="97203"/>
           <a:stretch/>
         </p:blipFill>
         <p:spPr>
@@ -9792,7 +9850,7 @@
           <a:blip r:embed="rId4">
             <a:alphaModFix/>
           </a:blip>
-          <a:srcRect b="0" l="0" r="0" t="2534"/>
+          <a:srcRect t="2534"/>
           <a:stretch/>
         </p:blipFill>
         <p:spPr>
@@ -9819,7 +9877,7 @@
           <a:blip r:embed="rId4">
             <a:alphaModFix/>
           </a:blip>
-          <a:srcRect b="97857" l="0" r="13487" t="0"/>
+          <a:srcRect r="13487" b="97857"/>
           <a:stretch/>
         </p:blipFill>
         <p:spPr>
@@ -9845,11 +9903,11 @@
 </file>
 
 <file path=ppt/slides/slide11.xml><?xml version="1.0" encoding="utf-8"?>
-<p:sld xmlns:a="http://schemas.openxmlformats.org/drawingml/2006/main" xmlns:r="http://schemas.openxmlformats.org/officeDocument/2006/relationships" xmlns:mc="http://schemas.openxmlformats.org/markup-compatibility/2006" xmlns:mv="urn:schemas-microsoft-com:mac:vml" xmlns:p="http://schemas.openxmlformats.org/presentationml/2006/main" xmlns:c="http://schemas.openxmlformats.org/drawingml/2006/chart" xmlns:dgm="http://schemas.openxmlformats.org/drawingml/2006/diagram" xmlns:o="urn:schemas-microsoft-com:office:office" xmlns:v="urn:schemas-microsoft-com:vml" xmlns:pvml="urn:schemas-microsoft-com:office:powerpoint" xmlns:com="http://schemas.openxmlformats.org/drawingml/2006/compatibility" xmlns:p14="http://schemas.microsoft.com/office/powerpoint/2010/main" xmlns:p15="http://schemas.microsoft.com/office/powerpoint/2012/main" xmlns:ahyp="http://schemas.microsoft.com/office/drawing/2018/hyperlinkcolor">
+<p:sld xmlns:a="http://schemas.openxmlformats.org/drawingml/2006/main" xmlns:r="http://schemas.openxmlformats.org/officeDocument/2006/relationships" xmlns:p="http://schemas.openxmlformats.org/presentationml/2006/main">
   <p:cSld>
     <p:spTree>
       <p:nvGrpSpPr>
-        <p:cNvPr id="166" name="Shape 166"/>
+        <p:cNvPr id="1" name="Shape 166"/>
         <p:cNvGrpSpPr/>
         <p:nvPr/>
       </p:nvGrpSpPr>
@@ -9864,7 +9922,9 @@
       <p:sp>
         <p:nvSpPr>
           <p:cNvPr id="167" name="Google Shape;167;p23"/>
-          <p:cNvSpPr txBox="1"/>
+          <p:cNvSpPr txBox="1">
+            <a:spLocks noGrp="1"/>
+          </p:cNvSpPr>
           <p:nvPr>
             <p:ph type="title"/>
           </p:nvPr>
@@ -9879,12 +9939,12 @@
           </a:prstGeom>
         </p:spPr>
         <p:txBody>
-          <a:bodyPr anchorCtr="0" anchor="t" bIns="91425" lIns="91425" spcFirstLastPara="1" rIns="91425" wrap="square" tIns="91425">
+          <a:bodyPr spcFirstLastPara="1" wrap="square" lIns="91425" tIns="91425" rIns="91425" bIns="91425" anchor="t" anchorCtr="0">
             <a:normAutofit fontScale="90000"/>
           </a:bodyPr>
           <a:lstStyle/>
           <a:p>
-            <a:pPr indent="0" lvl="0" marL="0" rtl="0" algn="l">
+            <a:pPr marL="0" lvl="0" indent="0" algn="l" rtl="0">
               <a:spcBef>
                 <a:spcPts val="0"/>
               </a:spcBef>
@@ -9911,7 +9971,7 @@
           <a:blip r:embed="rId3">
             <a:alphaModFix/>
           </a:blip>
-          <a:srcRect b="58077" l="0" r="0" t="1165"/>
+          <a:srcRect t="1165" b="58077"/>
           <a:stretch/>
         </p:blipFill>
         <p:spPr>
@@ -9938,7 +9998,7 @@
           <a:blip r:embed="rId3">
             <a:alphaModFix/>
           </a:blip>
-          <a:srcRect b="0" l="0" r="21537" t="41921"/>
+          <a:srcRect t="41921" r="21537"/>
           <a:stretch/>
         </p:blipFill>
         <p:spPr>
@@ -9964,11 +10024,11 @@
 </file>
 
 <file path=ppt/slides/slide12.xml><?xml version="1.0" encoding="utf-8"?>
-<p:sld xmlns:a="http://schemas.openxmlformats.org/drawingml/2006/main" xmlns:r="http://schemas.openxmlformats.org/officeDocument/2006/relationships" xmlns:mc="http://schemas.openxmlformats.org/markup-compatibility/2006" xmlns:mv="urn:schemas-microsoft-com:mac:vml" xmlns:p="http://schemas.openxmlformats.org/presentationml/2006/main" xmlns:c="http://schemas.openxmlformats.org/drawingml/2006/chart" xmlns:dgm="http://schemas.openxmlformats.org/drawingml/2006/diagram" xmlns:o="urn:schemas-microsoft-com:office:office" xmlns:v="urn:schemas-microsoft-com:vml" xmlns:pvml="urn:schemas-microsoft-com:office:powerpoint" xmlns:com="http://schemas.openxmlformats.org/drawingml/2006/compatibility" xmlns:p14="http://schemas.microsoft.com/office/powerpoint/2010/main" xmlns:p15="http://schemas.microsoft.com/office/powerpoint/2012/main" xmlns:ahyp="http://schemas.microsoft.com/office/drawing/2018/hyperlinkcolor">
+<p:sld xmlns:a="http://schemas.openxmlformats.org/drawingml/2006/main" xmlns:r="http://schemas.openxmlformats.org/officeDocument/2006/relationships" xmlns:p="http://schemas.openxmlformats.org/presentationml/2006/main">
   <p:cSld>
     <p:spTree>
       <p:nvGrpSpPr>
-        <p:cNvPr id="173" name="Shape 173"/>
+        <p:cNvPr id="1" name="Shape 173"/>
         <p:cNvGrpSpPr/>
         <p:nvPr/>
       </p:nvGrpSpPr>
@@ -9983,7 +10043,9 @@
       <p:sp>
         <p:nvSpPr>
           <p:cNvPr id="174" name="Google Shape;174;p24"/>
-          <p:cNvSpPr txBox="1"/>
+          <p:cNvSpPr txBox="1">
+            <a:spLocks noGrp="1"/>
+          </p:cNvSpPr>
           <p:nvPr>
             <p:ph type="title"/>
           </p:nvPr>
@@ -9998,12 +10060,12 @@
           </a:prstGeom>
         </p:spPr>
         <p:txBody>
-          <a:bodyPr anchorCtr="0" anchor="t" bIns="91425" lIns="91425" spcFirstLastPara="1" rIns="91425" wrap="square" tIns="91425">
+          <a:bodyPr spcFirstLastPara="1" wrap="square" lIns="91425" tIns="91425" rIns="91425" bIns="91425" anchor="t" anchorCtr="0">
             <a:normAutofit fontScale="90000"/>
           </a:bodyPr>
           <a:lstStyle/>
           <a:p>
-            <a:pPr indent="0" lvl="0" marL="0" rtl="0" algn="l">
+            <a:pPr marL="0" lvl="0" indent="0" algn="l" rtl="0">
               <a:spcBef>
                 <a:spcPts val="0"/>
               </a:spcBef>
@@ -10023,9 +10085,11 @@
       <p:sp>
         <p:nvSpPr>
           <p:cNvPr id="175" name="Google Shape;175;p24"/>
-          <p:cNvSpPr txBox="1"/>
+          <p:cNvSpPr txBox="1">
+            <a:spLocks noGrp="1"/>
+          </p:cNvSpPr>
           <p:nvPr>
-            <p:ph idx="1" type="body"/>
+            <p:ph type="body" idx="1"/>
           </p:nvPr>
         </p:nvSpPr>
         <p:spPr>
@@ -10038,12 +10102,12 @@
           </a:prstGeom>
         </p:spPr>
         <p:txBody>
-          <a:bodyPr anchorCtr="0" anchor="t" bIns="91425" lIns="91425" spcFirstLastPara="1" rIns="91425" wrap="square" tIns="91425">
+          <a:bodyPr spcFirstLastPara="1" wrap="square" lIns="91425" tIns="91425" rIns="91425" bIns="91425" anchor="t" anchorCtr="0">
             <a:normAutofit/>
           </a:bodyPr>
           <a:lstStyle/>
           <a:p>
-            <a:pPr indent="0" lvl="0" marL="0" rtl="0" algn="l">
+            <a:pPr marL="0" lvl="0" indent="0" algn="l" rtl="0">
               <a:spcBef>
                 <a:spcPts val="0"/>
               </a:spcBef>
@@ -10052,9 +10116,6 @@
               </a:spcAft>
               <a:buNone/>
             </a:pPr>
-            <a:r>
-              <a:t/>
-            </a:r>
             <a:endParaRPr/>
           </a:p>
         </p:txBody>
@@ -10096,11 +10157,11 @@
 </file>
 
 <file path=ppt/slides/slide13.xml><?xml version="1.0" encoding="utf-8"?>
-<p:sld xmlns:a="http://schemas.openxmlformats.org/drawingml/2006/main" xmlns:r="http://schemas.openxmlformats.org/officeDocument/2006/relationships" xmlns:mc="http://schemas.openxmlformats.org/markup-compatibility/2006" xmlns:mv="urn:schemas-microsoft-com:mac:vml" xmlns:p="http://schemas.openxmlformats.org/presentationml/2006/main" xmlns:c="http://schemas.openxmlformats.org/drawingml/2006/chart" xmlns:dgm="http://schemas.openxmlformats.org/drawingml/2006/diagram" xmlns:o="urn:schemas-microsoft-com:office:office" xmlns:v="urn:schemas-microsoft-com:vml" xmlns:pvml="urn:schemas-microsoft-com:office:powerpoint" xmlns:com="http://schemas.openxmlformats.org/drawingml/2006/compatibility" xmlns:p14="http://schemas.microsoft.com/office/powerpoint/2010/main" xmlns:p15="http://schemas.microsoft.com/office/powerpoint/2012/main" xmlns:ahyp="http://schemas.microsoft.com/office/drawing/2018/hyperlinkcolor">
+<p:sld xmlns:a="http://schemas.openxmlformats.org/drawingml/2006/main" xmlns:r="http://schemas.openxmlformats.org/officeDocument/2006/relationships" xmlns:p="http://schemas.openxmlformats.org/presentationml/2006/main">
   <p:cSld>
     <p:spTree>
       <p:nvGrpSpPr>
-        <p:cNvPr id="180" name="Shape 180"/>
+        <p:cNvPr id="1" name="Shape 180"/>
         <p:cNvGrpSpPr/>
         <p:nvPr/>
       </p:nvGrpSpPr>
@@ -10115,7 +10176,9 @@
       <p:sp>
         <p:nvSpPr>
           <p:cNvPr id="181" name="Google Shape;181;p25"/>
-          <p:cNvSpPr txBox="1"/>
+          <p:cNvSpPr txBox="1">
+            <a:spLocks noGrp="1"/>
+          </p:cNvSpPr>
           <p:nvPr>
             <p:ph type="title"/>
           </p:nvPr>
@@ -10130,12 +10193,12 @@
           </a:prstGeom>
         </p:spPr>
         <p:txBody>
-          <a:bodyPr anchorCtr="0" anchor="t" bIns="91425" lIns="91425" spcFirstLastPara="1" rIns="91425" wrap="square" tIns="91425">
+          <a:bodyPr spcFirstLastPara="1" wrap="square" lIns="91425" tIns="91425" rIns="91425" bIns="91425" anchor="t" anchorCtr="0">
             <a:normAutofit fontScale="90000"/>
           </a:bodyPr>
           <a:lstStyle/>
           <a:p>
-            <a:pPr indent="0" lvl="0" marL="0" rtl="0" algn="l">
+            <a:pPr marL="0" lvl="0" indent="0" algn="l" rtl="0">
               <a:spcBef>
                 <a:spcPts val="0"/>
               </a:spcBef>
@@ -10155,9 +10218,11 @@
       <p:sp>
         <p:nvSpPr>
           <p:cNvPr id="182" name="Google Shape;182;p25"/>
-          <p:cNvSpPr txBox="1"/>
+          <p:cNvSpPr txBox="1">
+            <a:spLocks noGrp="1"/>
+          </p:cNvSpPr>
           <p:nvPr>
-            <p:ph idx="1" type="body"/>
+            <p:ph type="body" idx="1"/>
           </p:nvPr>
         </p:nvSpPr>
         <p:spPr>
@@ -10170,12 +10235,12 @@
           </a:prstGeom>
         </p:spPr>
         <p:txBody>
-          <a:bodyPr anchorCtr="0" anchor="t" bIns="91425" lIns="91425" spcFirstLastPara="1" rIns="91425" wrap="square" tIns="91425">
+          <a:bodyPr spcFirstLastPara="1" wrap="square" lIns="91425" tIns="91425" rIns="91425" bIns="91425" anchor="t" anchorCtr="0">
             <a:normAutofit/>
           </a:bodyPr>
           <a:lstStyle/>
           <a:p>
-            <a:pPr indent="-311150" lvl="0" marL="457200" rtl="0" algn="l">
+            <a:pPr marL="457200" lvl="0" indent="-311150" algn="l" rtl="0">
               <a:spcBef>
                 <a:spcPts val="0"/>
               </a:spcBef>
@@ -10187,28 +10252,12 @@
             </a:pPr>
             <a:r>
               <a:rPr lang="en"/>
-              <a:t>Managed to make an </a:t>
-            </a:r>
-            <a:r>
-              <a:rPr lang="en"/>
-              <a:t>introductory</a:t>
-            </a:r>
-            <a:r>
-              <a:rPr lang="en"/>
-              <a:t> model for modeling the effect the coriolis force has on battleships engagements. </a:t>
-            </a:r>
-            <a:r>
-              <a:rPr lang="en"/>
-              <a:t>Building</a:t>
-            </a:r>
-            <a:r>
-              <a:rPr lang="en"/>
-              <a:t> up from a simplistic model of no movement allowed us to slowly work to a more complicated model, that was a successful</a:t>
+              <a:t>Managed to make an introductory model for modeling the effect the coriolis force has on battleships engagements. Building up from a simplistic model of no movement allowed us to slowly work to a more complicated model, that was a successful</a:t>
             </a:r>
             <a:endParaRPr/>
           </a:p>
           <a:p>
-            <a:pPr indent="0" lvl="0" marL="457200" rtl="0" algn="l">
+            <a:pPr marL="457200" lvl="0" indent="0" algn="l" rtl="0">
               <a:spcBef>
                 <a:spcPts val="1200"/>
               </a:spcBef>
@@ -10217,13 +10266,10 @@
               </a:spcAft>
               <a:buNone/>
             </a:pPr>
-            <a:r>
-              <a:t/>
-            </a:r>
             <a:endParaRPr/>
           </a:p>
           <a:p>
-            <a:pPr indent="-311150" lvl="0" marL="457200" rtl="0" algn="l">
+            <a:pPr marL="457200" lvl="0" indent="-311150" algn="l" rtl="0">
               <a:spcBef>
                 <a:spcPts val="1200"/>
               </a:spcBef>
@@ -10240,7 +10286,7 @@
             <a:endParaRPr/>
           </a:p>
           <a:p>
-            <a:pPr indent="-298450" lvl="1" marL="914400" rtl="0" algn="l">
+            <a:pPr marL="914400" lvl="1" indent="-298450" algn="l" rtl="0">
               <a:spcBef>
                 <a:spcPts val="0"/>
               </a:spcBef>
@@ -10257,7 +10303,7 @@
             <a:endParaRPr/>
           </a:p>
           <a:p>
-            <a:pPr indent="-298450" lvl="1" marL="914400" rtl="0" algn="l">
+            <a:pPr marL="914400" lvl="1" indent="-298450" algn="l" rtl="0">
               <a:spcBef>
                 <a:spcPts val="0"/>
               </a:spcBef>
@@ -10284,11 +10330,11 @@
 </file>
 
 <file path=ppt/slides/slide14.xml><?xml version="1.0" encoding="utf-8"?>
-<p:sld xmlns:a="http://schemas.openxmlformats.org/drawingml/2006/main" xmlns:r="http://schemas.openxmlformats.org/officeDocument/2006/relationships" xmlns:mc="http://schemas.openxmlformats.org/markup-compatibility/2006" xmlns:mv="urn:schemas-microsoft-com:mac:vml" xmlns:p="http://schemas.openxmlformats.org/presentationml/2006/main" xmlns:c="http://schemas.openxmlformats.org/drawingml/2006/chart" xmlns:dgm="http://schemas.openxmlformats.org/drawingml/2006/diagram" xmlns:o="urn:schemas-microsoft-com:office:office" xmlns:v="urn:schemas-microsoft-com:vml" xmlns:pvml="urn:schemas-microsoft-com:office:powerpoint" xmlns:com="http://schemas.openxmlformats.org/drawingml/2006/compatibility" xmlns:p14="http://schemas.microsoft.com/office/powerpoint/2010/main" xmlns:p15="http://schemas.microsoft.com/office/powerpoint/2012/main" xmlns:ahyp="http://schemas.microsoft.com/office/drawing/2018/hyperlinkcolor">
+<p:sld xmlns:a="http://schemas.openxmlformats.org/drawingml/2006/main" xmlns:r="http://schemas.openxmlformats.org/officeDocument/2006/relationships" xmlns:p="http://schemas.openxmlformats.org/presentationml/2006/main">
   <p:cSld>
     <p:spTree>
       <p:nvGrpSpPr>
-        <p:cNvPr id="186" name="Shape 186"/>
+        <p:cNvPr id="1" name="Shape 186"/>
         <p:cNvGrpSpPr/>
         <p:nvPr/>
       </p:nvGrpSpPr>
@@ -10303,7 +10349,9 @@
       <p:sp>
         <p:nvSpPr>
           <p:cNvPr id="187" name="Google Shape;187;p26"/>
-          <p:cNvSpPr txBox="1"/>
+          <p:cNvSpPr txBox="1">
+            <a:spLocks noGrp="1"/>
+          </p:cNvSpPr>
           <p:nvPr>
             <p:ph type="title"/>
           </p:nvPr>
@@ -10318,12 +10366,12 @@
           </a:prstGeom>
         </p:spPr>
         <p:txBody>
-          <a:bodyPr anchorCtr="0" anchor="t" bIns="91425" lIns="91425" spcFirstLastPara="1" rIns="91425" wrap="square" tIns="91425">
+          <a:bodyPr spcFirstLastPara="1" wrap="square" lIns="91425" tIns="91425" rIns="91425" bIns="91425" anchor="t" anchorCtr="0">
             <a:noAutofit/>
           </a:bodyPr>
           <a:lstStyle/>
           <a:p>
-            <a:pPr indent="0" lvl="0" marL="0" rtl="0" algn="l">
+            <a:pPr marL="0" lvl="0" indent="0" algn="l" rtl="0">
               <a:spcBef>
                 <a:spcPts val="0"/>
               </a:spcBef>
@@ -10354,9 +10402,11 @@
       <p:sp>
         <p:nvSpPr>
           <p:cNvPr id="188" name="Google Shape;188;p26"/>
-          <p:cNvSpPr txBox="1"/>
+          <p:cNvSpPr txBox="1">
+            <a:spLocks noGrp="1"/>
+          </p:cNvSpPr>
           <p:nvPr>
-            <p:ph idx="1" type="body"/>
+            <p:ph type="body" idx="1"/>
           </p:nvPr>
         </p:nvSpPr>
         <p:spPr>
@@ -10369,12 +10419,12 @@
           </a:prstGeom>
         </p:spPr>
         <p:txBody>
-          <a:bodyPr anchorCtr="0" anchor="t" bIns="91425" lIns="91425" spcFirstLastPara="1" rIns="91425" wrap="square" tIns="91425">
+          <a:bodyPr spcFirstLastPara="1" wrap="square" lIns="91425" tIns="91425" rIns="91425" bIns="91425" anchor="t" anchorCtr="0">
             <a:normAutofit/>
           </a:bodyPr>
           <a:lstStyle/>
           <a:p>
-            <a:pPr indent="-323850" lvl="0" marL="457200" rtl="0" algn="l">
+            <a:pPr marL="457200" lvl="0" indent="-323850" algn="l" rtl="0">
               <a:spcBef>
                 <a:spcPts val="1200"/>
               </a:spcBef>
@@ -10398,7 +10448,7 @@
               <a:t>Taylor, John R. </a:t>
             </a:r>
             <a:r>
-              <a:rPr i="1" lang="en">
+              <a:rPr lang="en" i="1">
                 <a:solidFill>
                   <a:srgbClr val="000000"/>
                 </a:solidFill>
@@ -10432,7 +10482,7 @@
             </a:endParaRPr>
           </a:p>
           <a:p>
-            <a:pPr indent="-311150" lvl="0" marL="457200" rtl="0" algn="l">
+            <a:pPr marL="457200" lvl="0" indent="-311150" algn="l" rtl="0">
               <a:spcBef>
                 <a:spcPts val="0"/>
               </a:spcBef>
@@ -10482,7 +10532,7 @@
             </a:endParaRPr>
           </a:p>
           <a:p>
-            <a:pPr indent="-311150" lvl="0" marL="457200" rtl="0" algn="l">
+            <a:pPr marL="457200" lvl="0" indent="-311150" algn="l" rtl="0">
               <a:spcBef>
                 <a:spcPts val="0"/>
               </a:spcBef>
@@ -10509,7 +10559,7 @@
               <a:t>“Full History: Battleship New Jersey.” </a:t>
             </a:r>
             <a:r>
-              <a:rPr i="1" lang="en" sz="1100">
+              <a:rPr lang="en" sz="1100" i="1">
                 <a:solidFill>
                   <a:srgbClr val="000000"/>
                 </a:solidFill>
@@ -10556,7 +10606,7 @@
             </a:endParaRPr>
           </a:p>
           <a:p>
-            <a:pPr indent="-311150" lvl="0" marL="457200" rtl="0" algn="l">
+            <a:pPr marL="457200" lvl="0" indent="-311150" algn="l" rtl="0">
               <a:spcBef>
                 <a:spcPts val="0"/>
               </a:spcBef>
@@ -10570,9 +10620,6 @@
               <a:buFont typeface="Times New Roman"/>
               <a:buChar char="●"/>
             </a:pPr>
-            <a:r>
-              <a:t/>
-            </a:r>
             <a:endParaRPr>
               <a:solidFill>
                 <a:srgbClr val="000000"/>
@@ -10594,11 +10641,11 @@
 </file>
 
 <file path=ppt/slides/slide2.xml><?xml version="1.0" encoding="utf-8"?>
-<p:sld xmlns:a="http://schemas.openxmlformats.org/drawingml/2006/main" xmlns:r="http://schemas.openxmlformats.org/officeDocument/2006/relationships" xmlns:mc="http://schemas.openxmlformats.org/markup-compatibility/2006" xmlns:mv="urn:schemas-microsoft-com:mac:vml" xmlns:p="http://schemas.openxmlformats.org/presentationml/2006/main" xmlns:c="http://schemas.openxmlformats.org/drawingml/2006/chart" xmlns:dgm="http://schemas.openxmlformats.org/drawingml/2006/diagram" xmlns:o="urn:schemas-microsoft-com:office:office" xmlns:v="urn:schemas-microsoft-com:vml" xmlns:pvml="urn:schemas-microsoft-com:office:powerpoint" xmlns:com="http://schemas.openxmlformats.org/drawingml/2006/compatibility" xmlns:p14="http://schemas.microsoft.com/office/powerpoint/2010/main" xmlns:p15="http://schemas.microsoft.com/office/powerpoint/2012/main" xmlns:ahyp="http://schemas.microsoft.com/office/drawing/2018/hyperlinkcolor">
+<p:sld xmlns:a="http://schemas.openxmlformats.org/drawingml/2006/main" xmlns:r="http://schemas.openxmlformats.org/officeDocument/2006/relationships" xmlns:p="http://schemas.openxmlformats.org/presentationml/2006/main">
   <p:cSld>
     <p:spTree>
       <p:nvGrpSpPr>
-        <p:cNvPr id="91" name="Shape 91"/>
+        <p:cNvPr id="1" name="Shape 91"/>
         <p:cNvGrpSpPr/>
         <p:nvPr/>
       </p:nvGrpSpPr>
@@ -10613,7 +10660,9 @@
       <p:sp>
         <p:nvSpPr>
           <p:cNvPr id="92" name="Google Shape;92;p14"/>
-          <p:cNvSpPr txBox="1"/>
+          <p:cNvSpPr txBox="1">
+            <a:spLocks noGrp="1"/>
+          </p:cNvSpPr>
           <p:nvPr>
             <p:ph type="title"/>
           </p:nvPr>
@@ -10628,12 +10677,12 @@
           </a:prstGeom>
         </p:spPr>
         <p:txBody>
-          <a:bodyPr anchorCtr="0" anchor="t" bIns="91425" lIns="91425" spcFirstLastPara="1" rIns="91425" wrap="square" tIns="91425">
+          <a:bodyPr spcFirstLastPara="1" wrap="square" lIns="91425" tIns="91425" rIns="91425" bIns="91425" anchor="t" anchorCtr="0">
             <a:noAutofit/>
           </a:bodyPr>
           <a:lstStyle/>
           <a:p>
-            <a:pPr indent="0" lvl="0" marL="0" rtl="0" algn="l">
+            <a:pPr marL="0" lvl="0" indent="0" algn="l" rtl="0">
               <a:spcBef>
                 <a:spcPts val="0"/>
               </a:spcBef>
@@ -10664,9 +10713,11 @@
       <p:sp>
         <p:nvSpPr>
           <p:cNvPr id="93" name="Google Shape;93;p14"/>
-          <p:cNvSpPr txBox="1"/>
+          <p:cNvSpPr txBox="1">
+            <a:spLocks noGrp="1"/>
+          </p:cNvSpPr>
           <p:nvPr>
-            <p:ph idx="1" type="body"/>
+            <p:ph type="body" idx="1"/>
           </p:nvPr>
         </p:nvSpPr>
         <p:spPr>
@@ -10679,12 +10730,12 @@
           </a:prstGeom>
         </p:spPr>
         <p:txBody>
-          <a:bodyPr anchorCtr="0" anchor="t" bIns="91425" lIns="91425" spcFirstLastPara="1" rIns="91425" wrap="square" tIns="91425">
+          <a:bodyPr spcFirstLastPara="1" wrap="square" lIns="91425" tIns="91425" rIns="91425" bIns="91425" anchor="t" anchorCtr="0">
             <a:normAutofit/>
           </a:bodyPr>
           <a:lstStyle/>
           <a:p>
-            <a:pPr indent="-355600" lvl="0" marL="457200" rtl="0" algn="l">
+            <a:pPr marL="457200" lvl="0" indent="-355600" algn="l" rtl="0">
               <a:spcBef>
                 <a:spcPts val="1000"/>
               </a:spcBef>
@@ -10721,7 +10772,7 @@
             </a:endParaRPr>
           </a:p>
           <a:p>
-            <a:pPr indent="-355600" lvl="0" marL="457200" rtl="0" algn="l">
+            <a:pPr marL="457200" lvl="0" indent="-355600" algn="l" rtl="0">
               <a:spcBef>
                 <a:spcPts val="1000"/>
               </a:spcBef>
@@ -10758,7 +10809,7 @@
             </a:endParaRPr>
           </a:p>
           <a:p>
-            <a:pPr indent="-355600" lvl="0" marL="457200" rtl="0" algn="l">
+            <a:pPr marL="457200" lvl="0" indent="-355600" algn="l" rtl="0">
               <a:spcBef>
                 <a:spcPts val="1000"/>
               </a:spcBef>
@@ -10795,7 +10846,7 @@
             </a:endParaRPr>
           </a:p>
           <a:p>
-            <a:pPr indent="0" lvl="0" marL="0" rtl="0" algn="l">
+            <a:pPr marL="0" lvl="0" indent="0" algn="l" rtl="0">
               <a:spcBef>
                 <a:spcPts val="1000"/>
               </a:spcBef>
@@ -10804,9 +10855,6 @@
               </a:spcAft>
               <a:buNone/>
             </a:pPr>
-            <a:r>
-              <a:t/>
-            </a:r>
             <a:endParaRPr sz="2000">
               <a:solidFill>
                 <a:schemeClr val="dk2"/>
@@ -10828,11 +10876,11 @@
 </file>
 
 <file path=ppt/slides/slide3.xml><?xml version="1.0" encoding="utf-8"?>
-<p:sld xmlns:a="http://schemas.openxmlformats.org/drawingml/2006/main" xmlns:r="http://schemas.openxmlformats.org/officeDocument/2006/relationships" xmlns:mc="http://schemas.openxmlformats.org/markup-compatibility/2006" xmlns:mv="urn:schemas-microsoft-com:mac:vml" xmlns:p="http://schemas.openxmlformats.org/presentationml/2006/main" xmlns:c="http://schemas.openxmlformats.org/drawingml/2006/chart" xmlns:dgm="http://schemas.openxmlformats.org/drawingml/2006/diagram" xmlns:o="urn:schemas-microsoft-com:office:office" xmlns:v="urn:schemas-microsoft-com:vml" xmlns:pvml="urn:schemas-microsoft-com:office:powerpoint" xmlns:com="http://schemas.openxmlformats.org/drawingml/2006/compatibility" xmlns:p14="http://schemas.microsoft.com/office/powerpoint/2010/main" xmlns:p15="http://schemas.microsoft.com/office/powerpoint/2012/main" xmlns:ahyp="http://schemas.microsoft.com/office/drawing/2018/hyperlinkcolor">
+<p:sld xmlns:a="http://schemas.openxmlformats.org/drawingml/2006/main" xmlns:r="http://schemas.openxmlformats.org/officeDocument/2006/relationships" xmlns:p="http://schemas.openxmlformats.org/presentationml/2006/main">
   <p:cSld>
     <p:spTree>
       <p:nvGrpSpPr>
-        <p:cNvPr id="97" name="Shape 97"/>
+        <p:cNvPr id="1" name="Shape 97"/>
         <p:cNvGrpSpPr/>
         <p:nvPr/>
       </p:nvGrpSpPr>
@@ -10847,7 +10895,9 @@
       <p:sp>
         <p:nvSpPr>
           <p:cNvPr id="98" name="Google Shape;98;p15"/>
-          <p:cNvSpPr txBox="1"/>
+          <p:cNvSpPr txBox="1">
+            <a:spLocks noGrp="1"/>
+          </p:cNvSpPr>
           <p:nvPr>
             <p:ph type="title"/>
           </p:nvPr>
@@ -10862,12 +10912,12 @@
           </a:prstGeom>
         </p:spPr>
         <p:txBody>
-          <a:bodyPr anchorCtr="0" anchor="t" bIns="91425" lIns="91425" spcFirstLastPara="1" rIns="91425" wrap="square" tIns="91425">
+          <a:bodyPr spcFirstLastPara="1" wrap="square" lIns="91425" tIns="91425" rIns="91425" bIns="91425" anchor="t" anchorCtr="0">
             <a:noAutofit/>
           </a:bodyPr>
           <a:lstStyle/>
           <a:p>
-            <a:pPr indent="0" lvl="0" marL="0" rtl="0" algn="l">
+            <a:pPr marL="0" lvl="0" indent="0" algn="l" rtl="0">
               <a:spcBef>
                 <a:spcPts val="0"/>
               </a:spcBef>
@@ -10884,16 +10934,7 @@
                 <a:cs typeface="Times New Roman"/>
                 <a:sym typeface="Times New Roman"/>
               </a:rPr>
-              <a:t>Introduction</a:t>
-            </a:r>
-            <a:r>
-              <a:rPr lang="en" sz="2540">
-                <a:latin typeface="Times New Roman"/>
-                <a:ea typeface="Times New Roman"/>
-                <a:cs typeface="Times New Roman"/>
-                <a:sym typeface="Times New Roman"/>
-              </a:rPr>
-              <a:t> </a:t>
+              <a:t>Introduction </a:t>
             </a:r>
             <a:endParaRPr sz="2540">
               <a:latin typeface="Times New Roman"/>
@@ -10907,9 +10948,11 @@
       <p:sp>
         <p:nvSpPr>
           <p:cNvPr id="99" name="Google Shape;99;p15"/>
-          <p:cNvSpPr txBox="1"/>
+          <p:cNvSpPr txBox="1">
+            <a:spLocks noGrp="1"/>
+          </p:cNvSpPr>
           <p:nvPr>
-            <p:ph idx="1" type="body"/>
+            <p:ph type="body" idx="1"/>
           </p:nvPr>
         </p:nvSpPr>
         <p:spPr>
@@ -10922,12 +10965,12 @@
           </a:prstGeom>
         </p:spPr>
         <p:txBody>
-          <a:bodyPr anchorCtr="0" anchor="t" bIns="91425" lIns="91425" spcFirstLastPara="1" rIns="91425" wrap="square" tIns="91425">
+          <a:bodyPr spcFirstLastPara="1" wrap="square" lIns="91425" tIns="91425" rIns="91425" bIns="91425" anchor="t" anchorCtr="0">
             <a:normAutofit/>
           </a:bodyPr>
           <a:lstStyle/>
           <a:p>
-            <a:pPr indent="-342900" lvl="0" marL="457200" rtl="0" algn="l">
+            <a:pPr marL="457200" lvl="0" indent="-342900" algn="l" rtl="0">
               <a:spcBef>
                 <a:spcPts val="0"/>
               </a:spcBef>
@@ -10951,31 +10994,7 @@
                 <a:cs typeface="Times New Roman"/>
                 <a:sym typeface="Times New Roman"/>
               </a:rPr>
-              <a:t>Goal: Make a simple model on t</a:t>
-            </a:r>
-            <a:r>
-              <a:rPr lang="en" sz="1800">
-                <a:solidFill>
-                  <a:schemeClr val="dk2"/>
-                </a:solidFill>
-                <a:latin typeface="Times New Roman"/>
-                <a:ea typeface="Times New Roman"/>
-                <a:cs typeface="Times New Roman"/>
-                <a:sym typeface="Times New Roman"/>
-              </a:rPr>
-              <a:t>he</a:t>
-            </a:r>
-            <a:r>
-              <a:rPr lang="en" sz="1800">
-                <a:solidFill>
-                  <a:schemeClr val="dk2"/>
-                </a:solidFill>
-                <a:latin typeface="Times New Roman"/>
-                <a:ea typeface="Times New Roman"/>
-                <a:cs typeface="Times New Roman"/>
-                <a:sym typeface="Times New Roman"/>
-              </a:rPr>
-              <a:t> effects the coriolis force has on long range ballistics. </a:t>
+              <a:t>Goal: Make a simple model on the effects the coriolis force has on long range ballistics. </a:t>
             </a:r>
             <a:endParaRPr sz="1800">
               <a:solidFill>
@@ -10988,7 +11007,7 @@
             </a:endParaRPr>
           </a:p>
           <a:p>
-            <a:pPr indent="-342900" lvl="0" marL="457200" rtl="0" algn="l">
+            <a:pPr marL="457200" lvl="0" indent="-342900" algn="l" rtl="0">
               <a:spcBef>
                 <a:spcPts val="0"/>
               </a:spcBef>
@@ -11074,12 +11093,12 @@
           </a:ln>
         </p:spPr>
         <p:txBody>
-          <a:bodyPr anchorCtr="0" anchor="t" bIns="80950" lIns="80950" spcFirstLastPara="1" rIns="80950" wrap="square" tIns="80950">
+          <a:bodyPr spcFirstLastPara="1" wrap="square" lIns="80950" tIns="80950" rIns="80950" bIns="80950" anchor="t" anchorCtr="0">
             <a:spAutoFit/>
           </a:bodyPr>
           <a:lstStyle/>
           <a:p>
-            <a:pPr indent="0" lvl="0" marL="0" rtl="0" algn="ctr">
+            <a:pPr marL="0" lvl="0" indent="0" algn="ctr" rtl="0">
               <a:spcBef>
                 <a:spcPts val="0"/>
               </a:spcBef>
@@ -11089,33 +11108,15 @@
               <a:buNone/>
             </a:pPr>
             <a:r>
-              <a:rPr b="1" lang="en" sz="1151">
+              <a:rPr lang="en" sz="1151" b="1">
                 <a:latin typeface="Times New Roman"/>
                 <a:ea typeface="Times New Roman"/>
                 <a:cs typeface="Times New Roman"/>
                 <a:sym typeface="Times New Roman"/>
               </a:rPr>
-              <a:t>Fig. 1 </a:t>
+              <a:t>Fig. 1 Acceleration Equations (9.53) from Taylor</a:t>
             </a:r>
-            <a:r>
-              <a:rPr b="1" lang="en" sz="1151">
-                <a:latin typeface="Times New Roman"/>
-                <a:ea typeface="Times New Roman"/>
-                <a:cs typeface="Times New Roman"/>
-                <a:sym typeface="Times New Roman"/>
-              </a:rPr>
-              <a:t>Acceleration</a:t>
-            </a:r>
-            <a:r>
-              <a:rPr b="1" lang="en" sz="1151">
-                <a:latin typeface="Times New Roman"/>
-                <a:ea typeface="Times New Roman"/>
-                <a:cs typeface="Times New Roman"/>
-                <a:sym typeface="Times New Roman"/>
-              </a:rPr>
-              <a:t> Equations (9.53) from Taylor</a:t>
-            </a:r>
-            <a:endParaRPr b="1" sz="1151">
+            <a:endParaRPr sz="1151" b="1">
               <a:latin typeface="Times New Roman"/>
               <a:ea typeface="Times New Roman"/>
               <a:cs typeface="Times New Roman"/>
@@ -11133,11 +11134,11 @@
 </file>
 
 <file path=ppt/slides/slide4.xml><?xml version="1.0" encoding="utf-8"?>
-<p:sld xmlns:a="http://schemas.openxmlformats.org/drawingml/2006/main" xmlns:r="http://schemas.openxmlformats.org/officeDocument/2006/relationships" xmlns:mc="http://schemas.openxmlformats.org/markup-compatibility/2006" xmlns:mv="urn:schemas-microsoft-com:mac:vml" xmlns:p="http://schemas.openxmlformats.org/presentationml/2006/main" xmlns:c="http://schemas.openxmlformats.org/drawingml/2006/chart" xmlns:dgm="http://schemas.openxmlformats.org/drawingml/2006/diagram" xmlns:o="urn:schemas-microsoft-com:office:office" xmlns:v="urn:schemas-microsoft-com:vml" xmlns:pvml="urn:schemas-microsoft-com:office:powerpoint" xmlns:com="http://schemas.openxmlformats.org/drawingml/2006/compatibility" xmlns:p14="http://schemas.microsoft.com/office/powerpoint/2010/main" xmlns:p15="http://schemas.microsoft.com/office/powerpoint/2012/main" xmlns:ahyp="http://schemas.microsoft.com/office/drawing/2018/hyperlinkcolor">
+<p:sld xmlns:a="http://schemas.openxmlformats.org/drawingml/2006/main" xmlns:r="http://schemas.openxmlformats.org/officeDocument/2006/relationships" xmlns:p="http://schemas.openxmlformats.org/presentationml/2006/main">
   <p:cSld>
     <p:spTree>
       <p:nvGrpSpPr>
-        <p:cNvPr id="105" name="Shape 105"/>
+        <p:cNvPr id="1" name="Shape 105"/>
         <p:cNvGrpSpPr/>
         <p:nvPr/>
       </p:nvGrpSpPr>
@@ -11152,7 +11153,9 @@
       <p:sp>
         <p:nvSpPr>
           <p:cNvPr id="106" name="Google Shape;106;p16"/>
-          <p:cNvSpPr txBox="1"/>
+          <p:cNvSpPr txBox="1">
+            <a:spLocks noGrp="1"/>
+          </p:cNvSpPr>
           <p:nvPr>
             <p:ph type="title"/>
           </p:nvPr>
@@ -11167,12 +11170,12 @@
           </a:prstGeom>
         </p:spPr>
         <p:txBody>
-          <a:bodyPr anchorCtr="0" anchor="t" bIns="91425" lIns="91425" spcFirstLastPara="1" rIns="91425" wrap="square" tIns="91425">
+          <a:bodyPr spcFirstLastPara="1" wrap="square" lIns="91425" tIns="91425" rIns="91425" bIns="91425" anchor="t" anchorCtr="0">
             <a:noAutofit/>
           </a:bodyPr>
           <a:lstStyle/>
           <a:p>
-            <a:pPr indent="0" lvl="0" marL="0" rtl="0" algn="l">
+            <a:pPr marL="0" lvl="0" indent="0" algn="l" rtl="0">
               <a:spcBef>
                 <a:spcPts val="0"/>
               </a:spcBef>
@@ -11191,7 +11194,7 @@
               </a:rPr>
               <a:t>Building The Model - What are we doing</a:t>
             </a:r>
-            <a:endParaRPr b="0" sz="1400">
+            <a:endParaRPr sz="1400" b="0">
               <a:solidFill>
                 <a:schemeClr val="accent1"/>
               </a:solidFill>
@@ -11202,7 +11205,7 @@
             </a:endParaRPr>
           </a:p>
           <a:p>
-            <a:pPr indent="0" lvl="0" marL="0" rtl="0" algn="l">
+            <a:pPr marL="0" lvl="0" indent="0" algn="l" rtl="0">
               <a:spcBef>
                 <a:spcPts val="0"/>
               </a:spcBef>
@@ -11212,9 +11215,6 @@
               <a:buSzPts val="990"/>
               <a:buNone/>
             </a:pPr>
-            <a:r>
-              <a:t/>
-            </a:r>
             <a:endParaRPr sz="2540">
               <a:latin typeface="Times New Roman"/>
               <a:ea typeface="Times New Roman"/>
@@ -11227,9 +11227,11 @@
       <p:sp>
         <p:nvSpPr>
           <p:cNvPr id="107" name="Google Shape;107;p16"/>
-          <p:cNvSpPr txBox="1"/>
+          <p:cNvSpPr txBox="1">
+            <a:spLocks noGrp="1"/>
+          </p:cNvSpPr>
           <p:nvPr>
-            <p:ph idx="1" type="body"/>
+            <p:ph type="body" idx="1"/>
           </p:nvPr>
         </p:nvSpPr>
         <p:spPr>
@@ -11242,12 +11244,12 @@
           </a:prstGeom>
         </p:spPr>
         <p:txBody>
-          <a:bodyPr anchorCtr="0" anchor="t" bIns="91425" lIns="91425" spcFirstLastPara="1" rIns="91425" wrap="square" tIns="91425">
+          <a:bodyPr spcFirstLastPara="1" wrap="square" lIns="91425" tIns="91425" rIns="91425" bIns="91425" anchor="t" anchorCtr="0">
             <a:normAutofit/>
           </a:bodyPr>
           <a:lstStyle/>
           <a:p>
-            <a:pPr indent="-342900" lvl="0" marL="457200" rtl="0" algn="l">
+            <a:pPr marL="457200" lvl="0" indent="-342900" algn="l" rtl="0">
               <a:lnSpc>
                 <a:spcPct val="200000"/>
               </a:lnSpc>
@@ -11287,7 +11289,7 @@
             </a:endParaRPr>
           </a:p>
           <a:p>
-            <a:pPr indent="-342900" lvl="0" marL="457200" rtl="0" algn="l">
+            <a:pPr marL="457200" lvl="0" indent="-342900" algn="l" rtl="0">
               <a:lnSpc>
                 <a:spcPct val="200000"/>
               </a:lnSpc>
@@ -11327,7 +11329,7 @@
             </a:endParaRPr>
           </a:p>
           <a:p>
-            <a:pPr indent="-342900" lvl="0" marL="457200" rtl="0" algn="l">
+            <a:pPr marL="457200" lvl="0" indent="-342900" algn="l" rtl="0">
               <a:lnSpc>
                 <a:spcPct val="200000"/>
               </a:lnSpc>
@@ -11377,11 +11379,11 @@
 </file>
 
 <file path=ppt/slides/slide5.xml><?xml version="1.0" encoding="utf-8"?>
-<p:sld xmlns:a="http://schemas.openxmlformats.org/drawingml/2006/main" xmlns:r="http://schemas.openxmlformats.org/officeDocument/2006/relationships" xmlns:mc="http://schemas.openxmlformats.org/markup-compatibility/2006" xmlns:mv="urn:schemas-microsoft-com:mac:vml" xmlns:p="http://schemas.openxmlformats.org/presentationml/2006/main" xmlns:c="http://schemas.openxmlformats.org/drawingml/2006/chart" xmlns:dgm="http://schemas.openxmlformats.org/drawingml/2006/diagram" xmlns:o="urn:schemas-microsoft-com:office:office" xmlns:v="urn:schemas-microsoft-com:vml" xmlns:pvml="urn:schemas-microsoft-com:office:powerpoint" xmlns:com="http://schemas.openxmlformats.org/drawingml/2006/compatibility" xmlns:p14="http://schemas.microsoft.com/office/powerpoint/2010/main" xmlns:p15="http://schemas.microsoft.com/office/powerpoint/2012/main" xmlns:ahyp="http://schemas.microsoft.com/office/drawing/2018/hyperlinkcolor">
+<p:sld xmlns:a="http://schemas.openxmlformats.org/drawingml/2006/main" xmlns:r="http://schemas.openxmlformats.org/officeDocument/2006/relationships" xmlns:p="http://schemas.openxmlformats.org/presentationml/2006/main">
   <p:cSld>
     <p:spTree>
       <p:nvGrpSpPr>
-        <p:cNvPr id="111" name="Shape 111"/>
+        <p:cNvPr id="1" name="Shape 111"/>
         <p:cNvGrpSpPr/>
         <p:nvPr/>
       </p:nvGrpSpPr>
@@ -11396,7 +11398,9 @@
       <p:sp>
         <p:nvSpPr>
           <p:cNvPr id="112" name="Google Shape;112;p17"/>
-          <p:cNvSpPr txBox="1"/>
+          <p:cNvSpPr txBox="1">
+            <a:spLocks noGrp="1"/>
+          </p:cNvSpPr>
           <p:nvPr>
             <p:ph type="title"/>
           </p:nvPr>
@@ -11414,12 +11418,12 @@
           </a:ln>
         </p:spPr>
         <p:txBody>
-          <a:bodyPr anchorCtr="0" anchor="t" bIns="91425" lIns="91425" spcFirstLastPara="1" rIns="91425" wrap="square" tIns="91425">
+          <a:bodyPr spcFirstLastPara="1" wrap="square" lIns="91425" tIns="91425" rIns="91425" bIns="91425" anchor="t" anchorCtr="0">
             <a:noAutofit/>
           </a:bodyPr>
           <a:lstStyle/>
           <a:p>
-            <a:pPr indent="0" lvl="0" marL="0" rtl="0" algn="l">
+            <a:pPr marL="0" lvl="0" indent="0" algn="l" rtl="0">
               <a:lnSpc>
                 <a:spcPct val="200000"/>
               </a:lnSpc>
@@ -11508,9 +11512,11 @@
       <p:sp>
         <p:nvSpPr>
           <p:cNvPr id="115" name="Google Shape;115;p17"/>
-          <p:cNvSpPr txBox="1"/>
+          <p:cNvSpPr txBox="1">
+            <a:spLocks noGrp="1"/>
+          </p:cNvSpPr>
           <p:nvPr>
-            <p:ph idx="1" type="body"/>
+            <p:ph type="body" idx="1"/>
           </p:nvPr>
         </p:nvSpPr>
         <p:spPr>
@@ -11527,12 +11533,12 @@
           </a:ln>
         </p:spPr>
         <p:txBody>
-          <a:bodyPr anchorCtr="0" anchor="t" bIns="91425" lIns="91425" spcFirstLastPara="1" rIns="91425" wrap="square" tIns="91425">
+          <a:bodyPr spcFirstLastPara="1" wrap="square" lIns="91425" tIns="91425" rIns="91425" bIns="91425" anchor="t" anchorCtr="0">
             <a:noAutofit/>
           </a:bodyPr>
           <a:lstStyle/>
           <a:p>
-            <a:pPr indent="0" lvl="0" marL="0" rtl="0" algn="l">
+            <a:pPr marL="0" lvl="0" indent="0" algn="l" rtl="0">
               <a:spcBef>
                 <a:spcPts val="0"/>
               </a:spcBef>
@@ -11542,7 +11548,7 @@
               <a:buNone/>
             </a:pPr>
             <a:r>
-              <a:rPr b="1" lang="en" sz="1400" u="sng">
+              <a:rPr lang="en" sz="1400" b="1" u="sng">
                 <a:solidFill>
                   <a:schemeClr val="dk2"/>
                 </a:solidFill>
@@ -11553,7 +11559,7 @@
               </a:rPr>
               <a:t>Assumptions </a:t>
             </a:r>
-            <a:endParaRPr b="1" sz="1400" u="sng">
+            <a:endParaRPr sz="1400" b="1" u="sng">
               <a:solidFill>
                 <a:schemeClr val="dk2"/>
               </a:solidFill>
@@ -11564,7 +11570,7 @@
             </a:endParaRPr>
           </a:p>
           <a:p>
-            <a:pPr indent="0" lvl="0" marL="0" rtl="0" algn="l">
+            <a:pPr marL="0" lvl="0" indent="0" algn="l" rtl="0">
               <a:spcBef>
                 <a:spcPts val="1200"/>
               </a:spcBef>
@@ -11573,9 +11579,6 @@
               </a:spcAft>
               <a:buNone/>
             </a:pPr>
-            <a:r>
-              <a:t/>
-            </a:r>
             <a:endParaRPr sz="1400">
               <a:solidFill>
                 <a:schemeClr val="dk2"/>
@@ -11587,7 +11590,7 @@
             </a:endParaRPr>
           </a:p>
           <a:p>
-            <a:pPr indent="0" lvl="0" marL="0" rtl="0" algn="l">
+            <a:pPr marL="0" lvl="0" indent="0" algn="l" rtl="0">
               <a:spcBef>
                 <a:spcPts val="1200"/>
               </a:spcBef>
@@ -11596,9 +11599,6 @@
               </a:spcAft>
               <a:buNone/>
             </a:pPr>
-            <a:r>
-              <a:t/>
-            </a:r>
             <a:endParaRPr sz="1400">
               <a:solidFill>
                 <a:schemeClr val="dk2"/>
@@ -11631,12 +11631,12 @@
           </a:ln>
         </p:spPr>
         <p:txBody>
-          <a:bodyPr anchorCtr="0" anchor="t" bIns="91425" lIns="91425" spcFirstLastPara="1" rIns="91425" wrap="square" tIns="91425">
+          <a:bodyPr spcFirstLastPara="1" wrap="square" lIns="91425" tIns="91425" rIns="91425" bIns="91425" anchor="t" anchorCtr="0">
             <a:spAutoFit/>
           </a:bodyPr>
           <a:lstStyle/>
           <a:p>
-            <a:pPr indent="0" lvl="0" marL="0" rtl="0" algn="l">
+            <a:pPr marL="0" lvl="0" indent="0" algn="l" rtl="0">
               <a:lnSpc>
                 <a:spcPct val="115000"/>
               </a:lnSpc>
@@ -11661,7 +11661,7 @@
               <a:t>V</a:t>
             </a:r>
             <a:r>
-              <a:rPr baseline="-25000" lang="en">
+              <a:rPr lang="en" baseline="-25000">
                 <a:solidFill>
                   <a:schemeClr val="dk2"/>
                 </a:solidFill>
@@ -11695,7 +11695,7 @@
             </a:endParaRPr>
           </a:p>
           <a:p>
-            <a:pPr indent="0" lvl="0" marL="0" rtl="0" algn="l">
+            <a:pPr marL="0" lvl="0" indent="0" algn="l" rtl="0">
               <a:lnSpc>
                 <a:spcPct val="115000"/>
               </a:lnSpc>
@@ -11730,7 +11730,7 @@
             </a:endParaRPr>
           </a:p>
           <a:p>
-            <a:pPr indent="0" lvl="0" marL="0" rtl="0" algn="l">
+            <a:pPr marL="0" lvl="0" indent="0" algn="l" rtl="0">
               <a:lnSpc>
                 <a:spcPct val="115000"/>
               </a:lnSpc>
@@ -11765,7 +11765,7 @@
             </a:endParaRPr>
           </a:p>
           <a:p>
-            <a:pPr indent="0" lvl="0" marL="0" rtl="0" algn="l">
+            <a:pPr marL="0" lvl="0" indent="0" algn="l" rtl="0">
               <a:lnSpc>
                 <a:spcPct val="115000"/>
               </a:lnSpc>
@@ -11790,7 +11790,7 @@
               <a:t>𝛀 = 7.3*10</a:t>
             </a:r>
             <a:r>
-              <a:rPr baseline="30000" lang="en">
+              <a:rPr lang="en" baseline="30000">
                 <a:solidFill>
                   <a:schemeClr val="dk2"/>
                 </a:solidFill>
@@ -11837,12 +11837,12 @@
           </a:ln>
         </p:spPr>
         <p:txBody>
-          <a:bodyPr anchorCtr="0" anchor="t" bIns="91425" lIns="91425" spcFirstLastPara="1" rIns="91425" wrap="square" tIns="91425">
+          <a:bodyPr spcFirstLastPara="1" wrap="square" lIns="91425" tIns="91425" rIns="91425" bIns="91425" anchor="t" anchorCtr="0">
             <a:spAutoFit/>
           </a:bodyPr>
           <a:lstStyle/>
           <a:p>
-            <a:pPr indent="0" lvl="0" marL="0" rtl="0" algn="l">
+            <a:pPr marL="0" lvl="0" indent="0" algn="l" rtl="0">
               <a:lnSpc>
                 <a:spcPct val="115000"/>
               </a:lnSpc>
@@ -11855,7 +11855,7 @@
               <a:buNone/>
             </a:pPr>
             <a:r>
-              <a:rPr b="1" lang="en" u="sng">
+              <a:rPr lang="en" b="1" u="sng">
                 <a:solidFill>
                   <a:schemeClr val="dk2"/>
                 </a:solidFill>
@@ -11890,12 +11890,12 @@
           </a:ln>
         </p:spPr>
         <p:txBody>
-          <a:bodyPr anchorCtr="0" anchor="t" bIns="91425" lIns="91425" spcFirstLastPara="1" rIns="91425" wrap="square" tIns="91425">
+          <a:bodyPr spcFirstLastPara="1" wrap="square" lIns="91425" tIns="91425" rIns="91425" bIns="91425" anchor="t" anchorCtr="0">
             <a:spAutoFit/>
           </a:bodyPr>
           <a:lstStyle/>
           <a:p>
-            <a:pPr indent="-317500" lvl="0" marL="457200" rtl="0" algn="l">
+            <a:pPr marL="457200" lvl="0" indent="-317500" algn="l" rtl="0">
               <a:lnSpc>
                 <a:spcPct val="115000"/>
               </a:lnSpc>
@@ -11935,7 +11935,7 @@
             </a:endParaRPr>
           </a:p>
           <a:p>
-            <a:pPr indent="-317500" lvl="0" marL="457200" rtl="0" algn="l">
+            <a:pPr marL="457200" lvl="0" indent="-317500" algn="l" rtl="0">
               <a:lnSpc>
                 <a:spcPct val="115000"/>
               </a:lnSpc>
@@ -11975,7 +11975,7 @@
             </a:endParaRPr>
           </a:p>
           <a:p>
-            <a:pPr indent="-317500" lvl="0" marL="457200" rtl="0" algn="l">
+            <a:pPr marL="457200" lvl="0" indent="-317500" algn="l" rtl="0">
               <a:lnSpc>
                 <a:spcPct val="115000"/>
               </a:lnSpc>
@@ -12015,7 +12015,7 @@
             </a:endParaRPr>
           </a:p>
           <a:p>
-            <a:pPr indent="-317500" lvl="0" marL="457200" rtl="0" algn="l">
+            <a:pPr marL="457200" lvl="0" indent="-317500" algn="l" rtl="0">
               <a:lnSpc>
                 <a:spcPct val="115000"/>
               </a:lnSpc>
@@ -12055,7 +12055,7 @@
             </a:endParaRPr>
           </a:p>
           <a:p>
-            <a:pPr indent="-317500" lvl="0" marL="457200" rtl="0" algn="l">
+            <a:pPr marL="457200" lvl="0" indent="-317500" algn="l" rtl="0">
               <a:lnSpc>
                 <a:spcPct val="115000"/>
               </a:lnSpc>
@@ -12105,11 +12105,11 @@
 </file>
 
 <file path=ppt/slides/slide6.xml><?xml version="1.0" encoding="utf-8"?>
-<p:sld xmlns:a="http://schemas.openxmlformats.org/drawingml/2006/main" xmlns:r="http://schemas.openxmlformats.org/officeDocument/2006/relationships" xmlns:mc="http://schemas.openxmlformats.org/markup-compatibility/2006" xmlns:mv="urn:schemas-microsoft-com:mac:vml" xmlns:p="http://schemas.openxmlformats.org/presentationml/2006/main" xmlns:c="http://schemas.openxmlformats.org/drawingml/2006/chart" xmlns:dgm="http://schemas.openxmlformats.org/drawingml/2006/diagram" xmlns:o="urn:schemas-microsoft-com:office:office" xmlns:v="urn:schemas-microsoft-com:vml" xmlns:pvml="urn:schemas-microsoft-com:office:powerpoint" xmlns:com="http://schemas.openxmlformats.org/drawingml/2006/compatibility" xmlns:p14="http://schemas.microsoft.com/office/powerpoint/2010/main" xmlns:p15="http://schemas.microsoft.com/office/powerpoint/2012/main" xmlns:ahyp="http://schemas.microsoft.com/office/drawing/2018/hyperlinkcolor">
+<p:sld xmlns:a="http://schemas.openxmlformats.org/drawingml/2006/main" xmlns:r="http://schemas.openxmlformats.org/officeDocument/2006/relationships" xmlns:p="http://schemas.openxmlformats.org/presentationml/2006/main">
   <p:cSld>
     <p:spTree>
       <p:nvGrpSpPr>
-        <p:cNvPr id="122" name="Shape 122"/>
+        <p:cNvPr id="1" name="Shape 122"/>
         <p:cNvGrpSpPr/>
         <p:nvPr/>
       </p:nvGrpSpPr>
@@ -12124,7 +12124,9 @@
       <p:sp>
         <p:nvSpPr>
           <p:cNvPr id="123" name="Google Shape;123;p18"/>
-          <p:cNvSpPr txBox="1"/>
+          <p:cNvSpPr txBox="1">
+            <a:spLocks noGrp="1"/>
+          </p:cNvSpPr>
           <p:nvPr>
             <p:ph type="title"/>
           </p:nvPr>
@@ -12139,12 +12141,12 @@
           </a:prstGeom>
         </p:spPr>
         <p:txBody>
-          <a:bodyPr anchorCtr="0" anchor="t" bIns="91425" lIns="91425" spcFirstLastPara="1" rIns="91425" wrap="square" tIns="91425">
+          <a:bodyPr spcFirstLastPara="1" wrap="square" lIns="91425" tIns="91425" rIns="91425" bIns="91425" anchor="t" anchorCtr="0">
             <a:normAutofit fontScale="90000"/>
           </a:bodyPr>
           <a:lstStyle/>
           <a:p>
-            <a:pPr indent="0" lvl="0" marL="0" rtl="0" algn="l">
+            <a:pPr marL="0" lvl="0" indent="0" algn="l" rtl="0">
               <a:spcBef>
                 <a:spcPts val="0"/>
               </a:spcBef>
@@ -12171,7 +12173,7 @@
           <a:blip r:embed="rId3">
             <a:alphaModFix/>
           </a:blip>
-          <a:srcRect b="5785" l="0" r="10770" t="21991"/>
+          <a:srcRect t="21991" r="10770" b="5785"/>
           <a:stretch/>
         </p:blipFill>
         <p:spPr>
@@ -12197,11 +12199,11 @@
 </file>
 
 <file path=ppt/slides/slide7.xml><?xml version="1.0" encoding="utf-8"?>
-<p:sld xmlns:a="http://schemas.openxmlformats.org/drawingml/2006/main" xmlns:r="http://schemas.openxmlformats.org/officeDocument/2006/relationships" xmlns:mc="http://schemas.openxmlformats.org/markup-compatibility/2006" xmlns:mv="urn:schemas-microsoft-com:mac:vml" xmlns:p="http://schemas.openxmlformats.org/presentationml/2006/main" xmlns:c="http://schemas.openxmlformats.org/drawingml/2006/chart" xmlns:dgm="http://schemas.openxmlformats.org/drawingml/2006/diagram" xmlns:o="urn:schemas-microsoft-com:office:office" xmlns:v="urn:schemas-microsoft-com:vml" xmlns:pvml="urn:schemas-microsoft-com:office:powerpoint" xmlns:com="http://schemas.openxmlformats.org/drawingml/2006/compatibility" xmlns:p14="http://schemas.microsoft.com/office/powerpoint/2010/main" xmlns:p15="http://schemas.microsoft.com/office/powerpoint/2012/main" xmlns:ahyp="http://schemas.microsoft.com/office/drawing/2018/hyperlinkcolor">
+<p:sld xmlns:a="http://schemas.openxmlformats.org/drawingml/2006/main" xmlns:r="http://schemas.openxmlformats.org/officeDocument/2006/relationships" xmlns:p="http://schemas.openxmlformats.org/presentationml/2006/main">
   <p:cSld>
     <p:spTree>
       <p:nvGrpSpPr>
-        <p:cNvPr id="128" name="Shape 128"/>
+        <p:cNvPr id="1" name="Shape 128"/>
         <p:cNvGrpSpPr/>
         <p:nvPr/>
       </p:nvGrpSpPr>
@@ -12216,7 +12218,9 @@
       <p:sp>
         <p:nvSpPr>
           <p:cNvPr id="129" name="Google Shape;129;p19"/>
-          <p:cNvSpPr txBox="1"/>
+          <p:cNvSpPr txBox="1">
+            <a:spLocks noGrp="1"/>
+          </p:cNvSpPr>
           <p:nvPr>
             <p:ph type="title"/>
           </p:nvPr>
@@ -12234,12 +12238,12 @@
           </a:ln>
         </p:spPr>
         <p:txBody>
-          <a:bodyPr anchorCtr="0" anchor="t" bIns="91425" lIns="91425" spcFirstLastPara="1" rIns="91425" wrap="square" tIns="91425">
+          <a:bodyPr spcFirstLastPara="1" wrap="square" lIns="91425" tIns="91425" rIns="91425" bIns="91425" anchor="t" anchorCtr="0">
             <a:noAutofit/>
           </a:bodyPr>
           <a:lstStyle/>
           <a:p>
-            <a:pPr indent="0" lvl="0" marL="0" rtl="0" algn="l">
+            <a:pPr marL="0" lvl="0" indent="0" algn="l" rtl="0">
               <a:lnSpc>
                 <a:spcPct val="200000"/>
               </a:lnSpc>
@@ -12272,9 +12276,11 @@
       <p:sp>
         <p:nvSpPr>
           <p:cNvPr id="130" name="Google Shape;130;p19"/>
-          <p:cNvSpPr txBox="1"/>
+          <p:cNvSpPr txBox="1">
+            <a:spLocks noGrp="1"/>
+          </p:cNvSpPr>
           <p:nvPr>
-            <p:ph idx="1" type="body"/>
+            <p:ph type="body" idx="1"/>
           </p:nvPr>
         </p:nvSpPr>
         <p:spPr>
@@ -12291,12 +12297,12 @@
           </a:ln>
         </p:spPr>
         <p:txBody>
-          <a:bodyPr anchorCtr="0" anchor="t" bIns="91425" lIns="91425" spcFirstLastPara="1" rIns="91425" wrap="square" tIns="91425">
+          <a:bodyPr spcFirstLastPara="1" wrap="square" lIns="91425" tIns="91425" rIns="91425" bIns="91425" anchor="t" anchorCtr="0">
             <a:noAutofit/>
           </a:bodyPr>
           <a:lstStyle/>
           <a:p>
-            <a:pPr indent="0" lvl="0" marL="0" rtl="0" algn="l">
+            <a:pPr marL="0" lvl="0" indent="0" algn="l" rtl="0">
               <a:spcBef>
                 <a:spcPts val="0"/>
               </a:spcBef>
@@ -12306,7 +12312,7 @@
               <a:buNone/>
             </a:pPr>
             <a:r>
-              <a:rPr b="1" lang="en" sz="1400" u="sng">
+              <a:rPr lang="en" sz="1400" b="1" u="sng">
                 <a:solidFill>
                   <a:schemeClr val="dk2"/>
                 </a:solidFill>
@@ -12317,7 +12323,7 @@
               </a:rPr>
               <a:t>Assumptions </a:t>
             </a:r>
-            <a:endParaRPr b="1" sz="1400" u="sng">
+            <a:endParaRPr sz="1400" b="1" u="sng">
               <a:solidFill>
                 <a:schemeClr val="dk2"/>
               </a:solidFill>
@@ -12328,7 +12334,7 @@
             </a:endParaRPr>
           </a:p>
           <a:p>
-            <a:pPr indent="0" lvl="0" marL="0" rtl="0" algn="l">
+            <a:pPr marL="0" lvl="0" indent="0" algn="l" rtl="0">
               <a:spcBef>
                 <a:spcPts val="1200"/>
               </a:spcBef>
@@ -12337,9 +12343,6 @@
               </a:spcAft>
               <a:buNone/>
             </a:pPr>
-            <a:r>
-              <a:t/>
-            </a:r>
             <a:endParaRPr sz="1400">
               <a:solidFill>
                 <a:schemeClr val="dk2"/>
@@ -12351,7 +12354,7 @@
             </a:endParaRPr>
           </a:p>
           <a:p>
-            <a:pPr indent="0" lvl="0" marL="0" rtl="0" algn="l">
+            <a:pPr marL="0" lvl="0" indent="0" algn="l" rtl="0">
               <a:spcBef>
                 <a:spcPts val="1200"/>
               </a:spcBef>
@@ -12360,9 +12363,6 @@
               </a:spcAft>
               <a:buNone/>
             </a:pPr>
-            <a:r>
-              <a:t/>
-            </a:r>
             <a:endParaRPr sz="1400">
               <a:solidFill>
                 <a:schemeClr val="dk2"/>
@@ -12395,12 +12395,12 @@
           </a:ln>
         </p:spPr>
         <p:txBody>
-          <a:bodyPr anchorCtr="0" anchor="t" bIns="91425" lIns="91425" spcFirstLastPara="1" rIns="91425" wrap="square" tIns="91425">
+          <a:bodyPr spcFirstLastPara="1" wrap="square" lIns="91425" tIns="91425" rIns="91425" bIns="91425" anchor="t" anchorCtr="0">
             <a:spAutoFit/>
           </a:bodyPr>
           <a:lstStyle/>
           <a:p>
-            <a:pPr indent="0" lvl="0" marL="0" rtl="0" algn="l">
+            <a:pPr marL="0" lvl="0" indent="0" algn="l" rtl="0">
               <a:lnSpc>
                 <a:spcPct val="115000"/>
               </a:lnSpc>
@@ -12425,7 +12425,7 @@
               <a:t>V</a:t>
             </a:r>
             <a:r>
-              <a:rPr baseline="-25000" lang="en">
+              <a:rPr lang="en" baseline="-25000">
                 <a:solidFill>
                   <a:schemeClr val="dk2"/>
                 </a:solidFill>
@@ -12459,7 +12459,7 @@
             </a:endParaRPr>
           </a:p>
           <a:p>
-            <a:pPr indent="0" lvl="0" marL="0" rtl="0" algn="l">
+            <a:pPr marL="0" lvl="0" indent="0" algn="l" rtl="0">
               <a:lnSpc>
                 <a:spcPct val="115000"/>
               </a:lnSpc>
@@ -12494,7 +12494,7 @@
             </a:endParaRPr>
           </a:p>
           <a:p>
-            <a:pPr indent="0" lvl="0" marL="0" rtl="0" algn="l">
+            <a:pPr marL="0" lvl="0" indent="0" algn="l" rtl="0">
               <a:lnSpc>
                 <a:spcPct val="115000"/>
               </a:lnSpc>
@@ -12529,7 +12529,7 @@
             </a:endParaRPr>
           </a:p>
           <a:p>
-            <a:pPr indent="0" lvl="0" marL="0" rtl="0" algn="l">
+            <a:pPr marL="0" lvl="0" indent="0" algn="l" rtl="0">
               <a:lnSpc>
                 <a:spcPct val="115000"/>
               </a:lnSpc>
@@ -12554,7 +12554,7 @@
               <a:t>𝛀 = 7.3*10</a:t>
             </a:r>
             <a:r>
-              <a:rPr baseline="30000" lang="en">
+              <a:rPr lang="en" baseline="30000">
                 <a:solidFill>
                   <a:schemeClr val="dk2"/>
                 </a:solidFill>
@@ -12601,12 +12601,12 @@
           </a:ln>
         </p:spPr>
         <p:txBody>
-          <a:bodyPr anchorCtr="0" anchor="t" bIns="91425" lIns="91425" spcFirstLastPara="1" rIns="91425" wrap="square" tIns="91425">
+          <a:bodyPr spcFirstLastPara="1" wrap="square" lIns="91425" tIns="91425" rIns="91425" bIns="91425" anchor="t" anchorCtr="0">
             <a:spAutoFit/>
           </a:bodyPr>
           <a:lstStyle/>
           <a:p>
-            <a:pPr indent="0" lvl="0" marL="0" rtl="0" algn="l">
+            <a:pPr marL="0" lvl="0" indent="0" algn="l" rtl="0">
               <a:lnSpc>
                 <a:spcPct val="115000"/>
               </a:lnSpc>
@@ -12619,7 +12619,7 @@
               <a:buNone/>
             </a:pPr>
             <a:r>
-              <a:rPr b="1" lang="en" u="sng">
+              <a:rPr lang="en" b="1" u="sng">
                 <a:solidFill>
                   <a:schemeClr val="dk2"/>
                 </a:solidFill>
@@ -12654,12 +12654,12 @@
           </a:ln>
         </p:spPr>
         <p:txBody>
-          <a:bodyPr anchorCtr="0" anchor="t" bIns="91425" lIns="91425" spcFirstLastPara="1" rIns="91425" wrap="square" tIns="91425">
+          <a:bodyPr spcFirstLastPara="1" wrap="square" lIns="91425" tIns="91425" rIns="91425" bIns="91425" anchor="t" anchorCtr="0">
             <a:spAutoFit/>
           </a:bodyPr>
           <a:lstStyle/>
           <a:p>
-            <a:pPr indent="-317500" lvl="0" marL="457200" rtl="0" algn="l">
+            <a:pPr marL="457200" lvl="0" indent="-317500" algn="l" rtl="0">
               <a:lnSpc>
                 <a:spcPct val="115000"/>
               </a:lnSpc>
@@ -12699,7 +12699,7 @@
             </a:endParaRPr>
           </a:p>
           <a:p>
-            <a:pPr indent="-317500" lvl="0" marL="457200" rtl="0" algn="l">
+            <a:pPr marL="457200" lvl="0" indent="-317500" algn="l" rtl="0">
               <a:lnSpc>
                 <a:spcPct val="115000"/>
               </a:lnSpc>
@@ -12739,7 +12739,7 @@
             </a:endParaRPr>
           </a:p>
           <a:p>
-            <a:pPr indent="-317500" lvl="0" marL="457200" rtl="0" algn="l">
+            <a:pPr marL="457200" lvl="0" indent="-317500" algn="l" rtl="0">
               <a:lnSpc>
                 <a:spcPct val="115000"/>
               </a:lnSpc>
@@ -12779,7 +12779,7 @@
             </a:endParaRPr>
           </a:p>
           <a:p>
-            <a:pPr indent="-317500" lvl="0" marL="457200" rtl="0" algn="l">
+            <a:pPr marL="457200" lvl="0" indent="-317500" algn="l" rtl="0">
               <a:lnSpc>
                 <a:spcPct val="115000"/>
               </a:lnSpc>
@@ -12819,7 +12819,7 @@
             </a:endParaRPr>
           </a:p>
           <a:p>
-            <a:pPr indent="-317500" lvl="0" marL="457200" rtl="0" algn="l">
+            <a:pPr marL="457200" lvl="0" indent="-317500" algn="l" rtl="0">
               <a:lnSpc>
                 <a:spcPct val="115000"/>
               </a:lnSpc>
@@ -12870,7 +12870,7 @@
           <a:blip r:embed="rId3">
             <a:alphaModFix/>
           </a:blip>
-          <a:srcRect b="0" l="3464" r="17433" t="7851"/>
+          <a:srcRect l="3464" t="7851" r="17433"/>
           <a:stretch/>
         </p:blipFill>
         <p:spPr>
@@ -12924,11 +12924,11 @@
 </file>
 
 <file path=ppt/slides/slide8.xml><?xml version="1.0" encoding="utf-8"?>
-<p:sld xmlns:a="http://schemas.openxmlformats.org/drawingml/2006/main" xmlns:r="http://schemas.openxmlformats.org/officeDocument/2006/relationships" xmlns:mc="http://schemas.openxmlformats.org/markup-compatibility/2006" xmlns:mv="urn:schemas-microsoft-com:mac:vml" xmlns:p="http://schemas.openxmlformats.org/presentationml/2006/main" xmlns:c="http://schemas.openxmlformats.org/drawingml/2006/chart" xmlns:dgm="http://schemas.openxmlformats.org/drawingml/2006/diagram" xmlns:o="urn:schemas-microsoft-com:office:office" xmlns:v="urn:schemas-microsoft-com:vml" xmlns:pvml="urn:schemas-microsoft-com:office:powerpoint" xmlns:com="http://schemas.openxmlformats.org/drawingml/2006/compatibility" xmlns:p14="http://schemas.microsoft.com/office/powerpoint/2010/main" xmlns:p15="http://schemas.microsoft.com/office/powerpoint/2012/main" xmlns:ahyp="http://schemas.microsoft.com/office/drawing/2018/hyperlinkcolor">
+<p:sld xmlns:a="http://schemas.openxmlformats.org/drawingml/2006/main" xmlns:r="http://schemas.openxmlformats.org/officeDocument/2006/relationships" xmlns:p="http://schemas.openxmlformats.org/presentationml/2006/main">
   <p:cSld>
     <p:spTree>
       <p:nvGrpSpPr>
-        <p:cNvPr id="139" name="Shape 139"/>
+        <p:cNvPr id="1" name="Shape 139"/>
         <p:cNvGrpSpPr/>
         <p:nvPr/>
       </p:nvGrpSpPr>
@@ -12943,7 +12943,9 @@
       <p:sp>
         <p:nvSpPr>
           <p:cNvPr id="140" name="Google Shape;140;p20"/>
-          <p:cNvSpPr txBox="1"/>
+          <p:cNvSpPr txBox="1">
+            <a:spLocks noGrp="1"/>
+          </p:cNvSpPr>
           <p:nvPr>
             <p:ph type="title"/>
           </p:nvPr>
@@ -12958,12 +12960,12 @@
           </a:prstGeom>
         </p:spPr>
         <p:txBody>
-          <a:bodyPr anchorCtr="0" anchor="t" bIns="91425" lIns="91425" spcFirstLastPara="1" rIns="91425" wrap="square" tIns="91425">
+          <a:bodyPr spcFirstLastPara="1" wrap="square" lIns="91425" tIns="91425" rIns="91425" bIns="91425" anchor="t" anchorCtr="0">
             <a:normAutofit fontScale="90000"/>
           </a:bodyPr>
           <a:lstStyle/>
           <a:p>
-            <a:pPr indent="0" lvl="0" marL="0" rtl="0" algn="l">
+            <a:pPr marL="0" lvl="0" indent="0" algn="l" rtl="0">
               <a:spcBef>
                 <a:spcPts val="0"/>
               </a:spcBef>
@@ -13017,11 +13019,11 @@
 </file>
 
 <file path=ppt/slides/slide9.xml><?xml version="1.0" encoding="utf-8"?>
-<p:sld xmlns:a="http://schemas.openxmlformats.org/drawingml/2006/main" xmlns:r="http://schemas.openxmlformats.org/officeDocument/2006/relationships" xmlns:mc="http://schemas.openxmlformats.org/markup-compatibility/2006" xmlns:mv="urn:schemas-microsoft-com:mac:vml" xmlns:p="http://schemas.openxmlformats.org/presentationml/2006/main" xmlns:c="http://schemas.openxmlformats.org/drawingml/2006/chart" xmlns:dgm="http://schemas.openxmlformats.org/drawingml/2006/diagram" xmlns:o="urn:schemas-microsoft-com:office:office" xmlns:v="urn:schemas-microsoft-com:vml" xmlns:pvml="urn:schemas-microsoft-com:office:powerpoint" xmlns:com="http://schemas.openxmlformats.org/drawingml/2006/compatibility" xmlns:p14="http://schemas.microsoft.com/office/powerpoint/2010/main" xmlns:p15="http://schemas.microsoft.com/office/powerpoint/2012/main" xmlns:ahyp="http://schemas.microsoft.com/office/drawing/2018/hyperlinkcolor">
+<p:sld xmlns:a="http://schemas.openxmlformats.org/drawingml/2006/main" xmlns:r="http://schemas.openxmlformats.org/officeDocument/2006/relationships" xmlns:p="http://schemas.openxmlformats.org/presentationml/2006/main">
   <p:cSld>
     <p:spTree>
       <p:nvGrpSpPr>
-        <p:cNvPr id="145" name="Shape 145"/>
+        <p:cNvPr id="1" name="Shape 145"/>
         <p:cNvGrpSpPr/>
         <p:nvPr/>
       </p:nvGrpSpPr>
@@ -13036,7 +13038,9 @@
       <p:sp>
         <p:nvSpPr>
           <p:cNvPr id="146" name="Google Shape;146;p21"/>
-          <p:cNvSpPr txBox="1"/>
+          <p:cNvSpPr txBox="1">
+            <a:spLocks noGrp="1"/>
+          </p:cNvSpPr>
           <p:nvPr>
             <p:ph type="title"/>
           </p:nvPr>
@@ -13051,12 +13055,12 @@
           </a:prstGeom>
         </p:spPr>
         <p:txBody>
-          <a:bodyPr anchorCtr="0" anchor="t" bIns="91425" lIns="91425" spcFirstLastPara="1" rIns="91425" wrap="square" tIns="91425">
+          <a:bodyPr spcFirstLastPara="1" wrap="square" lIns="91425" tIns="91425" rIns="91425" bIns="91425" anchor="t" anchorCtr="0">
             <a:normAutofit fontScale="90000"/>
           </a:bodyPr>
           <a:lstStyle/>
           <a:p>
-            <a:pPr indent="0" lvl="0" marL="0" rtl="0" algn="l">
+            <a:pPr marL="0" lvl="0" indent="0" algn="l" rtl="0">
               <a:spcBef>
                 <a:spcPts val="0"/>
               </a:spcBef>
@@ -13083,7 +13087,7 @@
           <a:blip r:embed="rId3">
             <a:alphaModFix/>
           </a:blip>
-          <a:srcRect b="0" l="0" r="0" t="53906"/>
+          <a:srcRect t="53906"/>
           <a:stretch/>
         </p:blipFill>
         <p:spPr>
@@ -13110,7 +13114,7 @@
           <a:blip r:embed="rId3">
             <a:alphaModFix/>
           </a:blip>
-          <a:srcRect b="62442" l="0" r="23318" t="3870"/>
+          <a:srcRect t="3870" r="23318" b="62442"/>
           <a:stretch/>
         </p:blipFill>
         <p:spPr>
@@ -13137,7 +13141,7 @@
           <a:blip r:embed="rId3">
             <a:alphaModFix/>
           </a:blip>
-          <a:srcRect b="0" l="6533" r="16785" t="73108"/>
+          <a:srcRect l="6533" t="73108" r="16785"/>
           <a:stretch/>
         </p:blipFill>
         <p:spPr>
@@ -13163,7 +13167,7 @@
 </file>
 
 <file path=ppt/theme/theme1.xml><?xml version="1.0" encoding="utf-8"?>
-<a:theme xmlns:a="http://schemas.openxmlformats.org/drawingml/2006/main" xmlns:r="http://schemas.openxmlformats.org/officeDocument/2006/relationships" name="Streamline">
+<a:theme xmlns:a="http://schemas.openxmlformats.org/drawingml/2006/main" name="Streamline">
   <a:themeElements>
     <a:clrScheme name="Streamline">
       <a:dk1>
@@ -13438,11 +13442,13 @@
       </a:bgFillStyleLst>
     </a:fmtScheme>
   </a:themeElements>
+  <a:objectDefaults/>
+  <a:extraClrSchemeLst/>
 </a:theme>
 </file>
 
 <file path=ppt/theme/theme2.xml><?xml version="1.0" encoding="utf-8"?>
-<a:theme xmlns:a="http://schemas.openxmlformats.org/drawingml/2006/main" xmlns:r="http://schemas.openxmlformats.org/officeDocument/2006/relationships">
+<a:theme xmlns:a="http://schemas.openxmlformats.org/drawingml/2006/main">
   <a:themeElements>
     <a:clrScheme name="Default">
       <a:dk1>
@@ -13717,5 +13723,7 @@
       </a:bgFillStyleLst>
     </a:fmtScheme>
   </a:themeElements>
+  <a:objectDefaults/>
+  <a:extraClrSchemeLst/>
 </a:theme>
 </file>